--- a/doc/CSS Round display for Dev Meetup in Sydney.pptx
+++ b/doc/CSS Round display for Dev Meetup in Sydney.pptx
@@ -214,7 +214,7 @@
             <a:fld id="{E51E03A0-E47E-4A82-97B8-1325CFB4AFF1}" type="datetimeFigureOut">
               <a:rPr lang="ko-KR" altLang="en-US" smtClean="0"/>
               <a:pPr/>
-              <a:t>2016-01-26</a:t>
+              <a:t>2016-01-27</a:t>
             </a:fld>
             <a:endParaRPr lang="ko-KR" altLang="en-US"/>
           </a:p>
@@ -385,7 +385,7 @@
     </p:spTree>
     <p:extLst>
       <p:ext uri="{BB962C8B-B14F-4D97-AF65-F5344CB8AC3E}">
-        <p14:creationId xmlns:p14="http://schemas.microsoft.com/office/powerpoint/2010/main" xmlns="" val="1557520502"/>
+        <p14:creationId xmlns="" xmlns:p14="http://schemas.microsoft.com/office/powerpoint/2010/main" val="1557520502"/>
       </p:ext>
     </p:extLst>
   </p:cSld>
@@ -526,10 +526,50 @@
         </p:nvSpPr>
         <p:spPr/>
         <p:txBody>
-          <a:bodyPr/>
+          <a:bodyPr>
+            <a:normAutofit/>
+          </a:bodyPr>
           <a:lstStyle/>
           <a:p>
-            <a:endParaRPr lang="en-US" altLang="ko-KR" baseline="0" dirty="0" smtClean="0"/>
+            <a:pPr marL="0" marR="0" lvl="1" indent="0" algn="l" defTabSz="914400" rtl="0" eaLnBrk="1" fontAlgn="auto" latinLnBrk="1" hangingPunct="1">
+              <a:lnSpc>
+                <a:spcPct val="100000"/>
+              </a:lnSpc>
+              <a:spcBef>
+                <a:spcPts val="0"/>
+              </a:spcBef>
+              <a:spcAft>
+                <a:spcPts val="0"/>
+              </a:spcAft>
+              <a:buClrTx/>
+              <a:buSzTx/>
+              <a:buFontTx/>
+              <a:buNone/>
+              <a:tabLst/>
+              <a:defRPr/>
+            </a:pPr>
+            <a:r>
+              <a:rPr lang="en-US" altLang="ko-KR" dirty="0" smtClean="0">
+                <a:latin typeface="LG체_v0.1 Regular" pitchFamily="50" charset="-127"/>
+                <a:ea typeface="LG체_v0.1 Regular" pitchFamily="50" charset="-127"/>
+              </a:rPr>
+              <a:t>Media Queries enables authors to apply different styles.</a:t>
+            </a:r>
+            <a:endParaRPr lang="en-US" altLang="ko-KR" sz="2400" dirty="0" smtClean="0">
+              <a:latin typeface="LG체_v0.1 Regular" pitchFamily="50" charset="-127"/>
+              <a:ea typeface="LG체_v0.1 Regular" pitchFamily="50" charset="-127"/>
+            </a:endParaRPr>
+          </a:p>
+          <a:p>
+            <a:r>
+              <a:rPr lang="en-US" altLang="ko-KR" dirty="0" smtClean="0"/>
+              <a:t>- Add a new media</a:t>
+            </a:r>
+            <a:r>
+              <a:rPr lang="en-US" altLang="ko-KR" baseline="0" dirty="0" smtClean="0"/>
+              <a:t> feature</a:t>
+            </a:r>
+            <a:endParaRPr lang="ko-KR" altLang="en-US" dirty="0"/>
           </a:p>
         </p:txBody>
       </p:sp>
@@ -548,21 +588,16 @@
           <a:bodyPr/>
           <a:lstStyle/>
           <a:p>
-            <a:fld id="{5EB56BF3-9402-47AF-ABE7-F0354937430F}" type="slidenum">
+            <a:fld id="{0FCBA44D-A623-478E-A2A1-D15B83B09C58}" type="slidenum">
               <a:rPr lang="ko-KR" altLang="en-US" smtClean="0"/>
               <a:pPr/>
-              <a:t>12</a:t>
+              <a:t>6</a:t>
             </a:fld>
             <a:endParaRPr lang="ko-KR" altLang="en-US"/>
           </a:p>
         </p:txBody>
       </p:sp>
     </p:spTree>
-    <p:extLst>
-      <p:ext uri="{BB962C8B-B14F-4D97-AF65-F5344CB8AC3E}">
-        <p14:creationId xmlns:p14="http://schemas.microsoft.com/office/powerpoint/2010/main" xmlns="" val="4266316868"/>
-      </p:ext>
-    </p:extLst>
   </p:cSld>
   <p:clrMapOvr>
     <a:masterClrMapping/>
@@ -636,7 +671,7 @@
             <a:fld id="{5EB56BF3-9402-47AF-ABE7-F0354937430F}" type="slidenum">
               <a:rPr lang="ko-KR" altLang="en-US" smtClean="0"/>
               <a:pPr/>
-              <a:t>13</a:t>
+              <a:t>12</a:t>
             </a:fld>
             <a:endParaRPr lang="ko-KR" altLang="en-US"/>
           </a:p>
@@ -645,7 +680,7 @@
     </p:spTree>
     <p:extLst>
       <p:ext uri="{BB962C8B-B14F-4D97-AF65-F5344CB8AC3E}">
-        <p14:creationId xmlns:p14="http://schemas.microsoft.com/office/powerpoint/2010/main" xmlns="" val="4266316868"/>
+        <p14:creationId xmlns="" xmlns:p14="http://schemas.microsoft.com/office/powerpoint/2010/main" val="4266316868"/>
       </p:ext>
     </p:extLst>
   </p:cSld>
@@ -696,22 +731,186 @@
         </p:nvSpPr>
         <p:spPr/>
         <p:txBody>
-          <a:bodyPr>
-            <a:normAutofit fontScale="92500"/>
-          </a:bodyPr>
+          <a:bodyPr/>
           <a:lstStyle/>
           <a:p>
-            <a:pPr marL="342900" indent="-342900">
-              <a:lnSpc>
-                <a:spcPct val="150000"/>
-              </a:lnSpc>
+            <a:pPr marL="342900" lvl="1" indent="-254000" fontAlgn="base">
+              <a:spcBef>
+                <a:spcPts val="600"/>
+              </a:spcBef>
+              <a:spcAft>
+                <a:spcPct val="0"/>
+              </a:spcAft>
               <a:buClr>
-                <a:srgbClr val="CC0066"/>
+                <a:srgbClr val="D6006B"/>
               </a:buClr>
-              <a:buFont typeface="나눔고딕" panose="020D0604000000000000" pitchFamily="50" charset="-127"/>
-              <a:buChar char="■"/>
+              <a:buFont typeface="Arial" panose="020B0604020202020204" pitchFamily="34" charset="0"/>
+              <a:buChar char="•"/>
+              <a:defRPr/>
             </a:pPr>
-            <a:endParaRPr lang="ko-KR" altLang="en-US" dirty="0"/>
+            <a:r>
+              <a:rPr lang="en-US" altLang="ko-KR" sz="2000" dirty="0" smtClean="0">
+                <a:latin typeface="LG체_v0.1 Regular" pitchFamily="50" charset="-127"/>
+                <a:ea typeface="LG체_v0.1 Regular" pitchFamily="50" charset="-127"/>
+              </a:rPr>
+              <a:t>Typical interaction on displays</a:t>
+            </a:r>
+          </a:p>
+          <a:p>
+            <a:pPr marL="800100" lvl="2" indent="-254000" fontAlgn="base">
+              <a:spcBef>
+                <a:spcPts val="600"/>
+              </a:spcBef>
+              <a:spcAft>
+                <a:spcPct val="0"/>
+              </a:spcAft>
+              <a:buClr>
+                <a:schemeClr val="bg2"/>
+              </a:buClr>
+              <a:buFont typeface="Wingdings" pitchFamily="2" charset="2"/>
+              <a:buChar char="§"/>
+              <a:defRPr/>
+            </a:pPr>
+            <a:r>
+              <a:rPr lang="en-US" altLang="ko-KR" sz="1600" dirty="0" smtClean="0">
+                <a:latin typeface="LG체_v0.1 Regular" pitchFamily="50" charset="-127"/>
+                <a:ea typeface="LG체_v0.1 Regular" pitchFamily="50" charset="-127"/>
+                <a:cs typeface="Times New Roman" panose="02020603050405020304" pitchFamily="18" charset="0"/>
+              </a:rPr>
+              <a:t>list item, long texts</a:t>
+            </a:r>
+          </a:p>
+          <a:p>
+            <a:endParaRPr lang="en-US" altLang="ko-KR" sz="1200" b="0" i="0" kern="1200" dirty="0" smtClean="0">
+              <a:solidFill>
+                <a:schemeClr val="tx1"/>
+              </a:solidFill>
+              <a:latin typeface="+mn-lt"/>
+              <a:ea typeface="+mn-ea"/>
+              <a:cs typeface="+mn-cs"/>
+            </a:endParaRPr>
+          </a:p>
+          <a:p>
+            <a:endParaRPr lang="en-US" altLang="ko-KR" sz="1200" b="0" i="0" kern="1200" dirty="0" smtClean="0">
+              <a:solidFill>
+                <a:schemeClr val="tx1"/>
+              </a:solidFill>
+              <a:latin typeface="+mn-lt"/>
+              <a:ea typeface="+mn-ea"/>
+              <a:cs typeface="+mn-cs"/>
+            </a:endParaRPr>
+          </a:p>
+          <a:p>
+            <a:endParaRPr lang="en-US" altLang="ko-KR" sz="1200" b="0" i="0" kern="1200" dirty="0" smtClean="0">
+              <a:solidFill>
+                <a:schemeClr val="tx1"/>
+              </a:solidFill>
+              <a:latin typeface="+mn-lt"/>
+              <a:ea typeface="+mn-ea"/>
+              <a:cs typeface="+mn-cs"/>
+            </a:endParaRPr>
+          </a:p>
+          <a:p>
+            <a:r>
+              <a:rPr lang="en-US" altLang="ko-KR" sz="1200" b="0" i="0" kern="1200" dirty="0" smtClean="0">
+                <a:solidFill>
+                  <a:schemeClr val="tx1"/>
+                </a:solidFill>
+                <a:latin typeface="+mn-lt"/>
+                <a:ea typeface="+mn-ea"/>
+                <a:cs typeface="+mn-cs"/>
+              </a:rPr>
+              <a:t>List Type</a:t>
+            </a:r>
+          </a:p>
+          <a:p>
+            <a:r>
+              <a:rPr lang="en-US" altLang="ko-KR" sz="1200" b="0" i="0" kern="1200" dirty="0" smtClean="0">
+                <a:solidFill>
+                  <a:schemeClr val="tx1"/>
+                </a:solidFill>
+                <a:latin typeface="+mn-lt"/>
+                <a:ea typeface="+mn-ea"/>
+                <a:cs typeface="+mn-cs"/>
+              </a:rPr>
+              <a:t>The list type screen is well suited for a list of text-focused information. Each item in the list usually comes with </a:t>
+            </a:r>
+            <a:r>
+              <a:rPr lang="en-US" altLang="ko-KR" sz="1200" b="0" i="0" kern="1200" dirty="0" err="1" smtClean="0">
+                <a:solidFill>
+                  <a:schemeClr val="tx1"/>
+                </a:solidFill>
+                <a:latin typeface="+mn-lt"/>
+                <a:ea typeface="+mn-ea"/>
+                <a:cs typeface="+mn-cs"/>
+              </a:rPr>
+              <a:t>subscreens</a:t>
+            </a:r>
+            <a:r>
+              <a:rPr lang="en-US" altLang="ko-KR" sz="1200" b="0" i="0" kern="1200" dirty="0" smtClean="0">
+                <a:solidFill>
+                  <a:schemeClr val="tx1"/>
+                </a:solidFill>
+                <a:latin typeface="+mn-lt"/>
+                <a:ea typeface="+mn-ea"/>
+                <a:cs typeface="+mn-cs"/>
+              </a:rPr>
+              <a:t>. A list type screen can provide a good overview of the items on a page, and is suitable when quick navigation is required for multiple items. This type of navigation design is presented with a circular scroll bar to indicate which part of the content is currently viewed.</a:t>
+            </a:r>
+          </a:p>
+          <a:p>
+            <a:endParaRPr lang="en-US" altLang="ko-KR" baseline="0" dirty="0" smtClean="0"/>
+          </a:p>
+          <a:p>
+            <a:r>
+              <a:rPr lang="en-US" altLang="ko-KR" sz="1200" b="0" i="0" kern="1200" dirty="0" smtClean="0">
+                <a:solidFill>
+                  <a:schemeClr val="tx1"/>
+                </a:solidFill>
+                <a:latin typeface="+mn-lt"/>
+                <a:ea typeface="+mn-ea"/>
+                <a:cs typeface="+mn-cs"/>
+              </a:rPr>
+              <a:t>Card Type</a:t>
+            </a:r>
+          </a:p>
+          <a:p>
+            <a:r>
+              <a:rPr lang="en-US" altLang="ko-KR" sz="1200" b="0" i="0" kern="1200" dirty="0" smtClean="0">
+                <a:solidFill>
+                  <a:schemeClr val="tx1"/>
+                </a:solidFill>
+                <a:latin typeface="+mn-lt"/>
+                <a:ea typeface="+mn-ea"/>
+                <a:cs typeface="+mn-cs"/>
+              </a:rPr>
+              <a:t>The card type screen is ideal for providing information that can be presented on a single card. The card type screen does not allow continuous scrolling of the contents, but users can tap on the card to view the detailed information on a </a:t>
+            </a:r>
+            <a:r>
+              <a:rPr lang="en-US" altLang="ko-KR" sz="1200" b="0" i="0" kern="1200" dirty="0" err="1" smtClean="0">
+                <a:solidFill>
+                  <a:schemeClr val="tx1"/>
+                </a:solidFill>
+                <a:latin typeface="+mn-lt"/>
+                <a:ea typeface="+mn-ea"/>
+                <a:cs typeface="+mn-cs"/>
+              </a:rPr>
+              <a:t>subscreen</a:t>
+            </a:r>
+            <a:r>
+              <a:rPr lang="en-US" altLang="ko-KR" sz="1200" b="0" i="0" kern="1200" dirty="0" smtClean="0">
+                <a:solidFill>
+                  <a:schemeClr val="tx1"/>
+                </a:solidFill>
+                <a:latin typeface="+mn-lt"/>
+                <a:ea typeface="+mn-ea"/>
+                <a:cs typeface="+mn-cs"/>
+              </a:rPr>
+              <a:t>. As you navigate up or down the screen, the next card or the previous card snaps into the screen.</a:t>
+            </a:r>
+          </a:p>
+          <a:p>
+            <a:endParaRPr lang="en-US" altLang="ko-KR" baseline="0" dirty="0" smtClean="0"/>
           </a:p>
         </p:txBody>
       </p:sp>
@@ -730,16 +929,21 @@
           <a:bodyPr/>
           <a:lstStyle/>
           <a:p>
-            <a:fld id="{0FCBA44D-A623-478E-A2A1-D15B83B09C58}" type="slidenum">
+            <a:fld id="{5EB56BF3-9402-47AF-ABE7-F0354937430F}" type="slidenum">
               <a:rPr lang="ko-KR" altLang="en-US" smtClean="0"/>
               <a:pPr/>
-              <a:t>14</a:t>
+              <a:t>13</a:t>
             </a:fld>
             <a:endParaRPr lang="ko-KR" altLang="en-US"/>
           </a:p>
         </p:txBody>
       </p:sp>
     </p:spTree>
+    <p:extLst>
+      <p:ext uri="{BB962C8B-B14F-4D97-AF65-F5344CB8AC3E}">
+        <p14:creationId xmlns="" xmlns:p14="http://schemas.microsoft.com/office/powerpoint/2010/main" val="4266316868"/>
+      </p:ext>
+    </p:extLst>
   </p:cSld>
   <p:clrMapOvr>
     <a:masterClrMapping/>
@@ -788,10 +992,22 @@
         </p:nvSpPr>
         <p:spPr/>
         <p:txBody>
-          <a:bodyPr/>
+          <a:bodyPr>
+            <a:normAutofit fontScale="92500"/>
+          </a:bodyPr>
           <a:lstStyle/>
           <a:p>
-            <a:endParaRPr lang="en-US" altLang="ko-KR" baseline="0" dirty="0" smtClean="0"/>
+            <a:pPr marL="342900" indent="-342900">
+              <a:lnSpc>
+                <a:spcPct val="150000"/>
+              </a:lnSpc>
+              <a:buClr>
+                <a:srgbClr val="CC0066"/>
+              </a:buClr>
+              <a:buFont typeface="나눔고딕" panose="020D0604000000000000" pitchFamily="50" charset="-127"/>
+              <a:buChar char="■"/>
+            </a:pPr>
+            <a:endParaRPr lang="ko-KR" altLang="en-US" dirty="0"/>
           </a:p>
         </p:txBody>
       </p:sp>
@@ -810,21 +1026,16 @@
           <a:bodyPr/>
           <a:lstStyle/>
           <a:p>
-            <a:fld id="{5EB56BF3-9402-47AF-ABE7-F0354937430F}" type="slidenum">
+            <a:fld id="{0FCBA44D-A623-478E-A2A1-D15B83B09C58}" type="slidenum">
               <a:rPr lang="ko-KR" altLang="en-US" smtClean="0"/>
               <a:pPr/>
-              <a:t>15</a:t>
+              <a:t>14</a:t>
             </a:fld>
             <a:endParaRPr lang="ko-KR" altLang="en-US"/>
           </a:p>
         </p:txBody>
       </p:sp>
     </p:spTree>
-    <p:extLst>
-      <p:ext uri="{BB962C8B-B14F-4D97-AF65-F5344CB8AC3E}">
-        <p14:creationId xmlns:p14="http://schemas.microsoft.com/office/powerpoint/2010/main" xmlns="" val="4266316868"/>
-      </p:ext>
-    </p:extLst>
   </p:cSld>
   <p:clrMapOvr>
     <a:masterClrMapping/>
@@ -876,10 +1087,7 @@
           <a:bodyPr/>
           <a:lstStyle/>
           <a:p>
-            <a:r>
-              <a:rPr lang="en-US" altLang="ko-KR" baseline="0" dirty="0" smtClean="0"/>
-              <a:t>http://www.pocket-lint.com/news/130896-the-apple-watch-looks-far-better-with-a-round-face-it-suits-the-ui</a:t>
-            </a:r>
+            <a:endParaRPr lang="en-US" altLang="ko-KR" baseline="0" dirty="0" smtClean="0"/>
           </a:p>
         </p:txBody>
       </p:sp>
@@ -901,7 +1109,7 @@
             <a:fld id="{5EB56BF3-9402-47AF-ABE7-F0354937430F}" type="slidenum">
               <a:rPr lang="ko-KR" altLang="en-US" smtClean="0"/>
               <a:pPr/>
-              <a:t>16</a:t>
+              <a:t>15</a:t>
             </a:fld>
             <a:endParaRPr lang="ko-KR" altLang="en-US"/>
           </a:p>
@@ -910,7 +1118,7 @@
     </p:spTree>
     <p:extLst>
       <p:ext uri="{BB962C8B-B14F-4D97-AF65-F5344CB8AC3E}">
-        <p14:creationId xmlns:p14="http://schemas.microsoft.com/office/powerpoint/2010/main" xmlns="" val="4266316868"/>
+        <p14:creationId xmlns="" xmlns:p14="http://schemas.microsoft.com/office/powerpoint/2010/main" val="4266316868"/>
       </p:ext>
     </p:extLst>
   </p:cSld>
@@ -964,7 +1172,10 @@
           <a:bodyPr/>
           <a:lstStyle/>
           <a:p>
-            <a:endParaRPr lang="en-US" altLang="ko-KR" baseline="0" dirty="0" smtClean="0"/>
+            <a:r>
+              <a:rPr lang="en-US" altLang="ko-KR" baseline="0" dirty="0" smtClean="0"/>
+              <a:t>http://www.pocket-lint.com/news/130896-the-apple-watch-looks-far-better-with-a-round-face-it-suits-the-ui</a:t>
+            </a:r>
           </a:p>
         </p:txBody>
       </p:sp>
@@ -986,7 +1197,7 @@
             <a:fld id="{5EB56BF3-9402-47AF-ABE7-F0354937430F}" type="slidenum">
               <a:rPr lang="ko-KR" altLang="en-US" smtClean="0"/>
               <a:pPr/>
-              <a:t>17</a:t>
+              <a:t>16</a:t>
             </a:fld>
             <a:endParaRPr lang="ko-KR" altLang="en-US"/>
           </a:p>
@@ -995,7 +1206,7 @@
     </p:spTree>
     <p:extLst>
       <p:ext uri="{BB962C8B-B14F-4D97-AF65-F5344CB8AC3E}">
-        <p14:creationId xmlns:p14="http://schemas.microsoft.com/office/powerpoint/2010/main" xmlns="" val="4266316868"/>
+        <p14:creationId xmlns="" xmlns:p14="http://schemas.microsoft.com/office/powerpoint/2010/main" val="4266316868"/>
       </p:ext>
     </p:extLst>
   </p:cSld>
@@ -1032,12 +1243,7 @@
             <p:ph type="sldImg"/>
           </p:nvPr>
         </p:nvSpPr>
-        <p:spPr>
-          <a:xfrm>
-            <a:off x="919163" y="746125"/>
-            <a:ext cx="4967287" cy="3725863"/>
-          </a:xfrm>
-        </p:spPr>
+        <p:spPr/>
       </p:sp>
       <p:sp>
         <p:nvSpPr>
@@ -1054,35 +1260,18 @@
           <a:bodyPr/>
           <a:lstStyle/>
           <a:p>
-            <a:pPr marL="0" marR="0" indent="0" algn="l" defTabSz="914400" rtl="0" eaLnBrk="1" fontAlgn="auto" latinLnBrk="1" hangingPunct="1">
-              <a:lnSpc>
-                <a:spcPct val="100000"/>
-              </a:lnSpc>
-              <a:spcBef>
-                <a:spcPts val="0"/>
-              </a:spcBef>
-              <a:spcAft>
-                <a:spcPts val="0"/>
-              </a:spcAft>
-              <a:buClrTx/>
-              <a:buSzTx/>
-              <a:buFontTx/>
-              <a:buNone/>
-              <a:tabLst/>
-              <a:defRPr/>
-            </a:pPr>
             <a:endParaRPr lang="en-US" altLang="ko-KR" baseline="0" dirty="0" smtClean="0"/>
           </a:p>
         </p:txBody>
       </p:sp>
       <p:sp>
         <p:nvSpPr>
-          <p:cNvPr id="4" name="바닥글 개체 틀 3"/>
+          <p:cNvPr id="4" name="슬라이드 번호 개체 틀 3"/>
           <p:cNvSpPr>
             <a:spLocks noGrp="1"/>
           </p:cNvSpPr>
           <p:nvPr>
-            <p:ph type="ftr" sz="quarter" idx="10"/>
+            <p:ph type="sldNum" sz="quarter" idx="10"/>
           </p:nvPr>
         </p:nvSpPr>
         <p:spPr/>
@@ -1090,17 +1279,19 @@
           <a:bodyPr/>
           <a:lstStyle/>
           <a:p>
-            <a:pPr>
-              <a:defRPr/>
-            </a:pPr>
-            <a:endParaRPr lang="en-US" altLang="ko-KR"/>
+            <a:fld id="{5EB56BF3-9402-47AF-ABE7-F0354937430F}" type="slidenum">
+              <a:rPr lang="ko-KR" altLang="en-US" smtClean="0"/>
+              <a:pPr/>
+              <a:t>17</a:t>
+            </a:fld>
+            <a:endParaRPr lang="ko-KR" altLang="en-US"/>
           </a:p>
         </p:txBody>
       </p:sp>
     </p:spTree>
     <p:extLst>
       <p:ext uri="{BB962C8B-B14F-4D97-AF65-F5344CB8AC3E}">
-        <p14:creationId xmlns:p14="http://schemas.microsoft.com/office/powerpoint/2010/main" xmlns="" val="3947448739"/>
+        <p14:creationId xmlns="" xmlns:p14="http://schemas.microsoft.com/office/powerpoint/2010/main" val="4266316868"/>
       </p:ext>
     </p:extLst>
   </p:cSld>
@@ -1205,7 +1396,112 @@
     </p:spTree>
     <p:extLst>
       <p:ext uri="{BB962C8B-B14F-4D97-AF65-F5344CB8AC3E}">
-        <p14:creationId xmlns:p14="http://schemas.microsoft.com/office/powerpoint/2010/main" xmlns="" val="3947448739"/>
+        <p14:creationId xmlns="" xmlns:p14="http://schemas.microsoft.com/office/powerpoint/2010/main" val="3947448739"/>
+      </p:ext>
+    </p:extLst>
+  </p:cSld>
+  <p:clrMapOvr>
+    <a:masterClrMapping/>
+  </p:clrMapOvr>
+</p:notes>
+</file>
+
+<file path=ppt/notesSlides/notesSlide9.xml><?xml version="1.0" encoding="utf-8"?>
+<p:notes xmlns:a="http://schemas.openxmlformats.org/drawingml/2006/main" xmlns:r="http://schemas.openxmlformats.org/officeDocument/2006/relationships" xmlns:p="http://schemas.openxmlformats.org/presentationml/2006/main">
+  <p:cSld>
+    <p:spTree>
+      <p:nvGrpSpPr>
+        <p:cNvPr id="1" name=""/>
+        <p:cNvGrpSpPr/>
+        <p:nvPr/>
+      </p:nvGrpSpPr>
+      <p:grpSpPr>
+        <a:xfrm>
+          <a:off x="0" y="0"/>
+          <a:ext cx="0" cy="0"/>
+          <a:chOff x="0" y="0"/>
+          <a:chExt cx="0" cy="0"/>
+        </a:xfrm>
+      </p:grpSpPr>
+      <p:sp>
+        <p:nvSpPr>
+          <p:cNvPr id="2" name="슬라이드 이미지 개체 틀 1"/>
+          <p:cNvSpPr>
+            <a:spLocks noGrp="1" noRot="1" noChangeAspect="1"/>
+          </p:cNvSpPr>
+          <p:nvPr>
+            <p:ph type="sldImg"/>
+          </p:nvPr>
+        </p:nvSpPr>
+        <p:spPr>
+          <a:xfrm>
+            <a:off x="919163" y="746125"/>
+            <a:ext cx="4967287" cy="3725863"/>
+          </a:xfrm>
+        </p:spPr>
+      </p:sp>
+      <p:sp>
+        <p:nvSpPr>
+          <p:cNvPr id="3" name="슬라이드 노트 개체 틀 2"/>
+          <p:cNvSpPr>
+            <a:spLocks noGrp="1"/>
+          </p:cNvSpPr>
+          <p:nvPr>
+            <p:ph type="body" idx="1"/>
+          </p:nvPr>
+        </p:nvSpPr>
+        <p:spPr/>
+        <p:txBody>
+          <a:bodyPr/>
+          <a:lstStyle/>
+          <a:p>
+            <a:pPr marL="0" marR="0" indent="0" algn="l" defTabSz="914400" rtl="0" eaLnBrk="1" fontAlgn="auto" latinLnBrk="1" hangingPunct="1">
+              <a:lnSpc>
+                <a:spcPct val="100000"/>
+              </a:lnSpc>
+              <a:spcBef>
+                <a:spcPts val="0"/>
+              </a:spcBef>
+              <a:spcAft>
+                <a:spcPts val="0"/>
+              </a:spcAft>
+              <a:buClrTx/>
+              <a:buSzTx/>
+              <a:buFontTx/>
+              <a:buNone/>
+              <a:tabLst/>
+              <a:defRPr/>
+            </a:pPr>
+            <a:endParaRPr lang="en-US" altLang="ko-KR" baseline="0" dirty="0" smtClean="0"/>
+          </a:p>
+        </p:txBody>
+      </p:sp>
+      <p:sp>
+        <p:nvSpPr>
+          <p:cNvPr id="4" name="바닥글 개체 틀 3"/>
+          <p:cNvSpPr>
+            <a:spLocks noGrp="1"/>
+          </p:cNvSpPr>
+          <p:nvPr>
+            <p:ph type="ftr" sz="quarter" idx="10"/>
+          </p:nvPr>
+        </p:nvSpPr>
+        <p:spPr/>
+        <p:txBody>
+          <a:bodyPr/>
+          <a:lstStyle/>
+          <a:p>
+            <a:pPr>
+              <a:defRPr/>
+            </a:pPr>
+            <a:endParaRPr lang="en-US" altLang="ko-KR"/>
+          </a:p>
+        </p:txBody>
+      </p:sp>
+    </p:spTree>
+    <p:extLst>
+      <p:ext uri="{BB962C8B-B14F-4D97-AF65-F5344CB8AC3E}">
+        <p14:creationId xmlns="" xmlns:p14="http://schemas.microsoft.com/office/powerpoint/2010/main" val="3947448739"/>
       </p:ext>
     </p:extLst>
   </p:cSld>
@@ -1235,7 +1531,7 @@
     </p:spTree>
     <p:extLst>
       <p:ext uri="{BB962C8B-B14F-4D97-AF65-F5344CB8AC3E}">
-        <p14:creationId xmlns="" xmlns:p14="http://schemas.microsoft.com/office/powerpoint/2010/main" val="2126645425"/>
+        <p14:creationId xmlns:p14="http://schemas.microsoft.com/office/powerpoint/2010/main" xmlns="" val="2126645425"/>
       </p:ext>
     </p:extLst>
   </p:cSld>
@@ -1253,122 +1549,6 @@
 </file>
 
 <file path=ppt/slideLayouts/slideLayout10.xml><?xml version="1.0" encoding="utf-8"?>
-<p:sldLayout xmlns:a="http://schemas.openxmlformats.org/drawingml/2006/main" xmlns:r="http://schemas.openxmlformats.org/officeDocument/2006/relationships" xmlns:p="http://schemas.openxmlformats.org/presentationml/2006/main" type="blank">
-  <p:cSld name="빈 화면">
-    <p:spTree>
-      <p:nvGrpSpPr>
-        <p:cNvPr id="1" name=""/>
-        <p:cNvGrpSpPr/>
-        <p:nvPr/>
-      </p:nvGrpSpPr>
-      <p:grpSpPr>
-        <a:xfrm>
-          <a:off x="0" y="0"/>
-          <a:ext cx="0" cy="0"/>
-          <a:chOff x="0" y="0"/>
-          <a:chExt cx="0" cy="0"/>
-        </a:xfrm>
-      </p:grpSpPr>
-      <p:sp>
-        <p:nvSpPr>
-          <p:cNvPr id="2" name="날짜 개체 틀 1"/>
-          <p:cNvSpPr>
-            <a:spLocks noGrp="1"/>
-          </p:cNvSpPr>
-          <p:nvPr>
-            <p:ph type="dt" sz="half" idx="10"/>
-          </p:nvPr>
-        </p:nvSpPr>
-        <p:spPr>
-          <a:xfrm>
-            <a:off x="457200" y="6356350"/>
-            <a:ext cx="2133600" cy="365125"/>
-          </a:xfrm>
-          <a:prstGeom prst="rect">
-            <a:avLst/>
-          </a:prstGeom>
-        </p:spPr>
-        <p:txBody>
-          <a:bodyPr/>
-          <a:lstStyle/>
-          <a:p>
-            <a:fld id="{C145DC67-E5DF-4DC5-AFDC-542A777C0193}" type="datetimeFigureOut">
-              <a:rPr lang="ko-KR" altLang="en-US" smtClean="0"/>
-              <a:pPr/>
-              <a:t>2016-01-26</a:t>
-            </a:fld>
-            <a:endParaRPr lang="ko-KR" altLang="en-US"/>
-          </a:p>
-        </p:txBody>
-      </p:sp>
-      <p:sp>
-        <p:nvSpPr>
-          <p:cNvPr id="3" name="바닥글 개체 틀 2"/>
-          <p:cNvSpPr>
-            <a:spLocks noGrp="1"/>
-          </p:cNvSpPr>
-          <p:nvPr>
-            <p:ph type="ftr" sz="quarter" idx="11"/>
-          </p:nvPr>
-        </p:nvSpPr>
-        <p:spPr>
-          <a:xfrm>
-            <a:off x="3124200" y="6356350"/>
-            <a:ext cx="2895600" cy="365125"/>
-          </a:xfrm>
-          <a:prstGeom prst="rect">
-            <a:avLst/>
-          </a:prstGeom>
-        </p:spPr>
-        <p:txBody>
-          <a:bodyPr/>
-          <a:lstStyle/>
-          <a:p>
-            <a:endParaRPr lang="ko-KR" altLang="en-US"/>
-          </a:p>
-        </p:txBody>
-      </p:sp>
-      <p:sp>
-        <p:nvSpPr>
-          <p:cNvPr id="4" name="슬라이드 번호 개체 틀 3"/>
-          <p:cNvSpPr>
-            <a:spLocks noGrp="1"/>
-          </p:cNvSpPr>
-          <p:nvPr>
-            <p:ph type="sldNum" sz="quarter" idx="12"/>
-          </p:nvPr>
-        </p:nvSpPr>
-        <p:spPr>
-          <a:xfrm>
-            <a:off x="6553200" y="6356350"/>
-            <a:ext cx="2133600" cy="365125"/>
-          </a:xfrm>
-          <a:prstGeom prst="rect">
-            <a:avLst/>
-          </a:prstGeom>
-        </p:spPr>
-        <p:txBody>
-          <a:bodyPr/>
-          <a:lstStyle/>
-          <a:p>
-            <a:fld id="{52513FB8-D76A-41B2-B13F-31220EDD9C8F}" type="slidenum">
-              <a:rPr lang="ko-KR" altLang="en-US" smtClean="0"/>
-              <a:pPr/>
-              <a:t>‹#›</a:t>
-            </a:fld>
-            <a:endParaRPr lang="ko-KR" altLang="en-US"/>
-          </a:p>
-        </p:txBody>
-      </p:sp>
-    </p:spTree>
-  </p:cSld>
-  <p:clrMapOvr>
-    <a:masterClrMapping/>
-  </p:clrMapOvr>
-</p:sldLayout>
-</file>
-
-<file path=ppt/slideLayouts/slideLayout11.xml><?xml version="1.0" encoding="utf-8"?>
 <p:sldLayout xmlns:a="http://schemas.openxmlformats.org/drawingml/2006/main" xmlns:r="http://schemas.openxmlformats.org/officeDocument/2006/relationships" xmlns:p="http://schemas.openxmlformats.org/presentationml/2006/main" type="title" preserve="1">
   <p:cSld name="제목 슬라이드">
     <p:spTree>
@@ -1388,7 +1568,7 @@
     </p:spTree>
     <p:extLst>
       <p:ext uri="{BB962C8B-B14F-4D97-AF65-F5344CB8AC3E}">
-        <p14:creationId xmlns="" xmlns:p14="http://schemas.microsoft.com/office/powerpoint/2010/main" val="2460804913"/>
+        <p14:creationId xmlns:p14="http://schemas.microsoft.com/office/powerpoint/2010/main" xmlns="" val="2460804913"/>
       </p:ext>
     </p:extLst>
   </p:cSld>
@@ -1405,7 +1585,7 @@
 </p:sldLayout>
 </file>
 
-<file path=ppt/slideLayouts/slideLayout12.xml><?xml version="1.0" encoding="utf-8"?>
+<file path=ppt/slideLayouts/slideLayout11.xml><?xml version="1.0" encoding="utf-8"?>
 <p:sldLayout xmlns:a="http://schemas.openxmlformats.org/drawingml/2006/main" xmlns:r="http://schemas.openxmlformats.org/officeDocument/2006/relationships" xmlns:p="http://schemas.openxmlformats.org/presentationml/2006/main" preserve="1" userDrawn="1">
   <p:cSld name="제목 및 내용">
     <p:spTree>
@@ -1592,7 +1772,7 @@
     </p:spTree>
     <p:extLst>
       <p:ext uri="{BB962C8B-B14F-4D97-AF65-F5344CB8AC3E}">
-        <p14:creationId xmlns="" xmlns:p14="http://schemas.microsoft.com/office/powerpoint/2010/main" val="2548920929"/>
+        <p14:creationId xmlns:p14="http://schemas.microsoft.com/office/powerpoint/2010/main" xmlns="" val="2548920929"/>
       </p:ext>
     </p:extLst>
   </p:cSld>
@@ -1796,7 +1976,7 @@
     </p:spTree>
     <p:extLst>
       <p:ext uri="{BB962C8B-B14F-4D97-AF65-F5344CB8AC3E}">
-        <p14:creationId xmlns="" xmlns:p14="http://schemas.microsoft.com/office/powerpoint/2010/main" val="3443127787"/>
+        <p14:creationId xmlns:p14="http://schemas.microsoft.com/office/powerpoint/2010/main" xmlns="" val="3443127787"/>
       </p:ext>
     </p:extLst>
   </p:cSld>
@@ -1856,7 +2036,7 @@
             <a:fld id="{C145DC67-E5DF-4DC5-AFDC-542A777C0193}" type="datetimeFigureOut">
               <a:rPr lang="ko-KR" altLang="en-US" smtClean="0"/>
               <a:pPr/>
-              <a:t>2016-01-26</a:t>
+              <a:t>2016-01-27</a:t>
             </a:fld>
             <a:endParaRPr lang="ko-KR" altLang="en-US"/>
           </a:p>
@@ -1949,7 +2129,7 @@
     </p:spTree>
     <p:extLst>
       <p:ext uri="{BB962C8B-B14F-4D97-AF65-F5344CB8AC3E}">
-        <p14:creationId xmlns="" xmlns:p14="http://schemas.microsoft.com/office/powerpoint/2010/main" val="2460804913"/>
+        <p14:creationId xmlns:p14="http://schemas.microsoft.com/office/powerpoint/2010/main" xmlns="" val="2460804913"/>
       </p:ext>
     </p:extLst>
   </p:cSld>
@@ -2153,7 +2333,7 @@
     </p:spTree>
     <p:extLst>
       <p:ext uri="{BB962C8B-B14F-4D97-AF65-F5344CB8AC3E}">
-        <p14:creationId xmlns="" xmlns:p14="http://schemas.microsoft.com/office/powerpoint/2010/main" val="2548920929"/>
+        <p14:creationId xmlns:p14="http://schemas.microsoft.com/office/powerpoint/2010/main" xmlns="" val="2548920929"/>
       </p:ext>
     </p:extLst>
   </p:cSld>
@@ -2171,122 +2351,6 @@
 </file>
 
 <file path=ppt/slideLayouts/slideLayout6.xml><?xml version="1.0" encoding="utf-8"?>
-<p:sldLayout xmlns:a="http://schemas.openxmlformats.org/drawingml/2006/main" xmlns:r="http://schemas.openxmlformats.org/officeDocument/2006/relationships" xmlns:p="http://schemas.openxmlformats.org/presentationml/2006/main" type="blank">
-  <p:cSld name="빈 화면">
-    <p:spTree>
-      <p:nvGrpSpPr>
-        <p:cNvPr id="1" name=""/>
-        <p:cNvGrpSpPr/>
-        <p:nvPr/>
-      </p:nvGrpSpPr>
-      <p:grpSpPr>
-        <a:xfrm>
-          <a:off x="0" y="0"/>
-          <a:ext cx="0" cy="0"/>
-          <a:chOff x="0" y="0"/>
-          <a:chExt cx="0" cy="0"/>
-        </a:xfrm>
-      </p:grpSpPr>
-      <p:sp>
-        <p:nvSpPr>
-          <p:cNvPr id="2" name="날짜 개체 틀 1"/>
-          <p:cNvSpPr>
-            <a:spLocks noGrp="1"/>
-          </p:cNvSpPr>
-          <p:nvPr>
-            <p:ph type="dt" sz="half" idx="10"/>
-          </p:nvPr>
-        </p:nvSpPr>
-        <p:spPr>
-          <a:xfrm>
-            <a:off x="457200" y="6356350"/>
-            <a:ext cx="2133600" cy="365125"/>
-          </a:xfrm>
-          <a:prstGeom prst="rect">
-            <a:avLst/>
-          </a:prstGeom>
-        </p:spPr>
-        <p:txBody>
-          <a:bodyPr/>
-          <a:lstStyle/>
-          <a:p>
-            <a:fld id="{C145DC67-E5DF-4DC5-AFDC-542A777C0193}" type="datetimeFigureOut">
-              <a:rPr lang="ko-KR" altLang="en-US" smtClean="0"/>
-              <a:pPr/>
-              <a:t>2016-01-26</a:t>
-            </a:fld>
-            <a:endParaRPr lang="ko-KR" altLang="en-US"/>
-          </a:p>
-        </p:txBody>
-      </p:sp>
-      <p:sp>
-        <p:nvSpPr>
-          <p:cNvPr id="3" name="바닥글 개체 틀 2"/>
-          <p:cNvSpPr>
-            <a:spLocks noGrp="1"/>
-          </p:cNvSpPr>
-          <p:nvPr>
-            <p:ph type="ftr" sz="quarter" idx="11"/>
-          </p:nvPr>
-        </p:nvSpPr>
-        <p:spPr>
-          <a:xfrm>
-            <a:off x="3124200" y="6356350"/>
-            <a:ext cx="2895600" cy="365125"/>
-          </a:xfrm>
-          <a:prstGeom prst="rect">
-            <a:avLst/>
-          </a:prstGeom>
-        </p:spPr>
-        <p:txBody>
-          <a:bodyPr/>
-          <a:lstStyle/>
-          <a:p>
-            <a:endParaRPr lang="ko-KR" altLang="en-US"/>
-          </a:p>
-        </p:txBody>
-      </p:sp>
-      <p:sp>
-        <p:nvSpPr>
-          <p:cNvPr id="4" name="슬라이드 번호 개체 틀 3"/>
-          <p:cNvSpPr>
-            <a:spLocks noGrp="1"/>
-          </p:cNvSpPr>
-          <p:nvPr>
-            <p:ph type="sldNum" sz="quarter" idx="12"/>
-          </p:nvPr>
-        </p:nvSpPr>
-        <p:spPr>
-          <a:xfrm>
-            <a:off x="6553200" y="6356350"/>
-            <a:ext cx="2133600" cy="365125"/>
-          </a:xfrm>
-          <a:prstGeom prst="rect">
-            <a:avLst/>
-          </a:prstGeom>
-        </p:spPr>
-        <p:txBody>
-          <a:bodyPr/>
-          <a:lstStyle/>
-          <a:p>
-            <a:fld id="{52513FB8-D76A-41B2-B13F-31220EDD9C8F}" type="slidenum">
-              <a:rPr lang="ko-KR" altLang="en-US" smtClean="0"/>
-              <a:pPr/>
-              <a:t>‹#›</a:t>
-            </a:fld>
-            <a:endParaRPr lang="ko-KR" altLang="en-US"/>
-          </a:p>
-        </p:txBody>
-      </p:sp>
-    </p:spTree>
-  </p:cSld>
-  <p:clrMapOvr>
-    <a:masterClrMapping/>
-  </p:clrMapOvr>
-</p:sldLayout>
-</file>
-
-<file path=ppt/slideLayouts/slideLayout7.xml><?xml version="1.0" encoding="utf-8"?>
 <p:sldLayout xmlns:a="http://schemas.openxmlformats.org/drawingml/2006/main" xmlns:r="http://schemas.openxmlformats.org/officeDocument/2006/relationships" xmlns:p="http://schemas.openxmlformats.org/presentationml/2006/main" type="title" preserve="1">
   <p:cSld name="제목 슬라이드">
     <p:spTree>
@@ -2306,7 +2370,7 @@
     </p:spTree>
     <p:extLst>
       <p:ext uri="{BB962C8B-B14F-4D97-AF65-F5344CB8AC3E}">
-        <p14:creationId xmlns="" xmlns:p14="http://schemas.microsoft.com/office/powerpoint/2010/main" val="2126645425"/>
+        <p14:creationId xmlns:p14="http://schemas.microsoft.com/office/powerpoint/2010/main" xmlns="" val="2126645425"/>
       </p:ext>
     </p:extLst>
   </p:cSld>
@@ -2323,7 +2387,7 @@
 </p:sldLayout>
 </file>
 
-<file path=ppt/slideLayouts/slideLayout8.xml><?xml version="1.0" encoding="utf-8"?>
+<file path=ppt/slideLayouts/slideLayout7.xml><?xml version="1.0" encoding="utf-8"?>
 <p:sldLayout xmlns:a="http://schemas.openxmlformats.org/drawingml/2006/main" xmlns:r="http://schemas.openxmlformats.org/officeDocument/2006/relationships" xmlns:p="http://schemas.openxmlformats.org/presentationml/2006/main" preserve="1">
   <p:cSld name="제목 및 내용">
     <p:spTree>
@@ -2510,7 +2574,7 @@
     </p:spTree>
     <p:extLst>
       <p:ext uri="{BB962C8B-B14F-4D97-AF65-F5344CB8AC3E}">
-        <p14:creationId xmlns="" xmlns:p14="http://schemas.microsoft.com/office/powerpoint/2010/main" val="3443127787"/>
+        <p14:creationId xmlns:p14="http://schemas.microsoft.com/office/powerpoint/2010/main" xmlns="" val="3443127787"/>
       </p:ext>
     </p:extLst>
   </p:cSld>
@@ -2527,7 +2591,7 @@
 </p:sldLayout>
 </file>
 
-<file path=ppt/slideLayouts/slideLayout9.xml><?xml version="1.0" encoding="utf-8"?>
+<file path=ppt/slideLayouts/slideLayout8.xml><?xml version="1.0" encoding="utf-8"?>
 <p:sldLayout xmlns:a="http://schemas.openxmlformats.org/drawingml/2006/main" xmlns:r="http://schemas.openxmlformats.org/officeDocument/2006/relationships" xmlns:p="http://schemas.openxmlformats.org/presentationml/2006/main" type="title">
   <p:cSld name="1_제목 슬라이드">
     <p:spTree>
@@ -2727,7 +2791,7 @@
             <a:fld id="{450DE2A2-22B1-4331-AFE7-B3404F4635A6}" type="datetimeFigureOut">
               <a:rPr lang="ko-KR" altLang="en-US" smtClean="0"/>
               <a:pPr/>
-              <a:t>2016-01-26</a:t>
+              <a:t>2016-01-27</a:t>
             </a:fld>
             <a:endParaRPr lang="ko-KR" altLang="en-US"/>
           </a:p>
@@ -2784,6 +2848,122 @@
           <a:lstStyle/>
           <a:p>
             <a:fld id="{1DA16059-4CEF-4E2F-BF94-3DF893720350}" type="slidenum">
+              <a:rPr lang="ko-KR" altLang="en-US" smtClean="0"/>
+              <a:pPr/>
+              <a:t>‹#›</a:t>
+            </a:fld>
+            <a:endParaRPr lang="ko-KR" altLang="en-US"/>
+          </a:p>
+        </p:txBody>
+      </p:sp>
+    </p:spTree>
+  </p:cSld>
+  <p:clrMapOvr>
+    <a:masterClrMapping/>
+  </p:clrMapOvr>
+</p:sldLayout>
+</file>
+
+<file path=ppt/slideLayouts/slideLayout9.xml><?xml version="1.0" encoding="utf-8"?>
+<p:sldLayout xmlns:a="http://schemas.openxmlformats.org/drawingml/2006/main" xmlns:r="http://schemas.openxmlformats.org/officeDocument/2006/relationships" xmlns:p="http://schemas.openxmlformats.org/presentationml/2006/main" type="blank">
+  <p:cSld name="빈 화면">
+    <p:spTree>
+      <p:nvGrpSpPr>
+        <p:cNvPr id="1" name=""/>
+        <p:cNvGrpSpPr/>
+        <p:nvPr/>
+      </p:nvGrpSpPr>
+      <p:grpSpPr>
+        <a:xfrm>
+          <a:off x="0" y="0"/>
+          <a:ext cx="0" cy="0"/>
+          <a:chOff x="0" y="0"/>
+          <a:chExt cx="0" cy="0"/>
+        </a:xfrm>
+      </p:grpSpPr>
+      <p:sp>
+        <p:nvSpPr>
+          <p:cNvPr id="2" name="날짜 개체 틀 1"/>
+          <p:cNvSpPr>
+            <a:spLocks noGrp="1"/>
+          </p:cNvSpPr>
+          <p:nvPr>
+            <p:ph type="dt" sz="half" idx="10"/>
+          </p:nvPr>
+        </p:nvSpPr>
+        <p:spPr>
+          <a:xfrm>
+            <a:off x="457200" y="6356350"/>
+            <a:ext cx="2133600" cy="365125"/>
+          </a:xfrm>
+          <a:prstGeom prst="rect">
+            <a:avLst/>
+          </a:prstGeom>
+        </p:spPr>
+        <p:txBody>
+          <a:bodyPr/>
+          <a:lstStyle/>
+          <a:p>
+            <a:fld id="{C145DC67-E5DF-4DC5-AFDC-542A777C0193}" type="datetimeFigureOut">
+              <a:rPr lang="ko-KR" altLang="en-US" smtClean="0"/>
+              <a:pPr/>
+              <a:t>2016-01-27</a:t>
+            </a:fld>
+            <a:endParaRPr lang="ko-KR" altLang="en-US"/>
+          </a:p>
+        </p:txBody>
+      </p:sp>
+      <p:sp>
+        <p:nvSpPr>
+          <p:cNvPr id="3" name="바닥글 개체 틀 2"/>
+          <p:cNvSpPr>
+            <a:spLocks noGrp="1"/>
+          </p:cNvSpPr>
+          <p:nvPr>
+            <p:ph type="ftr" sz="quarter" idx="11"/>
+          </p:nvPr>
+        </p:nvSpPr>
+        <p:spPr>
+          <a:xfrm>
+            <a:off x="3124200" y="6356350"/>
+            <a:ext cx="2895600" cy="365125"/>
+          </a:xfrm>
+          <a:prstGeom prst="rect">
+            <a:avLst/>
+          </a:prstGeom>
+        </p:spPr>
+        <p:txBody>
+          <a:bodyPr/>
+          <a:lstStyle/>
+          <a:p>
+            <a:endParaRPr lang="ko-KR" altLang="en-US"/>
+          </a:p>
+        </p:txBody>
+      </p:sp>
+      <p:sp>
+        <p:nvSpPr>
+          <p:cNvPr id="4" name="슬라이드 번호 개체 틀 3"/>
+          <p:cNvSpPr>
+            <a:spLocks noGrp="1"/>
+          </p:cNvSpPr>
+          <p:nvPr>
+            <p:ph type="sldNum" sz="quarter" idx="12"/>
+          </p:nvPr>
+        </p:nvSpPr>
+        <p:spPr>
+          <a:xfrm>
+            <a:off x="6553200" y="6356350"/>
+            <a:ext cx="2133600" cy="365125"/>
+          </a:xfrm>
+          <a:prstGeom prst="rect">
+            <a:avLst/>
+          </a:prstGeom>
+        </p:spPr>
+        <p:txBody>
+          <a:bodyPr/>
+          <a:lstStyle/>
+          <a:p>
+            <a:fld id="{52513FB8-D76A-41B2-B13F-31220EDD9C8F}" type="slidenum">
               <a:rPr lang="ko-KR" altLang="en-US" smtClean="0"/>
               <a:pPr/>
               <a:t>‹#›</a:t>
@@ -3007,7 +3187,7 @@
             </a:clrChange>
             <a:extLst>
               <a:ext uri="{28A0092B-C50C-407E-A947-70E740481C1C}">
-                <a14:useLocalDpi xmlns="" xmlns:a14="http://schemas.microsoft.com/office/drawing/2010/main" val="0"/>
+                <a14:useLocalDpi xmlns:a14="http://schemas.microsoft.com/office/drawing/2010/main" xmlns="" val="0"/>
               </a:ext>
             </a:extLst>
           </a:blip>
@@ -3025,7 +3205,7 @@
           <a:noFill/>
           <a:extLst>
             <a:ext uri="{909E8E84-426E-40DD-AFC4-6F175D3DCCD1}">
-              <a14:hiddenFill xmlns="" xmlns:a14="http://schemas.microsoft.com/office/drawing/2010/main">
+              <a14:hiddenFill xmlns:a14="http://schemas.microsoft.com/office/drawing/2010/main" xmlns="">
                 <a:solidFill>
                   <a:srgbClr val="FFFFFF"/>
                 </a:solidFill>
@@ -3151,7 +3331,7 @@
     </p:spTree>
     <p:extLst>
       <p:ext uri="{BB962C8B-B14F-4D97-AF65-F5344CB8AC3E}">
-        <p14:creationId xmlns="" xmlns:p14="http://schemas.microsoft.com/office/powerpoint/2010/main" val="2288130348"/>
+        <p14:creationId xmlns:p14="http://schemas.microsoft.com/office/powerpoint/2010/main" xmlns="" val="2288130348"/>
       </p:ext>
     </p:extLst>
   </p:cSld>
@@ -3746,7 +3926,7 @@
           <p:nvPr/>
         </p:nvPicPr>
         <p:blipFill rotWithShape="1">
-          <a:blip r:embed="rId5" cstate="print">
+          <a:blip r:embed="rId4" cstate="print">
             <a:clrChange>
               <a:clrFrom>
                 <a:srgbClr val="FFFFFF"/>
@@ -3759,7 +3939,7 @@
             </a:clrChange>
             <a:extLst>
               <a:ext uri="{28A0092B-C50C-407E-A947-70E740481C1C}">
-                <a14:useLocalDpi xmlns="" xmlns:a14="http://schemas.microsoft.com/office/drawing/2010/main" val="0"/>
+                <a14:useLocalDpi xmlns:a14="http://schemas.microsoft.com/office/drawing/2010/main" xmlns="" val="0"/>
               </a:ext>
             </a:extLst>
           </a:blip>
@@ -3777,7 +3957,7 @@
           <a:noFill/>
           <a:extLst>
             <a:ext uri="{909E8E84-426E-40DD-AFC4-6F175D3DCCD1}">
-              <a14:hiddenFill xmlns="" xmlns:a14="http://schemas.microsoft.com/office/drawing/2010/main">
+              <a14:hiddenFill xmlns:a14="http://schemas.microsoft.com/office/drawing/2010/main" xmlns="">
                 <a:solidFill>
                   <a:srgbClr val="FFFFFF"/>
                 </a:solidFill>
@@ -3903,7 +4083,7 @@
     </p:spTree>
     <p:extLst>
       <p:ext uri="{BB962C8B-B14F-4D97-AF65-F5344CB8AC3E}">
-        <p14:creationId xmlns="" xmlns:p14="http://schemas.microsoft.com/office/powerpoint/2010/main" val="906233389"/>
+        <p14:creationId xmlns:p14="http://schemas.microsoft.com/office/powerpoint/2010/main" xmlns="" val="906233389"/>
       </p:ext>
     </p:extLst>
   </p:cSld>
@@ -3911,7 +4091,6 @@
   <p:sldLayoutIdLst>
     <p:sldLayoutId id="2147483667" r:id="rId1"/>
     <p:sldLayoutId id="2147483668" r:id="rId2"/>
-    <p:sldLayoutId id="2147483669" r:id="rId3"/>
   </p:sldLayoutIdLst>
   <p:timing>
     <p:tnLst>
@@ -4512,7 +4691,7 @@
             </a:clrChange>
             <a:extLst>
               <a:ext uri="{28A0092B-C50C-407E-A947-70E740481C1C}">
-                <a14:useLocalDpi xmlns="" xmlns:a14="http://schemas.microsoft.com/office/drawing/2010/main" val="0"/>
+                <a14:useLocalDpi xmlns:a14="http://schemas.microsoft.com/office/drawing/2010/main" xmlns="" val="0"/>
               </a:ext>
             </a:extLst>
           </a:blip>
@@ -4530,7 +4709,7 @@
           <a:noFill/>
           <a:extLst>
             <a:ext uri="{909E8E84-426E-40DD-AFC4-6F175D3DCCD1}">
-              <a14:hiddenFill xmlns="" xmlns:a14="http://schemas.microsoft.com/office/drawing/2010/main">
+              <a14:hiddenFill xmlns:a14="http://schemas.microsoft.com/office/drawing/2010/main" xmlns="">
                 <a:solidFill>
                   <a:srgbClr val="FFFFFF"/>
                 </a:solidFill>
@@ -4656,7 +4835,7 @@
     </p:spTree>
     <p:extLst>
       <p:ext uri="{BB962C8B-B14F-4D97-AF65-F5344CB8AC3E}">
-        <p14:creationId xmlns="" xmlns:p14="http://schemas.microsoft.com/office/powerpoint/2010/main" val="2288130348"/>
+        <p14:creationId xmlns:p14="http://schemas.microsoft.com/office/powerpoint/2010/main" xmlns="" val="2288130348"/>
       </p:ext>
     </p:extLst>
   </p:cSld>
@@ -5265,7 +5444,7 @@
             </a:clrChange>
             <a:extLst>
               <a:ext uri="{28A0092B-C50C-407E-A947-70E740481C1C}">
-                <a14:useLocalDpi xmlns="" xmlns:a14="http://schemas.microsoft.com/office/drawing/2010/main" val="0"/>
+                <a14:useLocalDpi xmlns:a14="http://schemas.microsoft.com/office/drawing/2010/main" xmlns="" val="0"/>
               </a:ext>
             </a:extLst>
           </a:blip>
@@ -5283,7 +5462,7 @@
           <a:noFill/>
           <a:extLst>
             <a:ext uri="{909E8E84-426E-40DD-AFC4-6F175D3DCCD1}">
-              <a14:hiddenFill xmlns="" xmlns:a14="http://schemas.microsoft.com/office/drawing/2010/main">
+              <a14:hiddenFill xmlns:a14="http://schemas.microsoft.com/office/drawing/2010/main" xmlns="">
                 <a:solidFill>
                   <a:srgbClr val="FFFFFF"/>
                 </a:solidFill>
@@ -5409,7 +5588,7 @@
     </p:spTree>
     <p:extLst>
       <p:ext uri="{BB962C8B-B14F-4D97-AF65-F5344CB8AC3E}">
-        <p14:creationId xmlns="" xmlns:p14="http://schemas.microsoft.com/office/powerpoint/2010/main" val="906233389"/>
+        <p14:creationId xmlns:p14="http://schemas.microsoft.com/office/powerpoint/2010/main" xmlns="" val="906233389"/>
       </p:ext>
     </p:extLst>
   </p:cSld>
@@ -6023,8 +6202,8 @@
         </p:blipFill>
         <p:spPr bwMode="auto">
           <a:xfrm>
-            <a:off x="3419872" y="3068960"/>
-            <a:ext cx="1872208" cy="1872208"/>
+            <a:off x="3275856" y="2924944"/>
+            <a:ext cx="2016224" cy="2016224"/>
           </a:xfrm>
           <a:prstGeom prst="rect">
             <a:avLst/>
@@ -6905,6 +7084,13 @@
   <p:clrMapOvr>
     <a:masterClrMapping/>
   </p:clrMapOvr>
+  <p:timing>
+    <p:tnLst>
+      <p:par>
+        <p:cTn id="1" dur="indefinite" restart="never" nodeType="tmRoot"/>
+      </p:par>
+    </p:tnLst>
+  </p:timing>
 </p:sld>
 </file>
 
@@ -7155,7 +7341,7 @@
         <p:spPr>
           <a:xfrm>
             <a:off x="1115616" y="4437112"/>
-            <a:ext cx="2952328" cy="1008112"/>
+            <a:ext cx="2952328" cy="1152128"/>
           </a:xfrm>
           <a:prstGeom prst="rect">
             <a:avLst/>
@@ -7235,6 +7421,13 @@
               <a:defRPr/>
             </a:pPr>
             <a:r>
+              <a:rPr lang="en-US" altLang="ko-KR" sz="2400" dirty="0" smtClean="0">
+                <a:latin typeface="LG체_v0.1 Regular" pitchFamily="50" charset="-127"/>
+                <a:ea typeface="LG체_v0.1 Regular" pitchFamily="50" charset="-127"/>
+              </a:rPr>
+              <a:t>Extend </a:t>
+            </a:r>
+            <a:r>
               <a:rPr lang="en-US" altLang="ko-KR" sz="2400" b="1" dirty="0" smtClean="0">
                 <a:solidFill>
                   <a:srgbClr val="951747"/>
@@ -7242,7 +7435,17 @@
                 <a:latin typeface="LG체_v0.1 Regular" pitchFamily="50" charset="-127"/>
                 <a:ea typeface="LG체_v0.1 Regular" pitchFamily="50" charset="-127"/>
               </a:rPr>
-              <a:t>rotate()</a:t>
+              <a:t>rotate</a:t>
+            </a:r>
+            <a:r>
+              <a:rPr lang="en-US" altLang="ko-KR" sz="2400" b="1" dirty="0" smtClean="0">
+                <a:solidFill>
+                  <a:srgbClr val="951747"/>
+                </a:solidFill>
+                <a:latin typeface="LG체_v0.1 Regular" pitchFamily="50" charset="-127"/>
+                <a:ea typeface="LG체_v0.1 Regular" pitchFamily="50" charset="-127"/>
+              </a:rPr>
+              <a:t>()</a:t>
             </a:r>
             <a:r>
               <a:rPr lang="en-US" altLang="ko-KR" sz="2400" b="1" dirty="0" smtClean="0">
@@ -7295,10 +7498,39 @@
               <a:rPr lang="en-US" altLang="ko-KR" dirty="0" smtClean="0">
                 <a:latin typeface="LG체_v0.1 Regular" pitchFamily="50" charset="-127"/>
                 <a:ea typeface="LG체_v0.1 Regular" pitchFamily="50" charset="-127"/>
+              </a:rPr>
+              <a:t>Add </a:t>
+            </a:r>
+            <a:r>
+              <a:rPr lang="en-US" altLang="ko-KR" b="1" dirty="0" smtClean="0">
+                <a:solidFill>
+                  <a:srgbClr val="A50034"/>
+                </a:solidFill>
+                <a:latin typeface="LG체_v0.1 Regular" pitchFamily="50" charset="-127"/>
+                <a:ea typeface="LG체_v0.1 Regular" pitchFamily="50" charset="-127"/>
                 <a:cs typeface="Times New Roman" panose="02020603050405020304" pitchFamily="18" charset="0"/>
               </a:rPr>
-              <a:t>Extends 2d rotation transform function</a:t>
-            </a:r>
+              <a:t>polar-angle, polar-angle-reverse </a:t>
+            </a:r>
+            <a:r>
+              <a:rPr lang="en-US" altLang="ko-KR" dirty="0" smtClean="0">
+                <a:latin typeface="LG체_v0.1 Regular" pitchFamily="50" charset="-127"/>
+                <a:ea typeface="LG체_v0.1 Regular" pitchFamily="50" charset="-127"/>
+                <a:cs typeface="Times New Roman" panose="02020603050405020304" pitchFamily="18" charset="0"/>
+              </a:rPr>
+              <a:t>keyword value</a:t>
+            </a:r>
+            <a:r>
+              <a:rPr lang="en-US" altLang="ko-KR" dirty="0" smtClean="0">
+                <a:latin typeface="LG체_v0.1 Regular" pitchFamily="50" charset="-127"/>
+                <a:ea typeface="LG체_v0.1 Regular" pitchFamily="50" charset="-127"/>
+              </a:rPr>
+              <a:t>s</a:t>
+            </a:r>
+            <a:endParaRPr lang="en-US" altLang="ko-KR" dirty="0" smtClean="0">
+              <a:latin typeface="LG체_v0.1 Regular" pitchFamily="50" charset="-127"/>
+              <a:ea typeface="LG체_v0.1 Regular" pitchFamily="50" charset="-127"/>
+            </a:endParaRPr>
           </a:p>
           <a:p>
             <a:pPr marL="612000" lvl="2" indent="-228600" fontAlgn="base">
@@ -7324,7 +7556,15 @@
                 <a:ea typeface="LG체_v0.1 Regular" pitchFamily="50" charset="-127"/>
                 <a:cs typeface="Times New Roman" panose="02020603050405020304" pitchFamily="18" charset="0"/>
               </a:rPr>
-              <a:t>rotate() = rotate( &lt;angle&gt; | </a:t>
+              <a:t>rotate</a:t>
+            </a:r>
+            <a:r>
+              <a:rPr lang="en-US" altLang="ko-KR" dirty="0" smtClean="0">
+                <a:latin typeface="LG체_v0.1 Regular" pitchFamily="50" charset="-127"/>
+                <a:ea typeface="LG체_v0.1 Regular" pitchFamily="50" charset="-127"/>
+                <a:cs typeface="Times New Roman" panose="02020603050405020304" pitchFamily="18" charset="0"/>
+              </a:rPr>
+              <a:t>() = rotate( &lt;angle&gt; | </a:t>
             </a:r>
             <a:r>
               <a:rPr lang="en-US" altLang="ko-KR" b="1" dirty="0" smtClean="0">
@@ -7631,6 +7871,13 @@
   <p:clrMapOvr>
     <a:masterClrMapping/>
   </p:clrMapOvr>
+  <p:timing>
+    <p:tnLst>
+      <p:par>
+        <p:cTn id="1" dur="indefinite" restart="never" nodeType="tmRoot"/>
+      </p:par>
+    </p:tnLst>
+  </p:timing>
 </p:sld>
 </file>
 
@@ -7753,7 +8000,7 @@
               <a:t>polar-anchor  </a:t>
             </a:r>
             <a:r>
-              <a:rPr lang="en-US" altLang="ko-KR" b="1" dirty="0" err="1" smtClean="0">
+              <a:rPr lang="en-US" altLang="ko-KR" b="1" dirty="0" smtClean="0">
                 <a:latin typeface="LG체_v0.1 Regular" pitchFamily="50" charset="-127"/>
                 <a:ea typeface="LG체_v0.1 Regular" pitchFamily="50" charset="-127"/>
                 <a:cs typeface="Times New Roman" panose="02020603050405020304" pitchFamily="18" charset="0"/>
@@ -7766,7 +8013,15 @@
                 <a:ea typeface="LG체_v0.1 Regular" pitchFamily="50" charset="-127"/>
                 <a:cs typeface="Times New Roman" panose="02020603050405020304" pitchFamily="18" charset="0"/>
               </a:rPr>
-              <a:t>  margin-left &amp; margin-top</a:t>
+              <a:t>. </a:t>
+            </a:r>
+            <a:r>
+              <a:rPr lang="en-US" altLang="ko-KR" dirty="0" smtClean="0">
+                <a:latin typeface="LG체_v0.1 Regular" pitchFamily="50" charset="-127"/>
+                <a:ea typeface="LG체_v0.1 Regular" pitchFamily="50" charset="-127"/>
+                <a:cs typeface="Times New Roman" panose="02020603050405020304" pitchFamily="18" charset="0"/>
+              </a:rPr>
+              <a:t>margin-left &amp; margin-top</a:t>
             </a:r>
             <a:br>
               <a:rPr lang="en-US" altLang="ko-KR" dirty="0" smtClean="0">
@@ -7813,21 +8068,73 @@
               </a:buClr>
               <a:defRPr/>
             </a:pPr>
-            <a:r>
-              <a:rPr lang="en-US" altLang="ko-KR" dirty="0" err="1" smtClean="0">
-                <a:solidFill>
-                  <a:srgbClr val="FF0000"/>
-                </a:solidFill>
-                <a:latin typeface="LG체_v0.1 Regular" pitchFamily="50" charset="-127"/>
-                <a:ea typeface="LG체_v0.1 Regular" pitchFamily="50" charset="-127"/>
-                <a:cs typeface="Times New Roman" panose="02020603050405020304" pitchFamily="18" charset="0"/>
-              </a:rPr>
-              <a:t>pic</a:t>
-            </a:r>
             <a:endParaRPr lang="en-US" altLang="ko-KR" dirty="0" smtClean="0">
               <a:solidFill>
                 <a:srgbClr val="FF0000"/>
               </a:solidFill>
+              <a:latin typeface="LG체_v0.1 Regular" pitchFamily="50" charset="-127"/>
+              <a:ea typeface="LG체_v0.1 Regular" pitchFamily="50" charset="-127"/>
+              <a:cs typeface="Times New Roman" panose="02020603050405020304" pitchFamily="18" charset="0"/>
+            </a:endParaRPr>
+          </a:p>
+          <a:p>
+            <a:pPr marL="800100" lvl="2" indent="-254000" fontAlgn="base">
+              <a:spcBef>
+                <a:spcPts val="600"/>
+              </a:spcBef>
+              <a:spcAft>
+                <a:spcPct val="0"/>
+              </a:spcAft>
+              <a:buClr>
+                <a:schemeClr val="bg2"/>
+              </a:buClr>
+              <a:defRPr/>
+            </a:pPr>
+            <a:endParaRPr lang="en-US" altLang="ko-KR" dirty="0" smtClean="0">
+              <a:solidFill>
+                <a:srgbClr val="FF0000"/>
+              </a:solidFill>
+              <a:latin typeface="LG체_v0.1 Regular" pitchFamily="50" charset="-127"/>
+              <a:ea typeface="LG체_v0.1 Regular" pitchFamily="50" charset="-127"/>
+              <a:cs typeface="Times New Roman" panose="02020603050405020304" pitchFamily="18" charset="0"/>
+            </a:endParaRPr>
+          </a:p>
+          <a:p>
+            <a:pPr marL="800100" lvl="2" indent="-254000" fontAlgn="base">
+              <a:spcBef>
+                <a:spcPts val="600"/>
+              </a:spcBef>
+              <a:spcAft>
+                <a:spcPct val="0"/>
+              </a:spcAft>
+              <a:buClr>
+                <a:schemeClr val="bg2"/>
+              </a:buClr>
+              <a:defRPr/>
+            </a:pPr>
+            <a:endParaRPr lang="en-US" altLang="ko-KR" dirty="0" smtClean="0">
+              <a:solidFill>
+                <a:srgbClr val="FF0000"/>
+              </a:solidFill>
+              <a:latin typeface="LG체_v0.1 Regular" pitchFamily="50" charset="-127"/>
+              <a:ea typeface="LG체_v0.1 Regular" pitchFamily="50" charset="-127"/>
+              <a:cs typeface="Times New Roman" panose="02020603050405020304" pitchFamily="18" charset="0"/>
+            </a:endParaRPr>
+          </a:p>
+          <a:p>
+            <a:pPr marL="800100" lvl="2" indent="-254000" fontAlgn="base">
+              <a:spcBef>
+                <a:spcPts val="600"/>
+              </a:spcBef>
+              <a:spcAft>
+                <a:spcPct val="0"/>
+              </a:spcAft>
+              <a:buClr>
+                <a:schemeClr val="bg2"/>
+              </a:buClr>
+              <a:defRPr/>
+            </a:pPr>
+            <a:endParaRPr lang="en-US" altLang="ko-KR" dirty="0" smtClean="0">
               <a:latin typeface="LG체_v0.1 Regular" pitchFamily="50" charset="-127"/>
               <a:ea typeface="LG체_v0.1 Regular" pitchFamily="50" charset="-127"/>
               <a:cs typeface="Times New Roman" panose="02020603050405020304" pitchFamily="18" charset="0"/>
@@ -7971,7 +8278,7 @@
     </p:spTree>
     <p:extLst>
       <p:ext uri="{BB962C8B-B14F-4D97-AF65-F5344CB8AC3E}">
-        <p14:creationId xmlns:p14="http://schemas.microsoft.com/office/powerpoint/2010/main" xmlns="" val="3575767323"/>
+        <p14:creationId xmlns="" xmlns:p14="http://schemas.microsoft.com/office/powerpoint/2010/main" val="3575767323"/>
       </p:ext>
     </p:extLst>
   </p:cSld>
@@ -8071,12 +8378,24 @@
               <a:defRPr/>
             </a:pPr>
             <a:r>
-              <a:rPr lang="en-US" altLang="ko-KR" sz="2400" dirty="0" smtClean="0">
+              <a:rPr lang="en-US" altLang="ko-KR" sz="2000" dirty="0" smtClean="0">
                 <a:latin typeface="LG체_v0.1 Regular" pitchFamily="50" charset="-127"/>
                 <a:ea typeface="LG체_v0.1 Regular" pitchFamily="50" charset="-127"/>
               </a:rPr>
-              <a:t>Typical interaction on displays</a:t>
-            </a:r>
+              <a:t>Typical interaction on </a:t>
+            </a:r>
+            <a:r>
+              <a:rPr lang="en-US" altLang="ko-KR" sz="2000" dirty="0" smtClean="0">
+                <a:latin typeface="LG체_v0.1 Regular" pitchFamily="50" charset="-127"/>
+                <a:ea typeface="LG체_v0.1 Regular" pitchFamily="50" charset="-127"/>
+              </a:rPr>
+              <a:t>displays</a:t>
+            </a:r>
+            <a:endParaRPr lang="en-US" altLang="ko-KR" sz="1600" dirty="0" smtClean="0">
+              <a:latin typeface="LG체_v0.1 Regular" pitchFamily="50" charset="-127"/>
+              <a:ea typeface="LG체_v0.1 Regular" pitchFamily="50" charset="-127"/>
+              <a:cs typeface="Times New Roman" panose="02020603050405020304" pitchFamily="18" charset="0"/>
+            </a:endParaRPr>
           </a:p>
           <a:p>
             <a:pPr marL="800100" lvl="2" indent="-254000" fontAlgn="base">
@@ -8093,21 +8412,14 @@
               <a:buChar char="§"/>
               <a:defRPr/>
             </a:pPr>
-            <a:r>
-              <a:rPr lang="en-US" altLang="ko-KR" dirty="0" smtClean="0">
-                <a:latin typeface="LG체_v0.1 Regular" pitchFamily="50" charset="-127"/>
-                <a:ea typeface="LG체_v0.1 Regular" pitchFamily="50" charset="-127"/>
-                <a:cs typeface="Times New Roman" panose="02020603050405020304" pitchFamily="18" charset="0"/>
-              </a:rPr>
-              <a:t>list item, long texts</a:t>
-            </a:r>
-            <a:endParaRPr lang="en-US" altLang="ko-KR" sz="2400" dirty="0" smtClean="0">
+            <a:endParaRPr lang="en-US" altLang="ko-KR" sz="1600" dirty="0" smtClean="0">
               <a:latin typeface="LG체_v0.1 Regular" pitchFamily="50" charset="-127"/>
               <a:ea typeface="LG체_v0.1 Regular" pitchFamily="50" charset="-127"/>
+              <a:cs typeface="Times New Roman" panose="02020603050405020304" pitchFamily="18" charset="0"/>
             </a:endParaRPr>
           </a:p>
           <a:p>
-            <a:pPr marL="546100" lvl="1" indent="-457200" fontAlgn="base">
+            <a:pPr marL="342900" lvl="1" indent="-254000" fontAlgn="base">
               <a:spcBef>
                 <a:spcPts val="600"/>
               </a:spcBef>
@@ -8122,97 +8434,13 @@
               <a:defRPr/>
             </a:pPr>
             <a:r>
-              <a:rPr lang="en-US" altLang="ko-KR" sz="2400" dirty="0" smtClean="0">
+              <a:rPr lang="en-US" altLang="ko-KR" sz="2000" dirty="0" smtClean="0">
                 <a:latin typeface="LG체_v0.1 Regular" pitchFamily="50" charset="-127"/>
                 <a:ea typeface="LG체_v0.1 Regular" pitchFamily="50" charset="-127"/>
                 <a:cs typeface="Times New Roman" panose="02020603050405020304" pitchFamily="18" charset="0"/>
               </a:rPr>
-              <a:t>D</a:t>
-            </a:r>
-            <a:r>
-              <a:rPr lang="en-US" altLang="ko-KR" sz="2400" dirty="0" smtClean="0">
-                <a:solidFill>
-                  <a:srgbClr val="FF0000"/>
-                </a:solidFill>
-                <a:latin typeface="LG체_v0.1 Regular" pitchFamily="50" charset="-127"/>
-                <a:ea typeface="LG체_v0.1 Regular" pitchFamily="50" charset="-127"/>
-                <a:cs typeface="Times New Roman" panose="02020603050405020304" pitchFamily="18" charset="0"/>
-              </a:rPr>
-              <a:t>rawbacks</a:t>
-            </a:r>
-            <a:endParaRPr lang="en-US" altLang="ko-KR" sz="1600" dirty="0" smtClean="0">
-              <a:solidFill>
-                <a:srgbClr val="FF0000"/>
-              </a:solidFill>
-              <a:latin typeface="나눔고딕" panose="020D0604000000000000" pitchFamily="50" charset="-127"/>
-              <a:ea typeface="나눔고딕" panose="020D0604000000000000" pitchFamily="50" charset="-127"/>
-            </a:endParaRPr>
-          </a:p>
-          <a:p>
-            <a:pPr marL="800100" lvl="2" indent="-254000" fontAlgn="base">
-              <a:spcBef>
-                <a:spcPts val="600"/>
-              </a:spcBef>
-              <a:spcAft>
-                <a:spcPct val="0"/>
-              </a:spcAft>
-              <a:buClr>
-                <a:schemeClr val="bg2"/>
-              </a:buClr>
-              <a:buFont typeface="Wingdings" pitchFamily="2" charset="2"/>
-              <a:buChar char="§"/>
-              <a:defRPr/>
-            </a:pPr>
-            <a:r>
-              <a:rPr lang="en-US" altLang="ko-KR" dirty="0" smtClean="0">
-                <a:latin typeface="LG체_v0.1 Regular" pitchFamily="50" charset="-127"/>
-                <a:ea typeface="LG체_v0.1 Regular" pitchFamily="50" charset="-127"/>
-                <a:cs typeface="Times New Roman" panose="02020603050405020304" pitchFamily="18" charset="0"/>
-              </a:rPr>
-              <a:t>Overflowing</a:t>
-            </a:r>
-          </a:p>
-          <a:p>
-            <a:pPr marL="800100" lvl="2" indent="-254000" fontAlgn="base">
-              <a:spcBef>
-                <a:spcPts val="600"/>
-              </a:spcBef>
-              <a:spcAft>
-                <a:spcPct val="0"/>
-              </a:spcAft>
-              <a:buClr>
-                <a:schemeClr val="bg2"/>
-              </a:buClr>
-              <a:buFont typeface="Wingdings" pitchFamily="2" charset="2"/>
-              <a:buChar char="§"/>
-              <a:defRPr/>
-            </a:pPr>
-            <a:endParaRPr lang="en-US" altLang="ko-KR" dirty="0" smtClean="0">
-              <a:latin typeface="LG체_v0.1 Regular" pitchFamily="50" charset="-127"/>
-              <a:ea typeface="LG체_v0.1 Regular" pitchFamily="50" charset="-127"/>
-              <a:cs typeface="Times New Roman" panose="02020603050405020304" pitchFamily="18" charset="0"/>
-            </a:endParaRPr>
-          </a:p>
-          <a:p>
-            <a:pPr marL="800100" lvl="2" indent="-254000" fontAlgn="base">
-              <a:spcBef>
-                <a:spcPts val="600"/>
-              </a:spcBef>
-              <a:spcAft>
-                <a:spcPct val="0"/>
-              </a:spcAft>
-              <a:buClr>
-                <a:schemeClr val="bg2"/>
-              </a:buClr>
-              <a:buFont typeface="Wingdings" pitchFamily="2" charset="2"/>
-              <a:buChar char="§"/>
-              <a:defRPr/>
-            </a:pPr>
-            <a:endParaRPr lang="en-US" altLang="ko-KR" dirty="0" smtClean="0">
-              <a:latin typeface="LG체_v0.1 Regular" pitchFamily="50" charset="-127"/>
-              <a:ea typeface="LG체_v0.1 Regular" pitchFamily="50" charset="-127"/>
-              <a:cs typeface="Times New Roman" panose="02020603050405020304" pitchFamily="18" charset="0"/>
-            </a:endParaRPr>
+              <a:t>Types of Scrolling</a:t>
+            </a:r>
           </a:p>
           <a:p>
             <a:pPr marL="800100" lvl="2" indent="-254000" fontAlgn="base">
@@ -8227,25 +8455,9 @@
               </a:buClr>
               <a:defRPr/>
             </a:pPr>
-            <a:r>
-              <a:rPr lang="en-US" altLang="ko-KR" dirty="0" smtClean="0">
-                <a:latin typeface="LG체_v0.1 Regular" pitchFamily="50" charset="-127"/>
-                <a:ea typeface="LG체_v0.1 Regular" pitchFamily="50" charset="-127"/>
-                <a:cs typeface="Times New Roman" panose="02020603050405020304" pitchFamily="18" charset="0"/>
-              </a:rPr>
-              <a:t/>
-            </a:r>
-            <a:br>
-              <a:rPr lang="en-US" altLang="ko-KR" dirty="0" smtClean="0">
-                <a:latin typeface="LG체_v0.1 Regular" pitchFamily="50" charset="-127"/>
-                <a:ea typeface="LG체_v0.1 Regular" pitchFamily="50" charset="-127"/>
-                <a:cs typeface="Times New Roman" panose="02020603050405020304" pitchFamily="18" charset="0"/>
-              </a:rPr>
-            </a:br>
-            <a:endParaRPr lang="en-US" altLang="ko-KR" dirty="0" smtClean="0">
+            <a:endParaRPr lang="en-US" altLang="ko-KR" sz="2000" dirty="0" smtClean="0">
               <a:latin typeface="LG체_v0.1 Regular" pitchFamily="50" charset="-127"/>
               <a:ea typeface="LG체_v0.1 Regular" pitchFamily="50" charset="-127"/>
-              <a:cs typeface="Times New Roman" panose="02020603050405020304" pitchFamily="18" charset="0"/>
             </a:endParaRPr>
           </a:p>
           <a:p>
@@ -8259,24 +8471,15 @@
               <a:buClr>
                 <a:schemeClr val="bg2"/>
               </a:buClr>
-              <a:buFont typeface="Wingdings" pitchFamily="2" charset="2"/>
-              <a:buChar char="§"/>
               <a:defRPr/>
             </a:pPr>
-            <a:r>
-              <a:rPr lang="en-US" altLang="ko-KR" dirty="0" smtClean="0">
-                <a:latin typeface="LG체_v0.1 Regular" pitchFamily="50" charset="-127"/>
-                <a:ea typeface="LG체_v0.1 Regular" pitchFamily="50" charset="-127"/>
-                <a:cs typeface="Times New Roman" panose="02020603050405020304" pitchFamily="18" charset="0"/>
-              </a:rPr>
-              <a:t>Wasting spaces</a:t>
-            </a:r>
-          </a:p>
-          <a:p>
-            <a:pPr marL="342900" marR="0" lvl="1" indent="-254000" algn="l" defTabSz="914400" rtl="0" eaLnBrk="1" fontAlgn="base" latinLnBrk="1" hangingPunct="1">
-              <a:lnSpc>
-                <a:spcPct val="100000"/>
-              </a:lnSpc>
+            <a:endParaRPr lang="en-US" altLang="ko-KR" sz="2000" dirty="0" smtClean="0">
+              <a:latin typeface="LG체_v0.1 Regular" pitchFamily="50" charset="-127"/>
+              <a:ea typeface="LG체_v0.1 Regular" pitchFamily="50" charset="-127"/>
+            </a:endParaRPr>
+          </a:p>
+          <a:p>
+            <a:pPr marL="800100" lvl="2" indent="-254000" fontAlgn="base">
               <a:spcBef>
                 <a:spcPts val="600"/>
               </a:spcBef>
@@ -8284,117 +8487,77 @@
                 <a:spcPct val="0"/>
               </a:spcAft>
               <a:buClr>
-                <a:srgbClr val="D6006B"/>
+                <a:schemeClr val="bg2"/>
               </a:buClr>
-              <a:buSzTx/>
-              <a:buFont typeface="Arial" panose="020B0604020202020204" pitchFamily="34" charset="0"/>
-              <a:buChar char="•"/>
-              <a:tabLst/>
               <a:defRPr/>
             </a:pPr>
-            <a:endParaRPr kumimoji="1" lang="ko-KR" altLang="en-US" sz="2400" b="0" i="0" u="none" strike="noStrike" kern="0" cap="none" spc="-150" normalizeH="0" baseline="0" noProof="0" dirty="0">
-              <a:ln>
-                <a:noFill/>
-              </a:ln>
-              <a:solidFill>
-                <a:schemeClr val="tx1">
-                  <a:lumMod val="85000"/>
-                  <a:lumOff val="15000"/>
-                </a:schemeClr>
-              </a:solidFill>
-              <a:effectLst/>
-              <a:uLnTx/>
-              <a:uFillTx/>
+            <a:endParaRPr lang="en-US" altLang="ko-KR" sz="2000" dirty="0" smtClean="0">
               <a:latin typeface="LG체_v0.1 Regular" pitchFamily="50" charset="-127"/>
               <a:ea typeface="LG체_v0.1 Regular" pitchFamily="50" charset="-127"/>
-              <a:cs typeface="+mn-cs"/>
+            </a:endParaRPr>
+          </a:p>
+          <a:p>
+            <a:pPr marL="800100" lvl="2" indent="-254000" fontAlgn="base">
+              <a:spcBef>
+                <a:spcPts val="600"/>
+              </a:spcBef>
+              <a:spcAft>
+                <a:spcPct val="0"/>
+              </a:spcAft>
+              <a:buClr>
+                <a:schemeClr val="bg2"/>
+              </a:buClr>
+              <a:defRPr/>
+            </a:pPr>
+            <a:endParaRPr lang="en-US" altLang="ko-KR" sz="2000" dirty="0" smtClean="0">
+              <a:latin typeface="LG체_v0.1 Regular" pitchFamily="50" charset="-127"/>
+              <a:ea typeface="LG체_v0.1 Regular" pitchFamily="50" charset="-127"/>
+            </a:endParaRPr>
+          </a:p>
+          <a:p>
+            <a:pPr marL="342900" lvl="1" indent="-254000" fontAlgn="base">
+              <a:spcBef>
+                <a:spcPts val="600"/>
+              </a:spcBef>
+              <a:spcAft>
+                <a:spcPct val="0"/>
+              </a:spcAft>
+              <a:buClr>
+                <a:srgbClr val="C00000"/>
+              </a:buClr>
+              <a:buFont typeface="Arial" pitchFamily="34" charset="0"/>
+              <a:buChar char="•"/>
+              <a:defRPr/>
+            </a:pPr>
+            <a:r>
+              <a:rPr lang="en-US" altLang="ko-KR" sz="2000" dirty="0" smtClean="0">
+                <a:latin typeface="LG체_v0.1 Regular" pitchFamily="50" charset="-127"/>
+                <a:ea typeface="LG체_v0.1 Regular" pitchFamily="50" charset="-127"/>
+                <a:cs typeface="Times New Roman" panose="02020603050405020304" pitchFamily="18" charset="0"/>
+              </a:rPr>
+              <a:t>Issues for List Type</a:t>
+            </a:r>
+            <a:endParaRPr lang="en-US" altLang="ko-KR" sz="1400" dirty="0" smtClean="0">
+              <a:latin typeface="나눔고딕" panose="020D0604000000000000" pitchFamily="50" charset="-127"/>
+              <a:ea typeface="나눔고딕" panose="020D0604000000000000" pitchFamily="50" charset="-127"/>
             </a:endParaRPr>
           </a:p>
         </p:txBody>
       </p:sp>
       <p:grpSp>
         <p:nvGrpSpPr>
-          <p:cNvPr id="21" name="그룹 20"/>
+          <p:cNvPr id="28" name="그룹 27"/>
           <p:cNvGrpSpPr/>
           <p:nvPr/>
         </p:nvGrpSpPr>
         <p:grpSpPr>
           <a:xfrm>
-            <a:off x="3131840" y="3284984"/>
-            <a:ext cx="2736304" cy="1080120"/>
-            <a:chOff x="4932040" y="3429000"/>
-            <a:chExt cx="2736304" cy="1080120"/>
+            <a:off x="1331640" y="4581128"/>
+            <a:ext cx="1080120" cy="1080120"/>
+            <a:chOff x="5796136" y="4149080"/>
+            <a:chExt cx="1080120" cy="1080120"/>
           </a:xfrm>
         </p:grpSpPr>
-        <p:sp>
-          <p:nvSpPr>
-            <p:cNvPr id="12" name="타원 11"/>
-            <p:cNvSpPr/>
-            <p:nvPr/>
-          </p:nvSpPr>
-          <p:spPr bwMode="auto">
-            <a:xfrm>
-              <a:off x="4932040" y="3429000"/>
-              <a:ext cx="1080000" cy="1080000"/>
-            </a:xfrm>
-            <a:prstGeom prst="ellipse">
-              <a:avLst/>
-            </a:prstGeom>
-            <a:solidFill>
-              <a:schemeClr val="bg2">
-                <a:lumMod val="20000"/>
-                <a:lumOff val="80000"/>
-              </a:schemeClr>
-            </a:solidFill>
-            <a:ln w="9525" cap="flat" cmpd="sng" algn="ctr">
-              <a:solidFill>
-                <a:schemeClr val="tx1"/>
-              </a:solidFill>
-              <a:prstDash val="solid"/>
-              <a:round/>
-              <a:headEnd type="none" w="med" len="med"/>
-              <a:tailEnd type="none" w="med" len="med"/>
-            </a:ln>
-            <a:effectLst/>
-          </p:spPr>
-          <p:txBody>
-            <a:bodyPr vert="horz" wrap="none" lIns="91440" tIns="45720" rIns="91440" bIns="45720" numCol="1" rtlCol="0" anchor="ctr" anchorCtr="0" compatLnSpc="1">
-              <a:prstTxWarp prst="textNoShape">
-                <a:avLst/>
-              </a:prstTxWarp>
-            </a:bodyPr>
-            <a:lstStyle/>
-            <a:p>
-              <a:pPr marL="0" marR="0" indent="0" algn="ctr" defTabSz="914400" rtl="0" eaLnBrk="1" fontAlgn="base" latinLnBrk="1" hangingPunct="1">
-                <a:lnSpc>
-                  <a:spcPct val="100000"/>
-                </a:lnSpc>
-                <a:spcBef>
-                  <a:spcPct val="0"/>
-                </a:spcBef>
-                <a:spcAft>
-                  <a:spcPct val="0"/>
-                </a:spcAft>
-                <a:buClrTx/>
-                <a:buSzTx/>
-                <a:buFontTx/>
-                <a:buNone/>
-                <a:tabLst/>
-              </a:pPr>
-              <a:endParaRPr kumimoji="1" lang="ko-KR" altLang="en-US" sz="1800" b="0" i="0" u="none" strike="noStrike" cap="none" normalizeH="0" baseline="0" smtClean="0">
-                <a:ln>
-                  <a:noFill/>
-                </a:ln>
-                <a:solidFill>
-                  <a:schemeClr val="tx1"/>
-                </a:solidFill>
-                <a:effectLst/>
-                <a:latin typeface="Arial" charset="0"/>
-                <a:ea typeface="돋움" pitchFamily="50" charset="-127"/>
-              </a:endParaRPr>
-            </a:p>
-          </p:txBody>
-        </p:sp>
         <p:sp>
           <p:nvSpPr>
             <p:cNvPr id="13" name="모서리가 둥근 직사각형 12"/>
@@ -8403,7 +8566,7 @@
           </p:nvSpPr>
           <p:spPr bwMode="auto">
             <a:xfrm>
-              <a:off x="6588224" y="3429000"/>
+              <a:off x="5796136" y="4149080"/>
               <a:ext cx="1080120" cy="1080120"/>
             </a:xfrm>
             <a:prstGeom prst="roundRect">
@@ -8472,7 +8635,7 @@
           </p:nvSpPr>
           <p:spPr>
             <a:xfrm>
-              <a:off x="6588224" y="3429000"/>
+              <a:off x="5796136" y="4149080"/>
               <a:ext cx="1080120" cy="1015663"/>
             </a:xfrm>
             <a:prstGeom prst="rect">
@@ -8491,9 +8654,101 @@
             <a:p>
               <a:r>
                 <a:rPr lang="en-US" altLang="ko-KR" sz="1200" dirty="0" smtClean="0"/>
-                <a:t>This is some text for I want to show you while scrolling .</a:t>
+                <a:t>This is some text </a:t>
+              </a:r>
+              <a:r>
+                <a:rPr lang="en-US" altLang="ko-KR" sz="1200" dirty="0" smtClean="0"/>
+                <a:t> </a:t>
+              </a:r>
+              <a:r>
+                <a:rPr lang="en-US" altLang="ko-KR" sz="1200" dirty="0" smtClean="0"/>
+                <a:t>I want to show you while scrolling .</a:t>
               </a:r>
               <a:endParaRPr lang="ko-KR" altLang="en-US" sz="1200" dirty="0"/>
+            </a:p>
+          </p:txBody>
+        </p:sp>
+      </p:grpSp>
+      <p:grpSp>
+        <p:nvGrpSpPr>
+          <p:cNvPr id="29" name="그룹 28"/>
+          <p:cNvGrpSpPr/>
+          <p:nvPr/>
+        </p:nvGrpSpPr>
+        <p:grpSpPr>
+          <a:xfrm>
+            <a:off x="3563888" y="4077072"/>
+            <a:ext cx="1080120" cy="1080000"/>
+            <a:chOff x="4139952" y="4149080"/>
+            <a:chExt cx="1080120" cy="1080000"/>
+          </a:xfrm>
+        </p:grpSpPr>
+        <p:sp>
+          <p:nvSpPr>
+            <p:cNvPr id="12" name="타원 11"/>
+            <p:cNvSpPr/>
+            <p:nvPr/>
+          </p:nvSpPr>
+          <p:spPr bwMode="auto">
+            <a:xfrm>
+              <a:off x="4139952" y="4149080"/>
+              <a:ext cx="1080000" cy="1080000"/>
+            </a:xfrm>
+            <a:prstGeom prst="ellipse">
+              <a:avLst/>
+            </a:prstGeom>
+            <a:solidFill>
+              <a:schemeClr val="bg2">
+                <a:lumMod val="20000"/>
+                <a:lumOff val="80000"/>
+              </a:schemeClr>
+            </a:solidFill>
+            <a:ln w="9525" cap="flat" cmpd="sng" algn="ctr">
+              <a:solidFill>
+                <a:schemeClr val="tx1"/>
+              </a:solidFill>
+              <a:prstDash val="solid"/>
+              <a:round/>
+              <a:headEnd type="none" w="med" len="med"/>
+              <a:tailEnd type="none" w="med" len="med"/>
+            </a:ln>
+            <a:effectLst/>
+          </p:spPr>
+          <p:txBody>
+            <a:bodyPr vert="horz" wrap="none" lIns="91440" tIns="45720" rIns="91440" bIns="45720" numCol="1" rtlCol="0" anchor="ctr" anchorCtr="0" compatLnSpc="1">
+              <a:prstTxWarp prst="textNoShape">
+                <a:avLst/>
+              </a:prstTxWarp>
+            </a:bodyPr>
+            <a:lstStyle/>
+            <a:p>
+              <a:pPr marL="0" marR="0" indent="0" algn="ctr" defTabSz="914400" rtl="0" eaLnBrk="1" fontAlgn="base" latinLnBrk="1" hangingPunct="1">
+                <a:lnSpc>
+                  <a:spcPct val="100000"/>
+                </a:lnSpc>
+                <a:spcBef>
+                  <a:spcPct val="0"/>
+                </a:spcBef>
+                <a:spcAft>
+                  <a:spcPct val="0"/>
+                </a:spcAft>
+                <a:buClrTx/>
+                <a:buSzTx/>
+                <a:buFontTx/>
+                <a:buNone/>
+                <a:tabLst/>
+              </a:pPr>
+              <a:endParaRPr kumimoji="1" lang="ko-KR" altLang="en-US" sz="1800" b="0" i="0" u="none" strike="noStrike" cap="none" normalizeH="0" baseline="0" smtClean="0">
+                <a:ln>
+                  <a:noFill/>
+                </a:ln>
+                <a:solidFill>
+                  <a:schemeClr val="tx1"/>
+                </a:solidFill>
+                <a:effectLst/>
+                <a:latin typeface="Arial" charset="0"/>
+                <a:ea typeface="돋움" pitchFamily="50" charset="-127"/>
+              </a:endParaRPr>
             </a:p>
           </p:txBody>
         </p:sp>
@@ -8505,7 +8760,7 @@
           </p:nvSpPr>
           <p:spPr>
             <a:xfrm>
-              <a:off x="4932040" y="3429000"/>
+              <a:off x="4139952" y="4149080"/>
               <a:ext cx="1080120" cy="1015663"/>
             </a:xfrm>
             <a:prstGeom prst="rect">
@@ -8524,7 +8779,15 @@
             <a:p>
               <a:r>
                 <a:rPr lang="en-US" altLang="ko-KR" sz="1200" dirty="0" smtClean="0"/>
-                <a:t>This is some text for I want to show you while scrolling .</a:t>
+                <a:t>This is some text </a:t>
+              </a:r>
+              <a:r>
+                <a:rPr lang="en-US" altLang="ko-KR" sz="1200" dirty="0" smtClean="0"/>
+                <a:t> </a:t>
+              </a:r>
+              <a:r>
+                <a:rPr lang="en-US" altLang="ko-KR" sz="1200" dirty="0" smtClean="0"/>
+                <a:t>I want to show you while scrolling .</a:t>
               </a:r>
               <a:endParaRPr lang="ko-KR" altLang="en-US" sz="1200" dirty="0"/>
             </a:p>
@@ -8539,7 +8802,7 @@
         </p:nvGrpSpPr>
         <p:grpSpPr>
           <a:xfrm>
-            <a:off x="3131840" y="4941168"/>
+            <a:off x="3563888" y="5301208"/>
             <a:ext cx="1080000" cy="1080000"/>
             <a:chOff x="4499992" y="4221088"/>
             <a:chExt cx="1080000" cy="1080000"/>
@@ -8622,8 +8885,8 @@
           </p:nvSpPr>
           <p:spPr>
             <a:xfrm>
-              <a:off x="4644008" y="4437113"/>
-              <a:ext cx="792088" cy="646331"/>
+              <a:off x="4680136" y="4427848"/>
+              <a:ext cx="720000" cy="720000"/>
             </a:xfrm>
             <a:prstGeom prst="rect">
               <a:avLst/>
@@ -8644,17 +8907,425 @@
             <a:p>
               <a:r>
                 <a:rPr lang="en-US" altLang="ko-KR" sz="1200" dirty="0" smtClean="0"/>
-                <a:t>This is some text for I</a:t>
+                <a:t>This is some text </a:t>
+              </a:r>
+              <a:r>
+                <a:rPr lang="en-US" altLang="ko-KR" sz="1200" dirty="0" smtClean="0"/>
+                <a:t> I w</a:t>
               </a:r>
               <a:endParaRPr lang="ko-KR" altLang="en-US" sz="1200" dirty="0"/>
             </a:p>
           </p:txBody>
         </p:sp>
       </p:grpSp>
+      <p:grpSp>
+        <p:nvGrpSpPr>
+          <p:cNvPr id="27" name="그룹 26"/>
+          <p:cNvGrpSpPr/>
+          <p:nvPr/>
+        </p:nvGrpSpPr>
+        <p:grpSpPr>
+          <a:xfrm>
+            <a:off x="3538655" y="1681063"/>
+            <a:ext cx="3265593" cy="1706706"/>
+            <a:chOff x="3394639" y="2060848"/>
+            <a:chExt cx="3265593" cy="1706706"/>
+          </a:xfrm>
+        </p:grpSpPr>
+        <p:pic>
+          <p:nvPicPr>
+            <p:cNvPr id="14338" name="Picture 2" descr="#"/>
+            <p:cNvPicPr>
+              <a:picLocks noChangeAspect="1" noChangeArrowheads="1"/>
+            </p:cNvPicPr>
+            <p:nvPr/>
+          </p:nvPicPr>
+          <p:blipFill>
+            <a:blip r:embed="rId3" cstate="print"/>
+            <a:srcRect/>
+            <a:stretch>
+              <a:fillRect/>
+            </a:stretch>
+          </p:blipFill>
+          <p:spPr bwMode="auto">
+            <a:xfrm>
+              <a:off x="3394639" y="2132856"/>
+              <a:ext cx="1249369" cy="1201980"/>
+            </a:xfrm>
+            <a:prstGeom prst="rect">
+              <a:avLst/>
+            </a:prstGeom>
+            <a:noFill/>
+          </p:spPr>
+        </p:pic>
+        <p:pic>
+          <p:nvPicPr>
+            <p:cNvPr id="14340" name="Picture 4" descr="#"/>
+            <p:cNvPicPr>
+              <a:picLocks noChangeAspect="1" noChangeArrowheads="1"/>
+            </p:cNvPicPr>
+            <p:nvPr/>
+          </p:nvPicPr>
+          <p:blipFill>
+            <a:blip r:embed="rId4" cstate="print"/>
+            <a:srcRect/>
+            <a:stretch>
+              <a:fillRect/>
+            </a:stretch>
+          </p:blipFill>
+          <p:spPr bwMode="auto">
+            <a:xfrm>
+              <a:off x="5410863" y="2060848"/>
+              <a:ext cx="1249369" cy="1512167"/>
+            </a:xfrm>
+            <a:prstGeom prst="rect">
+              <a:avLst/>
+            </a:prstGeom>
+            <a:noFill/>
+          </p:spPr>
+        </p:pic>
+        <p:cxnSp>
+          <p:nvCxnSpPr>
+            <p:cNvPr id="17" name="직선 연결선 16"/>
+            <p:cNvCxnSpPr/>
+            <p:nvPr/>
+          </p:nvCxnSpPr>
+          <p:spPr bwMode="auto">
+            <a:xfrm>
+              <a:off x="5076056" y="2204864"/>
+              <a:ext cx="0" cy="1440160"/>
+            </a:xfrm>
+            <a:prstGeom prst="line">
+              <a:avLst/>
+            </a:prstGeom>
+            <a:noFill/>
+            <a:ln w="12700" cap="flat" cmpd="sng" algn="ctr">
+              <a:solidFill>
+                <a:srgbClr val="A50034"/>
+              </a:solidFill>
+              <a:prstDash val="solid"/>
+              <a:round/>
+              <a:headEnd type="none" w="med" len="med"/>
+              <a:tailEnd type="none" w="med" len="med"/>
+            </a:ln>
+            <a:effectLst/>
+          </p:spPr>
+        </p:cxnSp>
+        <p:sp>
+          <p:nvSpPr>
+            <p:cNvPr id="19" name="직사각형 18"/>
+            <p:cNvSpPr/>
+            <p:nvPr/>
+          </p:nvSpPr>
+          <p:spPr>
+            <a:xfrm>
+              <a:off x="5508104" y="3429000"/>
+              <a:ext cx="1152128" cy="338554"/>
+            </a:xfrm>
+            <a:prstGeom prst="rect">
+              <a:avLst/>
+            </a:prstGeom>
+          </p:spPr>
+          <p:txBody>
+            <a:bodyPr wrap="square">
+              <a:spAutoFit/>
+            </a:bodyPr>
+            <a:lstStyle/>
+            <a:p>
+              <a:r>
+                <a:rPr lang="en-US" altLang="ko-KR" sz="1600" dirty="0" smtClean="0">
+                  <a:solidFill>
+                    <a:srgbClr val="CC3399"/>
+                  </a:solidFill>
+                  <a:latin typeface="LG체_v0.1 Regular" pitchFamily="50" charset="-127"/>
+                  <a:ea typeface="LG체_v0.1 Regular" pitchFamily="50" charset="-127"/>
+                </a:rPr>
+                <a:t>Card type</a:t>
+              </a:r>
+              <a:endParaRPr lang="ko-KR" altLang="en-US" sz="1600" dirty="0">
+                <a:solidFill>
+                  <a:srgbClr val="CC3399"/>
+                </a:solidFill>
+                <a:latin typeface="LG체_v0.1 Regular" pitchFamily="50" charset="-127"/>
+                <a:ea typeface="LG체_v0.1 Regular" pitchFamily="50" charset="-127"/>
+              </a:endParaRPr>
+            </a:p>
+          </p:txBody>
+        </p:sp>
+        <p:sp>
+          <p:nvSpPr>
+            <p:cNvPr id="25" name="직사각형 24"/>
+            <p:cNvSpPr/>
+            <p:nvPr/>
+          </p:nvSpPr>
+          <p:spPr>
+            <a:xfrm>
+              <a:off x="3563888" y="3409255"/>
+              <a:ext cx="1152128" cy="338554"/>
+            </a:xfrm>
+            <a:prstGeom prst="rect">
+              <a:avLst/>
+            </a:prstGeom>
+          </p:spPr>
+          <p:txBody>
+            <a:bodyPr wrap="square">
+              <a:spAutoFit/>
+            </a:bodyPr>
+            <a:lstStyle/>
+            <a:p>
+              <a:r>
+                <a:rPr lang="en-US" altLang="ko-KR" sz="1600" dirty="0" smtClean="0">
+                  <a:solidFill>
+                    <a:srgbClr val="CC3399"/>
+                  </a:solidFill>
+                  <a:latin typeface="LG체_v0.1 Regular" pitchFamily="50" charset="-127"/>
+                  <a:ea typeface="LG체_v0.1 Regular" pitchFamily="50" charset="-127"/>
+                </a:rPr>
+                <a:t>List type</a:t>
+              </a:r>
+              <a:endParaRPr lang="ko-KR" altLang="en-US" sz="1600" dirty="0">
+                <a:solidFill>
+                  <a:srgbClr val="CC3399"/>
+                </a:solidFill>
+                <a:latin typeface="LG체_v0.1 Regular" pitchFamily="50" charset="-127"/>
+                <a:ea typeface="LG체_v0.1 Regular" pitchFamily="50" charset="-127"/>
+              </a:endParaRPr>
+            </a:p>
+          </p:txBody>
+        </p:sp>
+      </p:grpSp>
+      <p:sp>
+        <p:nvSpPr>
+          <p:cNvPr id="30" name="직사각형 29"/>
+          <p:cNvSpPr/>
+          <p:nvPr/>
+        </p:nvSpPr>
+        <p:spPr>
+          <a:xfrm>
+            <a:off x="5013373" y="4458598"/>
+            <a:ext cx="1790875" cy="338554"/>
+          </a:xfrm>
+          <a:prstGeom prst="rect">
+            <a:avLst/>
+          </a:prstGeom>
+        </p:spPr>
+        <p:txBody>
+          <a:bodyPr wrap="none">
+            <a:spAutoFit/>
+          </a:bodyPr>
+          <a:lstStyle/>
+          <a:p>
+            <a:pPr marL="342900" lvl="1" indent="-254000" fontAlgn="base">
+              <a:spcBef>
+                <a:spcPts val="600"/>
+              </a:spcBef>
+              <a:spcAft>
+                <a:spcPct val="0"/>
+              </a:spcAft>
+              <a:buClr>
+                <a:schemeClr val="bg2"/>
+              </a:buClr>
+              <a:defRPr/>
+            </a:pPr>
+            <a:r>
+              <a:rPr lang="en-US" altLang="ko-KR" sz="1600" dirty="0" smtClean="0">
+                <a:latin typeface="LG체_v0.1 Regular" pitchFamily="50" charset="-127"/>
+                <a:ea typeface="LG체_v0.1 Regular" pitchFamily="50" charset="-127"/>
+                <a:cs typeface="Times New Roman" panose="02020603050405020304" pitchFamily="18" charset="0"/>
+              </a:rPr>
+              <a:t>Overflowing text</a:t>
+            </a:r>
+          </a:p>
+        </p:txBody>
+      </p:sp>
+      <p:sp>
+        <p:nvSpPr>
+          <p:cNvPr id="31" name="직사각형 30"/>
+          <p:cNvSpPr/>
+          <p:nvPr/>
+        </p:nvSpPr>
+        <p:spPr>
+          <a:xfrm>
+            <a:off x="5004048" y="5733256"/>
+            <a:ext cx="1648208" cy="338554"/>
+          </a:xfrm>
+          <a:prstGeom prst="rect">
+            <a:avLst/>
+          </a:prstGeom>
+        </p:spPr>
+        <p:txBody>
+          <a:bodyPr wrap="none">
+            <a:spAutoFit/>
+          </a:bodyPr>
+          <a:lstStyle/>
+          <a:p>
+            <a:pPr marL="342900" lvl="1" indent="-254000" fontAlgn="base">
+              <a:spcBef>
+                <a:spcPts val="600"/>
+              </a:spcBef>
+              <a:spcAft>
+                <a:spcPct val="0"/>
+              </a:spcAft>
+              <a:buClr>
+                <a:schemeClr val="bg2"/>
+              </a:buClr>
+              <a:defRPr/>
+            </a:pPr>
+            <a:r>
+              <a:rPr lang="en-US" altLang="ko-KR" sz="1600" dirty="0" smtClean="0">
+                <a:latin typeface="LG체_v0.1 Regular" pitchFamily="50" charset="-127"/>
+                <a:ea typeface="LG체_v0.1 Regular" pitchFamily="50" charset="-127"/>
+                <a:cs typeface="Times New Roman" panose="02020603050405020304" pitchFamily="18" charset="0"/>
+              </a:rPr>
+              <a:t>Wasted spaces</a:t>
+            </a:r>
+          </a:p>
+        </p:txBody>
+      </p:sp>
+      <p:sp>
+        <p:nvSpPr>
+          <p:cNvPr id="32" name="줄무늬가 있는 오른쪽 화살표 31"/>
+          <p:cNvSpPr/>
+          <p:nvPr/>
+        </p:nvSpPr>
+        <p:spPr bwMode="auto">
+          <a:xfrm rot="20100000">
+            <a:off x="2609749" y="4700855"/>
+            <a:ext cx="546360" cy="360040"/>
+          </a:xfrm>
+          <a:prstGeom prst="stripedRightArrow">
+            <a:avLst/>
+          </a:prstGeom>
+          <a:solidFill>
+            <a:srgbClr val="A50034"/>
+          </a:solidFill>
+          <a:ln w="9525" cap="flat" cmpd="sng" algn="ctr">
+            <a:noFill/>
+            <a:prstDash val="solid"/>
+            <a:round/>
+            <a:headEnd type="none" w="med" len="med"/>
+            <a:tailEnd type="none" w="med" len="med"/>
+          </a:ln>
+          <a:effectLst>
+            <a:outerShdw blurRad="50800" dist="38100" dir="2700000" algn="tl" rotWithShape="0">
+              <a:prstClr val="black">
+                <a:alpha val="40000"/>
+              </a:prstClr>
+            </a:outerShdw>
+          </a:effectLst>
+        </p:spPr>
+        <p:txBody>
+          <a:bodyPr vert="horz" wrap="none" lIns="91440" tIns="45720" rIns="91440" bIns="45720" numCol="1" rtlCol="0" anchor="ctr" anchorCtr="0" compatLnSpc="1">
+            <a:prstTxWarp prst="textNoShape">
+              <a:avLst/>
+            </a:prstTxWarp>
+          </a:bodyPr>
+          <a:lstStyle/>
+          <a:p>
+            <a:pPr marL="0" marR="0" indent="0" algn="ctr" defTabSz="914400" rtl="0" eaLnBrk="1" fontAlgn="base" latinLnBrk="1" hangingPunct="1">
+              <a:lnSpc>
+                <a:spcPct val="100000"/>
+              </a:lnSpc>
+              <a:spcBef>
+                <a:spcPct val="0"/>
+              </a:spcBef>
+              <a:spcAft>
+                <a:spcPct val="0"/>
+              </a:spcAft>
+              <a:buClrTx/>
+              <a:buSzTx/>
+              <a:buFontTx/>
+              <a:buNone/>
+              <a:tabLst/>
+            </a:pPr>
+            <a:endParaRPr kumimoji="1" lang="ko-KR" altLang="en-US" sz="1800" b="0" i="0" u="none" strike="noStrike" cap="none" normalizeH="0" baseline="0" dirty="0" smtClean="0">
+              <a:ln>
+                <a:noFill/>
+              </a:ln>
+              <a:solidFill>
+                <a:srgbClr val="A50034"/>
+              </a:solidFill>
+              <a:effectLst/>
+              <a:latin typeface="Arial" charset="0"/>
+              <a:ea typeface="돋움" pitchFamily="50" charset="-127"/>
+            </a:endParaRPr>
+          </a:p>
+        </p:txBody>
+      </p:sp>
+      <p:sp>
+        <p:nvSpPr>
+          <p:cNvPr id="34" name="줄무늬가 있는 오른쪽 화살표 33"/>
+          <p:cNvSpPr/>
+          <p:nvPr/>
+        </p:nvSpPr>
+        <p:spPr bwMode="auto">
+          <a:xfrm rot="1500000" flipV="1">
+            <a:off x="2606262" y="5255777"/>
+            <a:ext cx="546360" cy="360040"/>
+          </a:xfrm>
+          <a:prstGeom prst="stripedRightArrow">
+            <a:avLst/>
+          </a:prstGeom>
+          <a:solidFill>
+            <a:srgbClr val="A50034"/>
+          </a:solidFill>
+          <a:ln w="9525" cap="flat" cmpd="sng" algn="ctr">
+            <a:noFill/>
+            <a:prstDash val="solid"/>
+            <a:round/>
+            <a:headEnd type="none" w="med" len="med"/>
+            <a:tailEnd type="none" w="med" len="med"/>
+          </a:ln>
+          <a:effectLst>
+            <a:outerShdw blurRad="50800" dist="38100" dir="2700000" algn="tl" rotWithShape="0">
+              <a:prstClr val="black">
+                <a:alpha val="40000"/>
+              </a:prstClr>
+            </a:outerShdw>
+          </a:effectLst>
+        </p:spPr>
+        <p:txBody>
+          <a:bodyPr vert="horz" wrap="none" lIns="91440" tIns="45720" rIns="91440" bIns="45720" numCol="1" rtlCol="0" anchor="ctr" anchorCtr="0" compatLnSpc="1">
+            <a:prstTxWarp prst="textNoShape">
+              <a:avLst/>
+            </a:prstTxWarp>
+          </a:bodyPr>
+          <a:lstStyle/>
+          <a:p>
+            <a:pPr marL="0" marR="0" indent="0" algn="ctr" defTabSz="914400" rtl="0" eaLnBrk="1" fontAlgn="base" latinLnBrk="1" hangingPunct="1">
+              <a:lnSpc>
+                <a:spcPct val="100000"/>
+              </a:lnSpc>
+              <a:spcBef>
+                <a:spcPct val="0"/>
+              </a:spcBef>
+              <a:spcAft>
+                <a:spcPct val="0"/>
+              </a:spcAft>
+              <a:buClrTx/>
+              <a:buSzTx/>
+              <a:buFontTx/>
+              <a:buNone/>
+              <a:tabLst/>
+            </a:pPr>
+            <a:endParaRPr kumimoji="1" lang="ko-KR" altLang="en-US" sz="1800" b="0" i="0" u="none" strike="noStrike" cap="none" normalizeH="0" baseline="0" dirty="0" smtClean="0">
+              <a:ln>
+                <a:noFill/>
+              </a:ln>
+              <a:solidFill>
+                <a:srgbClr val="A50034"/>
+              </a:solidFill>
+              <a:effectLst/>
+              <a:latin typeface="Arial" charset="0"/>
+              <a:ea typeface="돋움" pitchFamily="50" charset="-127"/>
+            </a:endParaRPr>
+          </a:p>
+        </p:txBody>
+      </p:sp>
     </p:spTree>
     <p:extLst>
       <p:ext uri="{BB962C8B-B14F-4D97-AF65-F5344CB8AC3E}">
-        <p14:creationId xmlns:p14="http://schemas.microsoft.com/office/powerpoint/2010/main" xmlns="" val="3152650952"/>
+        <p14:creationId xmlns="" xmlns:p14="http://schemas.microsoft.com/office/powerpoint/2010/main" val="3152650952"/>
       </p:ext>
     </p:extLst>
   </p:cSld>
@@ -8730,7 +9401,7 @@
           <a:blip r:embed="rId3" cstate="print">
             <a:extLst>
               <a:ext uri="{28A0092B-C50C-407E-A947-70E740481C1C}">
-                <a14:useLocalDpi xmlns:a14="http://schemas.microsoft.com/office/drawing/2010/main" xmlns="" val="0"/>
+                <a14:useLocalDpi xmlns="" xmlns:a14="http://schemas.microsoft.com/office/drawing/2010/main" val="0"/>
               </a:ext>
             </a:extLst>
           </a:blip>
@@ -8741,8 +9412,8 @@
         </p:blipFill>
         <p:spPr bwMode="auto">
           <a:xfrm>
-            <a:off x="6654274" y="3813042"/>
-            <a:ext cx="2238206" cy="2424723"/>
+            <a:off x="6897994" y="4077072"/>
+            <a:ext cx="1994486" cy="2160693"/>
           </a:xfrm>
           <a:prstGeom prst="rect">
             <a:avLst/>
@@ -8750,7 +9421,7 @@
           <a:noFill/>
           <a:extLst>
             <a:ext uri="{909E8E84-426E-40DD-AFC4-6F175D3DCCD1}">
-              <a14:hiddenFill xmlns:a14="http://schemas.microsoft.com/office/drawing/2010/main" xmlns="">
+              <a14:hiddenFill xmlns="" xmlns:a14="http://schemas.microsoft.com/office/drawing/2010/main">
                 <a:solidFill>
                   <a:srgbClr val="FFFFFF"/>
                 </a:solidFill>
@@ -8822,7 +9493,14 @@
                 <a:latin typeface="LG체_v0.1 Regular" pitchFamily="50" charset="-127"/>
                 <a:ea typeface="LG체_v0.1 Regular" pitchFamily="50" charset="-127"/>
               </a:rPr>
-              <a:t>LG G Watch Urbane, Samsung Gear S2, …</a:t>
+              <a:t>LG G Watch Urbane</a:t>
+            </a:r>
+            <a:r>
+              <a:rPr lang="en-US" altLang="ko-KR" dirty="0" smtClean="0">
+                <a:latin typeface="LG체_v0.1 Regular" pitchFamily="50" charset="-127"/>
+                <a:ea typeface="LG체_v0.1 Regular" pitchFamily="50" charset="-127"/>
+              </a:rPr>
+              <a:t>, Samsung Gear S2, …</a:t>
             </a:r>
           </a:p>
           <a:p>
@@ -8845,18 +9523,22 @@
                 <a:latin typeface="LG체_v0.1 Regular" pitchFamily="50" charset="-127"/>
                 <a:ea typeface="LG체_v0.1 Regular" pitchFamily="50" charset="-127"/>
               </a:rPr>
-              <a:t>How CSS can do?</a:t>
-            </a:r>
-            <a:br>
+              <a:t>Implemented </a:t>
+            </a:r>
+            <a:r>
               <a:rPr lang="en-US" altLang="ko-KR" dirty="0" smtClean="0">
                 <a:latin typeface="LG체_v0.1 Regular" pitchFamily="50" charset="-127"/>
                 <a:ea typeface="LG체_v0.1 Regular" pitchFamily="50" charset="-127"/>
               </a:rPr>
-            </a:br>
-            <a:endParaRPr lang="en-US" altLang="ko-KR" dirty="0" smtClean="0">
-              <a:latin typeface="LG체_v0.1 Regular" pitchFamily="50" charset="-127"/>
-              <a:ea typeface="LG체_v0.1 Regular" pitchFamily="50" charset="-127"/>
-            </a:endParaRPr>
+              <a:t>by </a:t>
+            </a:r>
+            <a:r>
+              <a:rPr lang="en-US" altLang="ko-KR" dirty="0" smtClean="0">
+                <a:latin typeface="LG체_v0.1 Regular" pitchFamily="50" charset="-127"/>
+                <a:ea typeface="LG체_v0.1 Regular" pitchFamily="50" charset="-127"/>
+              </a:rPr>
+              <a:t>JS</a:t>
+            </a:r>
           </a:p>
           <a:p>
             <a:pPr marL="800100" lvl="2" indent="-254000" fontAlgn="base">
@@ -8873,6 +9555,105 @@
               <a:buChar char="§"/>
               <a:defRPr/>
             </a:pPr>
+            <a:r>
+              <a:rPr lang="en-US" altLang="ko-KR" dirty="0" smtClean="0">
+                <a:latin typeface="LG체_v0.1 Regular" pitchFamily="50" charset="-127"/>
+                <a:ea typeface="LG체_v0.1 Regular" pitchFamily="50" charset="-127"/>
+              </a:rPr>
+              <a:t>Triggers </a:t>
+            </a:r>
+            <a:r>
+              <a:rPr lang="en-US" altLang="ko-KR" dirty="0" smtClean="0">
+                <a:latin typeface="LG체_v0.1 Regular" pitchFamily="50" charset="-127"/>
+                <a:ea typeface="LG체_v0.1 Regular" pitchFamily="50" charset="-127"/>
+              </a:rPr>
+              <a:t>layout </a:t>
+            </a:r>
+            <a:r>
+              <a:rPr lang="en-US" altLang="ko-KR" dirty="0" smtClean="0">
+                <a:latin typeface="LG체_v0.1 Regular" pitchFamily="50" charset="-127"/>
+                <a:ea typeface="LG체_v0.1 Regular" pitchFamily="50" charset="-127"/>
+              </a:rPr>
+              <a:t>of </a:t>
+            </a:r>
+            <a:r>
+              <a:rPr lang="en-US" altLang="ko-KR" dirty="0" smtClean="0">
+                <a:latin typeface="LG체_v0.1 Regular" pitchFamily="50" charset="-127"/>
+                <a:ea typeface="LG체_v0.1 Regular" pitchFamily="50" charset="-127"/>
+              </a:rPr>
+              <a:t>all the elements for each </a:t>
+            </a:r>
+            <a:r>
+              <a:rPr lang="en-US" altLang="ko-KR" dirty="0" smtClean="0">
+                <a:latin typeface="LG체_v0.1 Regular" pitchFamily="50" charset="-127"/>
+                <a:ea typeface="LG체_v0.1 Regular" pitchFamily="50" charset="-127"/>
+              </a:rPr>
+              <a:t>frame</a:t>
+            </a:r>
+          </a:p>
+          <a:p>
+            <a:pPr marL="1257300" lvl="3" indent="-254000" fontAlgn="base">
+              <a:spcBef>
+                <a:spcPts val="600"/>
+              </a:spcBef>
+              <a:spcAft>
+                <a:spcPct val="0"/>
+              </a:spcAft>
+              <a:buClr>
+                <a:schemeClr val="bg2"/>
+              </a:buClr>
+              <a:buFont typeface="Wingdings" pitchFamily="2" charset="2"/>
+              <a:buChar char="§"/>
+              <a:defRPr/>
+            </a:pPr>
+            <a:r>
+              <a:rPr lang="en-US" altLang="ko-KR" dirty="0" smtClean="0">
+                <a:latin typeface="LG체_v0.1 Regular" pitchFamily="50" charset="-127"/>
+                <a:ea typeface="LG체_v0.1 Regular" pitchFamily="50" charset="-127"/>
+              </a:rPr>
+              <a:t>poor </a:t>
+            </a:r>
+            <a:r>
+              <a:rPr lang="en-US" altLang="ko-KR" dirty="0" smtClean="0">
+                <a:latin typeface="LG체_v0.1 Regular" pitchFamily="50" charset="-127"/>
+                <a:ea typeface="LG체_v0.1 Regular" pitchFamily="50" charset="-127"/>
+              </a:rPr>
+              <a:t>performance and </a:t>
+            </a:r>
+            <a:r>
+              <a:rPr lang="en-US" altLang="ko-KR" dirty="0" smtClean="0">
+                <a:latin typeface="LG체_v0.1 Regular" pitchFamily="50" charset="-127"/>
+                <a:ea typeface="LG체_v0.1 Regular" pitchFamily="50" charset="-127"/>
+              </a:rPr>
+              <a:t>lead </a:t>
+            </a:r>
+            <a:r>
+              <a:rPr lang="en-US" altLang="ko-KR" dirty="0" smtClean="0">
+                <a:latin typeface="LG체_v0.1 Regular" pitchFamily="50" charset="-127"/>
+                <a:ea typeface="LG체_v0.1 Regular" pitchFamily="50" charset="-127"/>
+              </a:rPr>
+              <a:t>to skipped </a:t>
+            </a:r>
+            <a:r>
+              <a:rPr lang="en-US" altLang="ko-KR" dirty="0" smtClean="0">
+                <a:latin typeface="LG체_v0.1 Regular" pitchFamily="50" charset="-127"/>
+                <a:ea typeface="LG체_v0.1 Regular" pitchFamily="50" charset="-127"/>
+              </a:rPr>
+              <a:t>frames</a:t>
+            </a:r>
+            <a:r>
+              <a:rPr lang="en-US" altLang="ko-KR" dirty="0" smtClean="0">
+                <a:latin typeface="LG체_v0.1 Regular" pitchFamily="50" charset="-127"/>
+                <a:ea typeface="LG체_v0.1 Regular" pitchFamily="50" charset="-127"/>
+              </a:rPr>
+              <a:t/>
+            </a:r>
+            <a:br>
+              <a:rPr lang="en-US" altLang="ko-KR" dirty="0" smtClean="0">
+                <a:latin typeface="LG체_v0.1 Regular" pitchFamily="50" charset="-127"/>
+                <a:ea typeface="LG체_v0.1 Regular" pitchFamily="50" charset="-127"/>
+              </a:rPr>
+            </a:br>
             <a:endParaRPr lang="en-US" altLang="ko-KR" sz="2400" dirty="0" smtClean="0">
               <a:latin typeface="LG체_v0.1 Regular" pitchFamily="50" charset="-127"/>
               <a:ea typeface="LG체_v0.1 Regular" pitchFamily="50" charset="-127"/>
@@ -8912,29 +9693,17 @@
               <a:buClr>
                 <a:srgbClr val="D6006B"/>
               </a:buClr>
-              <a:buFont typeface="Arial" panose="020B0604020202020204" pitchFamily="34" charset="0"/>
-              <a:buChar char="•"/>
               <a:defRPr/>
             </a:pPr>
             <a:r>
-              <a:rPr lang="en-US" altLang="ko-KR" b="1" dirty="0" smtClean="0">
+              <a:rPr lang="en-US" altLang="ko-KR" sz="2000" b="1" dirty="0" smtClean="0">
                 <a:solidFill>
                   <a:srgbClr val="A50034"/>
                 </a:solidFill>
                 <a:latin typeface="LG체_v0.1 Regular" pitchFamily="50" charset="-127"/>
                 <a:ea typeface="LG체_v0.1 Regular" pitchFamily="50" charset="-127"/>
               </a:rPr>
-              <a:t>:region( [ center || left || top || right || bottom ]? </a:t>
-            </a:r>
-            <a:r>
-              <a:rPr lang="en-US" altLang="ko-KR" b="1" dirty="0" smtClean="0">
-                <a:solidFill>
-                  <a:srgbClr val="A50034"/>
-                </a:solidFill>
-                <a:latin typeface="LG체_v0.1 Regular" pitchFamily="50" charset="-127"/>
-                <a:ea typeface="LG체_v0.1 Regular" pitchFamily="50" charset="-127"/>
-              </a:rPr>
-              <a:t>)</a:t>
+              <a:t>:region( [ center || left || top || right || bottom ]? )</a:t>
             </a:r>
           </a:p>
           <a:p>
@@ -8977,11 +9746,35 @@
                 <a:ea typeface="LG체_v0.1 Regular" pitchFamily="50" charset="-127"/>
                 <a:cs typeface="Times New Roman" panose="02020603050405020304" pitchFamily="18" charset="0"/>
               </a:rPr>
-              <a:t>elements in specific area</a:t>
-            </a:r>
-          </a:p>
-          <a:p>
-            <a:pPr marL="1257300" lvl="3" indent="-254000" fontAlgn="base">
+              <a:t>an element </a:t>
+            </a:r>
+            <a:r>
+              <a:rPr lang="en-US" altLang="ko-KR" dirty="0" smtClean="0">
+                <a:latin typeface="LG체_v0.1 Regular" pitchFamily="50" charset="-127"/>
+                <a:ea typeface="LG체_v0.1 Regular" pitchFamily="50" charset="-127"/>
+                <a:cs typeface="Times New Roman" panose="02020603050405020304" pitchFamily="18" charset="0"/>
+              </a:rPr>
+              <a:t>in </a:t>
+            </a:r>
+            <a:r>
+              <a:rPr lang="en-US" altLang="ko-KR" dirty="0" smtClean="0">
+                <a:latin typeface="LG체_v0.1 Regular" pitchFamily="50" charset="-127"/>
+                <a:ea typeface="LG체_v0.1 Regular" pitchFamily="50" charset="-127"/>
+                <a:cs typeface="Times New Roman" panose="02020603050405020304" pitchFamily="18" charset="0"/>
+              </a:rPr>
+              <a:t>a specific </a:t>
+            </a:r>
+            <a:r>
+              <a:rPr lang="en-US" altLang="ko-KR" dirty="0" smtClean="0">
+                <a:latin typeface="LG체_v0.1 Regular" pitchFamily="50" charset="-127"/>
+                <a:ea typeface="LG체_v0.1 Regular" pitchFamily="50" charset="-127"/>
+                <a:cs typeface="Times New Roman" panose="02020603050405020304" pitchFamily="18" charset="0"/>
+              </a:rPr>
+              <a:t>area</a:t>
+            </a:r>
+          </a:p>
+          <a:p>
+            <a:pPr marL="800100" lvl="2" indent="-254000" fontAlgn="base">
               <a:spcBef>
                 <a:spcPts val="600"/>
               </a:spcBef>
@@ -8996,16 +9789,39 @@
               <a:defRPr/>
             </a:pPr>
             <a:r>
+              <a:rPr lang="en-US" altLang="ko-KR" b="1" dirty="0" smtClean="0">
+                <a:solidFill>
+                  <a:srgbClr val="A50034"/>
+                </a:solidFill>
+                <a:latin typeface="LG체_v0.1 Regular" pitchFamily="50" charset="-127"/>
+                <a:ea typeface="LG체_v0.1 Regular" pitchFamily="50" charset="-127"/>
+                <a:cs typeface="Times New Roman" panose="02020603050405020304" pitchFamily="18" charset="0"/>
+              </a:rPr>
+              <a:t>center:</a:t>
+            </a:r>
+            <a:r>
               <a:rPr lang="en-US" altLang="ko-KR" dirty="0" smtClean="0">
                 <a:latin typeface="LG체_v0.1 Regular" pitchFamily="50" charset="-127"/>
                 <a:ea typeface="LG체_v0.1 Regular" pitchFamily="50" charset="-127"/>
                 <a:cs typeface="Times New Roman" panose="02020603050405020304" pitchFamily="18" charset="0"/>
               </a:rPr>
-              <a:t>Center</a:t>
-            </a:r>
-          </a:p>
-          <a:p>
-            <a:pPr marL="1714500" lvl="4" indent="-254000" fontAlgn="base">
+              <a:t> </a:t>
+            </a:r>
+            <a:r>
+              <a:rPr lang="en-US" altLang="ko-KR" dirty="0" smtClean="0"/>
+              <a:t>overlaps the </a:t>
+            </a:r>
+            <a:r>
+              <a:rPr lang="en-US" altLang="ko-KR" dirty="0" smtClean="0"/>
+              <a:t>center point of a containing </a:t>
+            </a:r>
+            <a:r>
+              <a:rPr lang="en-US" altLang="ko-KR" dirty="0" smtClean="0"/>
+              <a:t>block</a:t>
+            </a:r>
+          </a:p>
+          <a:p>
+            <a:pPr marL="800100" lvl="2" indent="-254000" fontAlgn="base">
               <a:spcBef>
                 <a:spcPts val="600"/>
               </a:spcBef>
@@ -9020,16 +9836,27 @@
               <a:defRPr/>
             </a:pPr>
             <a:r>
+              <a:rPr lang="en-US" altLang="ko-KR" b="1" dirty="0" smtClean="0">
+                <a:solidFill>
+                  <a:srgbClr val="A50034"/>
+                </a:solidFill>
+                <a:latin typeface="LG체_v0.1 Regular" pitchFamily="50" charset="-127"/>
+                <a:ea typeface="LG체_v0.1 Regular" pitchFamily="50" charset="-127"/>
+                <a:cs typeface="Times New Roman" panose="02020603050405020304" pitchFamily="18" charset="0"/>
+              </a:rPr>
+              <a:t>top</a:t>
+            </a:r>
+            <a:r>
               <a:rPr lang="en-US" altLang="ko-KR" dirty="0" smtClean="0">
                 <a:latin typeface="LG체_v0.1 Regular" pitchFamily="50" charset="-127"/>
                 <a:ea typeface="LG체_v0.1 Regular" pitchFamily="50" charset="-127"/>
                 <a:cs typeface="Times New Roman" panose="02020603050405020304" pitchFamily="18" charset="0"/>
               </a:rPr>
-              <a:t>: focusing- scaling, center-aligning</a:t>
-            </a:r>
-          </a:p>
-          <a:p>
-            <a:pPr marL="1257300" lvl="3" indent="-254000" fontAlgn="base">
+              <a:t>: touches the top edge of a containing block</a:t>
+            </a:r>
+          </a:p>
+          <a:p>
+            <a:pPr marL="800100" lvl="2" indent="-254000" fontAlgn="base">
               <a:spcBef>
                 <a:spcPts val="600"/>
               </a:spcBef>
@@ -9044,29 +9871,48 @@
               <a:defRPr/>
             </a:pPr>
             <a:r>
+              <a:rPr lang="en-US" altLang="ko-KR" b="1" dirty="0" smtClean="0">
+                <a:solidFill>
+                  <a:srgbClr val="A50034"/>
+                </a:solidFill>
+                <a:latin typeface="LG체_v0.1 Regular" pitchFamily="50" charset="-127"/>
+                <a:ea typeface="LG체_v0.1 Regular" pitchFamily="50" charset="-127"/>
+                <a:cs typeface="Times New Roman" panose="02020603050405020304" pitchFamily="18" charset="0"/>
+              </a:rPr>
+              <a:t>left</a:t>
+            </a:r>
+            <a:r>
               <a:rPr lang="en-US" altLang="ko-KR" dirty="0" smtClean="0">
                 <a:latin typeface="LG체_v0.1 Regular" pitchFamily="50" charset="-127"/>
                 <a:ea typeface="LG체_v0.1 Regular" pitchFamily="50" charset="-127"/>
                 <a:cs typeface="Times New Roman" panose="02020603050405020304" pitchFamily="18" charset="0"/>
               </a:rPr>
-              <a:t>Top, Bottom: fade-out, fade-in</a:t>
-            </a:r>
-          </a:p>
-          <a:p>
-            <a:pPr marL="800100" lvl="2" indent="-254000" fontAlgn="base">
-              <a:spcBef>
-                <a:spcPts val="600"/>
-              </a:spcBef>
-              <a:spcAft>
-                <a:spcPct val="0"/>
-              </a:spcAft>
-              <a:buClr>
-                <a:schemeClr val="bg2"/>
-              </a:buClr>
-              <a:buFont typeface="Wingdings" pitchFamily="2" charset="2"/>
-              <a:buChar char="§"/>
-              <a:defRPr/>
-            </a:pPr>
+              <a:t>: </a:t>
+            </a:r>
+            <a:r>
+              <a:rPr lang="en-US" altLang="ko-KR" dirty="0" smtClean="0">
+                <a:latin typeface="LG체_v0.1 Regular" pitchFamily="50" charset="-127"/>
+                <a:ea typeface="LG체_v0.1 Regular" pitchFamily="50" charset="-127"/>
+                <a:cs typeface="Times New Roman" panose="02020603050405020304" pitchFamily="18" charset="0"/>
+              </a:rPr>
+              <a:t>touches the </a:t>
+            </a:r>
+            <a:r>
+              <a:rPr lang="en-US" altLang="ko-KR" dirty="0" smtClean="0">
+                <a:latin typeface="LG체_v0.1 Regular" pitchFamily="50" charset="-127"/>
+                <a:ea typeface="LG체_v0.1 Regular" pitchFamily="50" charset="-127"/>
+                <a:cs typeface="Times New Roman" panose="02020603050405020304" pitchFamily="18" charset="0"/>
+              </a:rPr>
+              <a:t>left edge </a:t>
+            </a:r>
+            <a:r>
+              <a:rPr lang="en-US" altLang="ko-KR" dirty="0" smtClean="0">
+                <a:latin typeface="LG체_v0.1 Regular" pitchFamily="50" charset="-127"/>
+                <a:ea typeface="LG체_v0.1 Regular" pitchFamily="50" charset="-127"/>
+                <a:cs typeface="Times New Roman" panose="02020603050405020304" pitchFamily="18" charset="0"/>
+              </a:rPr>
+              <a:t>of a containing block</a:t>
+            </a:r>
             <a:endParaRPr lang="en-US" altLang="ko-KR" dirty="0" smtClean="0">
               <a:latin typeface="LG체_v0.1 Regular" pitchFamily="50" charset="-127"/>
               <a:ea typeface="LG체_v0.1 Regular" pitchFamily="50" charset="-127"/>
@@ -9075,93 +9921,6 @@
           </a:p>
           <a:p>
             <a:pPr marL="800100" lvl="2" indent="-254000" fontAlgn="base">
-              <a:spcBef>
-                <a:spcPts val="600"/>
-              </a:spcBef>
-              <a:spcAft>
-                <a:spcPct val="0"/>
-              </a:spcAft>
-              <a:buClr>
-                <a:schemeClr val="bg2"/>
-              </a:buClr>
-              <a:buFont typeface="Wingdings" pitchFamily="2" charset="2"/>
-              <a:buChar char="§"/>
-              <a:defRPr/>
-            </a:pPr>
-            <a:endParaRPr lang="en-US" altLang="ko-KR" dirty="0" smtClean="0">
-              <a:latin typeface="LG체_v0.1 Regular" pitchFamily="50" charset="-127"/>
-              <a:ea typeface="LG체_v0.1 Regular" pitchFamily="50" charset="-127"/>
-              <a:cs typeface="Times New Roman" panose="02020603050405020304" pitchFamily="18" charset="0"/>
-            </a:endParaRPr>
-          </a:p>
-          <a:p>
-            <a:pPr marL="800100" lvl="2" indent="-254000" fontAlgn="base">
-              <a:spcBef>
-                <a:spcPts val="600"/>
-              </a:spcBef>
-              <a:spcAft>
-                <a:spcPct val="0"/>
-              </a:spcAft>
-              <a:buClr>
-                <a:schemeClr val="bg2"/>
-              </a:buClr>
-              <a:buFont typeface="Wingdings" pitchFamily="2" charset="2"/>
-              <a:buChar char="§"/>
-              <a:defRPr/>
-            </a:pPr>
-            <a:endParaRPr lang="en-US" altLang="ko-KR" dirty="0" smtClean="0">
-              <a:latin typeface="LG체_v0.1 Regular" pitchFamily="50" charset="-127"/>
-              <a:ea typeface="LG체_v0.1 Regular" pitchFamily="50" charset="-127"/>
-              <a:cs typeface="Times New Roman" panose="02020603050405020304" pitchFamily="18" charset="0"/>
-            </a:endParaRPr>
-          </a:p>
-          <a:p>
-            <a:pPr marL="800100" lvl="2" indent="-254000" fontAlgn="base">
-              <a:spcBef>
-                <a:spcPts val="600"/>
-              </a:spcBef>
-              <a:spcAft>
-                <a:spcPct val="0"/>
-              </a:spcAft>
-              <a:buClr>
-                <a:schemeClr val="bg2"/>
-              </a:buClr>
-              <a:buFont typeface="Wingdings" pitchFamily="2" charset="2"/>
-              <a:buChar char="§"/>
-              <a:defRPr/>
-            </a:pPr>
-            <a:endParaRPr lang="en-US" altLang="ko-KR" dirty="0" smtClean="0">
-              <a:latin typeface="LG체_v0.1 Regular" pitchFamily="50" charset="-127"/>
-              <a:ea typeface="LG체_v0.1 Regular" pitchFamily="50" charset="-127"/>
-              <a:cs typeface="Times New Roman" panose="02020603050405020304" pitchFamily="18" charset="0"/>
-            </a:endParaRPr>
-          </a:p>
-          <a:p>
-            <a:pPr marL="800100" lvl="2" indent="-254000" fontAlgn="base">
-              <a:spcBef>
-                <a:spcPts val="600"/>
-              </a:spcBef>
-              <a:spcAft>
-                <a:spcPct val="0"/>
-              </a:spcAft>
-              <a:buClr>
-                <a:schemeClr val="bg2"/>
-              </a:buClr>
-              <a:buFont typeface="Wingdings" pitchFamily="2" charset="2"/>
-              <a:buChar char="§"/>
-              <a:defRPr/>
-            </a:pPr>
-            <a:endParaRPr lang="en-US" altLang="ko-KR" dirty="0" smtClean="0">
-              <a:latin typeface="LG체_v0.1 Regular" pitchFamily="50" charset="-127"/>
-              <a:ea typeface="LG체_v0.1 Regular" pitchFamily="50" charset="-127"/>
-              <a:cs typeface="Times New Roman" panose="02020603050405020304" pitchFamily="18" charset="0"/>
-            </a:endParaRPr>
-          </a:p>
-          <a:p>
-            <a:pPr marL="342900" marR="0" lvl="1" indent="-254000" algn="l" defTabSz="914400" rtl="0" eaLnBrk="1" fontAlgn="base" latinLnBrk="1" hangingPunct="1">
-              <a:lnSpc>
-                <a:spcPct val="100000"/>
-              </a:lnSpc>
               <a:spcBef>
                 <a:spcPts val="600"/>
               </a:spcBef>
@@ -9171,12 +9930,117 @@
               <a:buClr>
                 <a:srgbClr val="D6006B"/>
               </a:buClr>
-              <a:buSzTx/>
               <a:buFont typeface="Arial" panose="020B0604020202020204" pitchFamily="34" charset="0"/>
               <a:buChar char="•"/>
-              <a:tabLst/>
               <a:defRPr/>
             </a:pPr>
+            <a:r>
+              <a:rPr lang="en-US" altLang="ko-KR" b="1" dirty="0" smtClean="0">
+                <a:solidFill>
+                  <a:srgbClr val="A50034"/>
+                </a:solidFill>
+                <a:latin typeface="LG체_v0.1 Regular" pitchFamily="50" charset="-127"/>
+                <a:ea typeface="LG체_v0.1 Regular" pitchFamily="50" charset="-127"/>
+                <a:cs typeface="Times New Roman" panose="02020603050405020304" pitchFamily="18" charset="0"/>
+              </a:rPr>
+              <a:t>bottom</a:t>
+            </a:r>
+            <a:r>
+              <a:rPr lang="en-US" altLang="ko-KR" dirty="0" smtClean="0">
+                <a:latin typeface="LG체_v0.1 Regular" pitchFamily="50" charset="-127"/>
+                <a:ea typeface="LG체_v0.1 Regular" pitchFamily="50" charset="-127"/>
+                <a:cs typeface="Times New Roman" panose="02020603050405020304" pitchFamily="18" charset="0"/>
+              </a:rPr>
+              <a:t>: </a:t>
+            </a:r>
+            <a:r>
+              <a:rPr lang="en-US" altLang="ko-KR" dirty="0" smtClean="0">
+                <a:latin typeface="LG체_v0.1 Regular" pitchFamily="50" charset="-127"/>
+                <a:ea typeface="LG체_v0.1 Regular" pitchFamily="50" charset="-127"/>
+                <a:cs typeface="Times New Roman" panose="02020603050405020304" pitchFamily="18" charset="0"/>
+              </a:rPr>
+              <a:t>touches the </a:t>
+            </a:r>
+            <a:r>
+              <a:rPr lang="en-US" altLang="ko-KR" dirty="0" smtClean="0">
+                <a:latin typeface="LG체_v0.1 Regular" pitchFamily="50" charset="-127"/>
+                <a:ea typeface="LG체_v0.1 Regular" pitchFamily="50" charset="-127"/>
+                <a:cs typeface="Times New Roman" panose="02020603050405020304" pitchFamily="18" charset="0"/>
+              </a:rPr>
+              <a:t>bottom edge of a containing block</a:t>
+            </a:r>
+            <a:endParaRPr lang="en-US" altLang="ko-KR" dirty="0" smtClean="0">
+              <a:latin typeface="LG체_v0.1 Regular" pitchFamily="50" charset="-127"/>
+              <a:ea typeface="LG체_v0.1 Regular" pitchFamily="50" charset="-127"/>
+              <a:cs typeface="Times New Roman" panose="02020603050405020304" pitchFamily="18" charset="0"/>
+            </a:endParaRPr>
+          </a:p>
+          <a:p>
+            <a:pPr marL="800100" lvl="2" indent="-254000" fontAlgn="base">
+              <a:spcBef>
+                <a:spcPts val="600"/>
+              </a:spcBef>
+              <a:spcAft>
+                <a:spcPct val="0"/>
+              </a:spcAft>
+              <a:buClr>
+                <a:srgbClr val="D6006B"/>
+              </a:buClr>
+              <a:buFont typeface="Arial" panose="020B0604020202020204" pitchFamily="34" charset="0"/>
+              <a:buChar char="•"/>
+              <a:defRPr/>
+            </a:pPr>
+            <a:r>
+              <a:rPr lang="en-US" altLang="ko-KR" b="1" dirty="0" smtClean="0">
+                <a:solidFill>
+                  <a:srgbClr val="A50034"/>
+                </a:solidFill>
+                <a:latin typeface="LG체_v0.1 Regular" pitchFamily="50" charset="-127"/>
+                <a:ea typeface="LG체_v0.1 Regular" pitchFamily="50" charset="-127"/>
+                <a:cs typeface="Times New Roman" panose="02020603050405020304" pitchFamily="18" charset="0"/>
+              </a:rPr>
+              <a:t>right</a:t>
+            </a:r>
+            <a:r>
+              <a:rPr lang="en-US" altLang="ko-KR" dirty="0" smtClean="0">
+                <a:latin typeface="LG체_v0.1 Regular" pitchFamily="50" charset="-127"/>
+                <a:ea typeface="LG체_v0.1 Regular" pitchFamily="50" charset="-127"/>
+                <a:cs typeface="Times New Roman" panose="02020603050405020304" pitchFamily="18" charset="0"/>
+              </a:rPr>
+              <a:t>: </a:t>
+            </a:r>
+            <a:r>
+              <a:rPr lang="en-US" altLang="ko-KR" dirty="0" smtClean="0">
+                <a:latin typeface="LG체_v0.1 Regular" pitchFamily="50" charset="-127"/>
+                <a:ea typeface="LG체_v0.1 Regular" pitchFamily="50" charset="-127"/>
+                <a:cs typeface="Times New Roman" panose="02020603050405020304" pitchFamily="18" charset="0"/>
+              </a:rPr>
+              <a:t>touches the </a:t>
+            </a:r>
+            <a:r>
+              <a:rPr lang="en-US" altLang="ko-KR" dirty="0" smtClean="0">
+                <a:latin typeface="LG체_v0.1 Regular" pitchFamily="50" charset="-127"/>
+                <a:ea typeface="LG체_v0.1 Regular" pitchFamily="50" charset="-127"/>
+                <a:cs typeface="Times New Roman" panose="02020603050405020304" pitchFamily="18" charset="0"/>
+              </a:rPr>
+              <a:t>right edge </a:t>
+            </a:r>
+            <a:r>
+              <a:rPr lang="en-US" altLang="ko-KR" dirty="0" smtClean="0">
+                <a:latin typeface="LG체_v0.1 Regular" pitchFamily="50" charset="-127"/>
+                <a:ea typeface="LG체_v0.1 Regular" pitchFamily="50" charset="-127"/>
+                <a:cs typeface="Times New Roman" panose="02020603050405020304" pitchFamily="18" charset="0"/>
+              </a:rPr>
+              <a:t>of a containing </a:t>
+            </a:r>
+            <a:r>
+              <a:rPr lang="en-US" altLang="ko-KR" dirty="0" smtClean="0">
+                <a:latin typeface="LG체_v0.1 Regular" pitchFamily="50" charset="-127"/>
+                <a:ea typeface="LG체_v0.1 Regular" pitchFamily="50" charset="-127"/>
+                <a:cs typeface="Times New Roman" panose="02020603050405020304" pitchFamily="18" charset="0"/>
+              </a:rPr>
+              <a:t>block</a:t>
+            </a:r>
             <a:endParaRPr kumimoji="1" lang="ko-KR" altLang="en-US" sz="2400" b="0" i="0" u="none" strike="noStrike" kern="0" cap="none" spc="-150" normalizeH="0" baseline="0" noProof="0" dirty="0">
               <a:ln>
                 <a:noFill/>
@@ -9208,7 +10072,7 @@
           <a:blip r:embed="rId4" cstate="print">
             <a:extLst>
               <a:ext uri="{28A0092B-C50C-407E-A947-70E740481C1C}">
-                <a14:useLocalDpi xmlns="" xmlns:a14="http://schemas.microsoft.com/office/drawing/2010/main" val="0"/>
+                <a14:useLocalDpi xmlns:a14="http://schemas.microsoft.com/office/drawing/2010/main" xmlns="" val="0"/>
               </a:ext>
             </a:extLst>
           </a:blip>
@@ -9249,7 +10113,7 @@
           </a:sp3d>
           <a:extLst>
             <a:ext uri="{909E8E84-426E-40DD-AFC4-6F175D3DCCD1}">
-              <a14:hiddenFill xmlns="" xmlns:a14="http://schemas.microsoft.com/office/drawing/2010/main">
+              <a14:hiddenFill xmlns:a14="http://schemas.microsoft.com/office/drawing/2010/main" xmlns="">
                 <a:solidFill>
                   <a:srgbClr val="FFFFFF"/>
                 </a:solidFill>
@@ -9261,7 +10125,7 @@
     </p:spTree>
     <p:extLst>
       <p:ext uri="{BB962C8B-B14F-4D97-AF65-F5344CB8AC3E}">
-        <p14:creationId xmlns:p14="http://schemas.microsoft.com/office/powerpoint/2010/main" xmlns="" val="2419008236"/>
+        <p14:creationId xmlns="" xmlns:p14="http://schemas.microsoft.com/office/powerpoint/2010/main" val="2419008236"/>
       </p:ext>
     </p:extLst>
   </p:cSld>
@@ -9307,7 +10171,7 @@
           <a:blip r:embed="rId3" cstate="print">
             <a:extLst>
               <a:ext uri="{28A0092B-C50C-407E-A947-70E740481C1C}">
-                <a14:useLocalDpi xmlns:a14="http://schemas.microsoft.com/office/drawing/2010/main" xmlns="" val="0"/>
+                <a14:useLocalDpi xmlns="" xmlns:a14="http://schemas.microsoft.com/office/drawing/2010/main" val="0"/>
               </a:ext>
             </a:extLst>
           </a:blip>
@@ -9327,7 +10191,7 @@
           <a:noFill/>
           <a:extLst>
             <a:ext uri="{909E8E84-426E-40DD-AFC4-6F175D3DCCD1}">
-              <a14:hiddenFill xmlns:a14="http://schemas.microsoft.com/office/drawing/2010/main" xmlns="">
+              <a14:hiddenFill xmlns="" xmlns:a14="http://schemas.microsoft.com/office/drawing/2010/main">
                 <a:solidFill>
                   <a:srgbClr val="FFFFFF"/>
                 </a:solidFill>
@@ -9357,7 +10221,21 @@
                 <a:latin typeface="나눔고딕 ExtraBold" pitchFamily="50" charset="-127"/>
                 <a:ea typeface="나눔고딕 ExtraBold" pitchFamily="50" charset="-127"/>
               </a:rPr>
-              <a:t>More Requirement for Round Displays</a:t>
+              <a:t>More </a:t>
+            </a:r>
+            <a:r>
+              <a:rPr lang="en-US" altLang="ko-KR" dirty="0" smtClean="0">
+                <a:latin typeface="나눔고딕 ExtraBold" pitchFamily="50" charset="-127"/>
+                <a:ea typeface="나눔고딕 ExtraBold" pitchFamily="50" charset="-127"/>
+              </a:rPr>
+              <a:t>Requirements </a:t>
+            </a:r>
+            <a:r>
+              <a:rPr lang="en-US" altLang="ko-KR" dirty="0" smtClean="0">
+                <a:latin typeface="나눔고딕 ExtraBold" pitchFamily="50" charset="-127"/>
+                <a:ea typeface="나눔고딕 ExtraBold" pitchFamily="50" charset="-127"/>
+              </a:rPr>
+              <a:t>for Round Displays</a:t>
             </a:r>
             <a:endParaRPr lang="ko-KR" altLang="en-US" dirty="0">
               <a:latin typeface="나눔고딕 ExtraBold" pitchFamily="50" charset="-127"/>
@@ -9378,7 +10256,7 @@
           <a:blip r:embed="rId4" cstate="print">
             <a:extLst>
               <a:ext uri="{28A0092B-C50C-407E-A947-70E740481C1C}">
-                <a14:useLocalDpi xmlns:a14="http://schemas.microsoft.com/office/drawing/2010/main" xmlns="" val="0"/>
+                <a14:useLocalDpi xmlns="" xmlns:a14="http://schemas.microsoft.com/office/drawing/2010/main" val="0"/>
               </a:ext>
             </a:extLst>
           </a:blip>
@@ -9398,7 +10276,7 @@
           <a:noFill/>
           <a:extLst>
             <a:ext uri="{909E8E84-426E-40DD-AFC4-6F175D3DCCD1}">
-              <a14:hiddenFill xmlns:a14="http://schemas.microsoft.com/office/drawing/2010/main" xmlns="">
+              <a14:hiddenFill xmlns="" xmlns:a14="http://schemas.microsoft.com/office/drawing/2010/main">
                 <a:solidFill>
                   <a:srgbClr val="FFFFFF"/>
                 </a:solidFill>
@@ -9419,7 +10297,7 @@
           <a:blip r:embed="rId5" cstate="print">
             <a:extLst>
               <a:ext uri="{BEBA8EAE-BF5A-486C-A8C5-ECC9F3942E4B}">
-                <a14:imgProps xmlns:a14="http://schemas.microsoft.com/office/drawing/2010/main" xmlns="">
+                <a14:imgProps xmlns="" xmlns:a14="http://schemas.microsoft.com/office/drawing/2010/main">
                   <a14:imgLayer r:embed="rId6">
                     <a14:imgEffect>
                       <a14:brightnessContrast bright="12000"/>
@@ -9428,7 +10306,7 @@
                 </a14:imgProps>
               </a:ext>
               <a:ext uri="{28A0092B-C50C-407E-A947-70E740481C1C}">
-                <a14:useLocalDpi xmlns:a14="http://schemas.microsoft.com/office/drawing/2010/main" xmlns="" val="0"/>
+                <a14:useLocalDpi xmlns="" xmlns:a14="http://schemas.microsoft.com/office/drawing/2010/main" val="0"/>
               </a:ext>
             </a:extLst>
           </a:blip>
@@ -9448,7 +10326,7 @@
           <a:noFill/>
           <a:extLst>
             <a:ext uri="{909E8E84-426E-40DD-AFC4-6F175D3DCCD1}">
-              <a14:hiddenFill xmlns:a14="http://schemas.microsoft.com/office/drawing/2010/main" xmlns="">
+              <a14:hiddenFill xmlns="" xmlns:a14="http://schemas.microsoft.com/office/drawing/2010/main">
                 <a:solidFill>
                   <a:srgbClr val="FFFFFF"/>
                 </a:solidFill>
@@ -9469,7 +10347,7 @@
           <a:blip r:embed="rId7" cstate="print">
             <a:extLst>
               <a:ext uri="{28A0092B-C50C-407E-A947-70E740481C1C}">
-                <a14:useLocalDpi xmlns:a14="http://schemas.microsoft.com/office/drawing/2010/main" xmlns="" val="0"/>
+                <a14:useLocalDpi xmlns="" xmlns:a14="http://schemas.microsoft.com/office/drawing/2010/main" val="0"/>
               </a:ext>
             </a:extLst>
           </a:blip>
@@ -9489,7 +10367,7 @@
           <a:noFill/>
           <a:extLst>
             <a:ext uri="{909E8E84-426E-40DD-AFC4-6F175D3DCCD1}">
-              <a14:hiddenFill xmlns:a14="http://schemas.microsoft.com/office/drawing/2010/main" xmlns="">
+              <a14:hiddenFill xmlns="" xmlns:a14="http://schemas.microsoft.com/office/drawing/2010/main">
                 <a:solidFill>
                   <a:srgbClr val="FFFFFF"/>
                 </a:solidFill>
@@ -9510,7 +10388,7 @@
           <a:blip r:embed="rId8" cstate="print">
             <a:extLst>
               <a:ext uri="{28A0092B-C50C-407E-A947-70E740481C1C}">
-                <a14:useLocalDpi xmlns:a14="http://schemas.microsoft.com/office/drawing/2010/main" xmlns="" val="0"/>
+                <a14:useLocalDpi xmlns="" xmlns:a14="http://schemas.microsoft.com/office/drawing/2010/main" val="0"/>
               </a:ext>
             </a:extLst>
           </a:blip>
@@ -9530,7 +10408,7 @@
           <a:noFill/>
           <a:extLst>
             <a:ext uri="{909E8E84-426E-40DD-AFC4-6F175D3DCCD1}">
-              <a14:hiddenFill xmlns:a14="http://schemas.microsoft.com/office/drawing/2010/main" xmlns="">
+              <a14:hiddenFill xmlns="" xmlns:a14="http://schemas.microsoft.com/office/drawing/2010/main">
                 <a:solidFill>
                   <a:srgbClr val="FFFFFF"/>
                 </a:solidFill>
@@ -9551,7 +10429,7 @@
           <a:blip r:embed="rId9" cstate="print">
             <a:extLst>
               <a:ext uri="{28A0092B-C50C-407E-A947-70E740481C1C}">
-                <a14:useLocalDpi xmlns:a14="http://schemas.microsoft.com/office/drawing/2010/main" xmlns="" val="0"/>
+                <a14:useLocalDpi xmlns="" xmlns:a14="http://schemas.microsoft.com/office/drawing/2010/main" val="0"/>
               </a:ext>
             </a:extLst>
           </a:blip>
@@ -9569,7 +10447,7 @@
           <a:noFill/>
           <a:extLst>
             <a:ext uri="{909E8E84-426E-40DD-AFC4-6F175D3DCCD1}">
-              <a14:hiddenFill xmlns:a14="http://schemas.microsoft.com/office/drawing/2010/main" xmlns="">
+              <a14:hiddenFill xmlns="" xmlns:a14="http://schemas.microsoft.com/office/drawing/2010/main">
                 <a:solidFill>
                   <a:srgbClr val="FFFFFF"/>
                 </a:solidFill>
@@ -9765,7 +10643,7 @@
     </p:spTree>
     <p:extLst>
       <p:ext uri="{BB962C8B-B14F-4D97-AF65-F5344CB8AC3E}">
-        <p14:creationId xmlns:p14="http://schemas.microsoft.com/office/powerpoint/2010/main" xmlns="" val="3152650952"/>
+        <p14:creationId xmlns="" xmlns:p14="http://schemas.microsoft.com/office/powerpoint/2010/main" val="3152650952"/>
       </p:ext>
     </p:extLst>
   </p:cSld>
@@ -9775,315 +10653,7 @@
   <p:timing>
     <p:tnLst>
       <p:par>
-        <p:cTn id="1" dur="indefinite" restart="never" nodeType="tmRoot">
-          <p:childTnLst>
-            <p:seq concurrent="1" nextAc="seek">
-              <p:cTn id="2" dur="indefinite" nodeType="mainSeq">
-                <p:childTnLst>
-                  <p:par>
-                    <p:cTn id="3" fill="hold">
-                      <p:stCondLst>
-                        <p:cond delay="indefinite"/>
-                        <p:cond evt="onBegin" delay="0">
-                          <p:tn val="2"/>
-                        </p:cond>
-                      </p:stCondLst>
-                      <p:childTnLst>
-                        <p:par>
-                          <p:cTn id="4" fill="hold">
-                            <p:stCondLst>
-                              <p:cond delay="0"/>
-                            </p:stCondLst>
-                            <p:childTnLst>
-                              <p:par>
-                                <p:cTn id="5" presetID="10" presetClass="entr" presetSubtype="0" fill="hold" nodeType="afterEffect">
-                                  <p:stCondLst>
-                                    <p:cond delay="0"/>
-                                  </p:stCondLst>
-                                  <p:childTnLst>
-                                    <p:set>
-                                      <p:cBhvr>
-                                        <p:cTn id="6" dur="1" fill="hold">
-                                          <p:stCondLst>
-                                            <p:cond delay="0"/>
-                                          </p:stCondLst>
-                                        </p:cTn>
-                                        <p:tgtEl>
-                                          <p:spTgt spid="2057"/>
-                                        </p:tgtEl>
-                                        <p:attrNameLst>
-                                          <p:attrName>style.visibility</p:attrName>
-                                        </p:attrNameLst>
-                                      </p:cBhvr>
-                                      <p:to>
-                                        <p:strVal val="visible"/>
-                                      </p:to>
-                                    </p:set>
-                                    <p:animEffect transition="in" filter="fade">
-                                      <p:cBhvr>
-                                        <p:cTn id="7" dur="500"/>
-                                        <p:tgtEl>
-                                          <p:spTgt spid="2057"/>
-                                        </p:tgtEl>
-                                      </p:cBhvr>
-                                    </p:animEffect>
-                                  </p:childTnLst>
-                                </p:cTn>
-                              </p:par>
-                            </p:childTnLst>
-                          </p:cTn>
-                        </p:par>
-                      </p:childTnLst>
-                    </p:cTn>
-                  </p:par>
-                  <p:par>
-                    <p:cTn id="8" fill="hold">
-                      <p:stCondLst>
-                        <p:cond delay="indefinite"/>
-                      </p:stCondLst>
-                      <p:childTnLst>
-                        <p:par>
-                          <p:cTn id="9" fill="hold">
-                            <p:stCondLst>
-                              <p:cond delay="0"/>
-                            </p:stCondLst>
-                            <p:childTnLst>
-                              <p:par>
-                                <p:cTn id="10" presetID="10" presetClass="entr" presetSubtype="0" fill="hold" nodeType="clickEffect">
-                                  <p:stCondLst>
-                                    <p:cond delay="0"/>
-                                  </p:stCondLst>
-                                  <p:childTnLst>
-                                    <p:set>
-                                      <p:cBhvr>
-                                        <p:cTn id="11" dur="1" fill="hold">
-                                          <p:stCondLst>
-                                            <p:cond delay="0"/>
-                                          </p:stCondLst>
-                                        </p:cTn>
-                                        <p:tgtEl>
-                                          <p:spTgt spid="2051"/>
-                                        </p:tgtEl>
-                                        <p:attrNameLst>
-                                          <p:attrName>style.visibility</p:attrName>
-                                        </p:attrNameLst>
-                                      </p:cBhvr>
-                                      <p:to>
-                                        <p:strVal val="visible"/>
-                                      </p:to>
-                                    </p:set>
-                                    <p:animEffect transition="in" filter="fade">
-                                      <p:cBhvr>
-                                        <p:cTn id="12" dur="500"/>
-                                        <p:tgtEl>
-                                          <p:spTgt spid="2051"/>
-                                        </p:tgtEl>
-                                      </p:cBhvr>
-                                    </p:animEffect>
-                                  </p:childTnLst>
-                                </p:cTn>
-                              </p:par>
-                            </p:childTnLst>
-                          </p:cTn>
-                        </p:par>
-                      </p:childTnLst>
-                    </p:cTn>
-                  </p:par>
-                  <p:par>
-                    <p:cTn id="13" fill="hold">
-                      <p:stCondLst>
-                        <p:cond delay="indefinite"/>
-                      </p:stCondLst>
-                      <p:childTnLst>
-                        <p:par>
-                          <p:cTn id="14" fill="hold">
-                            <p:stCondLst>
-                              <p:cond delay="0"/>
-                            </p:stCondLst>
-                            <p:childTnLst>
-                              <p:par>
-                                <p:cTn id="15" presetID="10" presetClass="entr" presetSubtype="0" fill="hold" nodeType="clickEffect">
-                                  <p:stCondLst>
-                                    <p:cond delay="0"/>
-                                  </p:stCondLst>
-                                  <p:childTnLst>
-                                    <p:set>
-                                      <p:cBhvr>
-                                        <p:cTn id="16" dur="1" fill="hold">
-                                          <p:stCondLst>
-                                            <p:cond delay="0"/>
-                                          </p:stCondLst>
-                                        </p:cTn>
-                                        <p:tgtEl>
-                                          <p:spTgt spid="2050"/>
-                                        </p:tgtEl>
-                                        <p:attrNameLst>
-                                          <p:attrName>style.visibility</p:attrName>
-                                        </p:attrNameLst>
-                                      </p:cBhvr>
-                                      <p:to>
-                                        <p:strVal val="visible"/>
-                                      </p:to>
-                                    </p:set>
-                                    <p:animEffect transition="in" filter="fade">
-                                      <p:cBhvr>
-                                        <p:cTn id="17" dur="500"/>
-                                        <p:tgtEl>
-                                          <p:spTgt spid="2050"/>
-                                        </p:tgtEl>
-                                      </p:cBhvr>
-                                    </p:animEffect>
-                                  </p:childTnLst>
-                                </p:cTn>
-                              </p:par>
-                            </p:childTnLst>
-                          </p:cTn>
-                        </p:par>
-                      </p:childTnLst>
-                    </p:cTn>
-                  </p:par>
-                  <p:par>
-                    <p:cTn id="18" fill="hold">
-                      <p:stCondLst>
-                        <p:cond delay="indefinite"/>
-                      </p:stCondLst>
-                      <p:childTnLst>
-                        <p:par>
-                          <p:cTn id="19" fill="hold">
-                            <p:stCondLst>
-                              <p:cond delay="0"/>
-                            </p:stCondLst>
-                            <p:childTnLst>
-                              <p:par>
-                                <p:cTn id="20" presetID="10" presetClass="entr" presetSubtype="0" fill="hold" nodeType="clickEffect">
-                                  <p:stCondLst>
-                                    <p:cond delay="0"/>
-                                  </p:stCondLst>
-                                  <p:childTnLst>
-                                    <p:set>
-                                      <p:cBhvr>
-                                        <p:cTn id="21" dur="1" fill="hold">
-                                          <p:stCondLst>
-                                            <p:cond delay="0"/>
-                                          </p:stCondLst>
-                                        </p:cTn>
-                                        <p:tgtEl>
-                                          <p:spTgt spid="2054"/>
-                                        </p:tgtEl>
-                                        <p:attrNameLst>
-                                          <p:attrName>style.visibility</p:attrName>
-                                        </p:attrNameLst>
-                                      </p:cBhvr>
-                                      <p:to>
-                                        <p:strVal val="visible"/>
-                                      </p:to>
-                                    </p:set>
-                                    <p:animEffect transition="in" filter="fade">
-                                      <p:cBhvr>
-                                        <p:cTn id="22" dur="500"/>
-                                        <p:tgtEl>
-                                          <p:spTgt spid="2054"/>
-                                        </p:tgtEl>
-                                      </p:cBhvr>
-                                    </p:animEffect>
-                                  </p:childTnLst>
-                                </p:cTn>
-                              </p:par>
-                              <p:par>
-                                <p:cTn id="23" presetID="10" presetClass="entr" presetSubtype="0" fill="hold" nodeType="withEffect">
-                                  <p:stCondLst>
-                                    <p:cond delay="0"/>
-                                  </p:stCondLst>
-                                  <p:childTnLst>
-                                    <p:set>
-                                      <p:cBhvr>
-                                        <p:cTn id="24" dur="1" fill="hold">
-                                          <p:stCondLst>
-                                            <p:cond delay="0"/>
-                                          </p:stCondLst>
-                                        </p:cTn>
-                                        <p:tgtEl>
-                                          <p:spTgt spid="2055"/>
-                                        </p:tgtEl>
-                                        <p:attrNameLst>
-                                          <p:attrName>style.visibility</p:attrName>
-                                        </p:attrNameLst>
-                                      </p:cBhvr>
-                                      <p:to>
-                                        <p:strVal val="visible"/>
-                                      </p:to>
-                                    </p:set>
-                                    <p:animEffect transition="in" filter="fade">
-                                      <p:cBhvr>
-                                        <p:cTn id="25" dur="500"/>
-                                        <p:tgtEl>
-                                          <p:spTgt spid="2055"/>
-                                        </p:tgtEl>
-                                      </p:cBhvr>
-                                    </p:animEffect>
-                                  </p:childTnLst>
-                                </p:cTn>
-                              </p:par>
-                              <p:par>
-                                <p:cTn id="26" presetID="10" presetClass="entr" presetSubtype="0" fill="hold" nodeType="withEffect">
-                                  <p:stCondLst>
-                                    <p:cond delay="0"/>
-                                  </p:stCondLst>
-                                  <p:childTnLst>
-                                    <p:set>
-                                      <p:cBhvr>
-                                        <p:cTn id="27" dur="1" fill="hold">
-                                          <p:stCondLst>
-                                            <p:cond delay="0"/>
-                                          </p:stCondLst>
-                                        </p:cTn>
-                                        <p:tgtEl>
-                                          <p:spTgt spid="2056"/>
-                                        </p:tgtEl>
-                                        <p:attrNameLst>
-                                          <p:attrName>style.visibility</p:attrName>
-                                        </p:attrNameLst>
-                                      </p:cBhvr>
-                                      <p:to>
-                                        <p:strVal val="visible"/>
-                                      </p:to>
-                                    </p:set>
-                                    <p:animEffect transition="in" filter="fade">
-                                      <p:cBhvr>
-                                        <p:cTn id="28" dur="500"/>
-                                        <p:tgtEl>
-                                          <p:spTgt spid="2056"/>
-                                        </p:tgtEl>
-                                      </p:cBhvr>
-                                    </p:animEffect>
-                                  </p:childTnLst>
-                                </p:cTn>
-                              </p:par>
-                            </p:childTnLst>
-                          </p:cTn>
-                        </p:par>
-                      </p:childTnLst>
-                    </p:cTn>
-                  </p:par>
-                </p:childTnLst>
-              </p:cTn>
-              <p:prevCondLst>
-                <p:cond evt="onPrev" delay="0">
-                  <p:tgtEl>
-                    <p:sldTgt/>
-                  </p:tgtEl>
-                </p:cond>
-              </p:prevCondLst>
-              <p:nextCondLst>
-                <p:cond evt="onNext" delay="0">
-                  <p:tgtEl>
-                    <p:sldTgt/>
-                  </p:tgtEl>
-                </p:cond>
-              </p:nextCondLst>
-            </p:seq>
-          </p:childTnLst>
-        </p:cTn>
+        <p:cTn id="1" dur="indefinite" restart="never" nodeType="tmRoot"/>
       </p:par>
     </p:tnLst>
   </p:timing>
@@ -10128,7 +10698,21 @@
                 <a:latin typeface="나눔고딕 ExtraBold" pitchFamily="50" charset="-127"/>
                 <a:ea typeface="나눔고딕 ExtraBold" pitchFamily="50" charset="-127"/>
               </a:rPr>
-              <a:t>More Requirement for Round Displays</a:t>
+              <a:t>More </a:t>
+            </a:r>
+            <a:r>
+              <a:rPr lang="en-US" altLang="ko-KR" dirty="0" smtClean="0">
+                <a:latin typeface="나눔고딕 ExtraBold" pitchFamily="50" charset="-127"/>
+                <a:ea typeface="나눔고딕 ExtraBold" pitchFamily="50" charset="-127"/>
+              </a:rPr>
+              <a:t>Requirements </a:t>
+            </a:r>
+            <a:r>
+              <a:rPr lang="en-US" altLang="ko-KR" dirty="0" smtClean="0">
+                <a:latin typeface="나눔고딕 ExtraBold" pitchFamily="50" charset="-127"/>
+                <a:ea typeface="나눔고딕 ExtraBold" pitchFamily="50" charset="-127"/>
+              </a:rPr>
+              <a:t>for Round Displays</a:t>
             </a:r>
             <a:endParaRPr lang="ko-KR" altLang="en-US" dirty="0">
               <a:latin typeface="나눔고딕 ExtraBold" pitchFamily="50" charset="-127"/>
@@ -10251,9 +10835,6 @@
             </a:pPr>
             <a:r>
               <a:rPr lang="en-US" altLang="ko-KR" sz="2400" dirty="0" err="1" smtClean="0">
-                <a:solidFill>
-                  <a:srgbClr val="FF0000"/>
-                </a:solidFill>
                 <a:latin typeface="LG체_v0.1 Regular" pitchFamily="50" charset="-127"/>
                 <a:ea typeface="LG체_v0.1 Regular" pitchFamily="50" charset="-127"/>
               </a:rPr>
@@ -10261,9 +10842,6 @@
             </a:r>
             <a:r>
               <a:rPr lang="en-US" altLang="ko-KR" sz="2400" dirty="0" smtClean="0">
-                <a:solidFill>
-                  <a:srgbClr val="FF0000"/>
-                </a:solidFill>
                 <a:latin typeface="LG체_v0.1 Regular" pitchFamily="50" charset="-127"/>
                 <a:ea typeface="LG체_v0.1 Regular" pitchFamily="50" charset="-127"/>
               </a:rPr>
@@ -10273,9 +10851,6 @@
               <a:ln>
                 <a:noFill/>
               </a:ln>
-              <a:solidFill>
-                <a:srgbClr val="FF0000"/>
-              </a:solidFill>
               <a:effectLst/>
               <a:uLnTx/>
               <a:uFillTx/>
@@ -10304,14 +10879,19 @@
             </a:pPr>
             <a:r>
               <a:rPr lang="en-US" altLang="ko-KR" dirty="0" smtClean="0">
-                <a:solidFill>
-                  <a:srgbClr val="FF0000"/>
-                </a:solidFill>
                 <a:latin typeface="LG체_v0.1 Regular" pitchFamily="50" charset="-127"/>
                 <a:ea typeface="LG체_v0.1 Regular" pitchFamily="50" charset="-127"/>
                 <a:cs typeface="Times New Roman" panose="02020603050405020304" pitchFamily="18" charset="0"/>
               </a:rPr>
-              <a:t>Solution for elements overlapping and overflowing</a:t>
+              <a:t>Avoids elements </a:t>
+            </a:r>
+            <a:r>
+              <a:rPr lang="en-US" altLang="ko-KR" dirty="0" smtClean="0">
+                <a:latin typeface="LG체_v0.1 Regular" pitchFamily="50" charset="-127"/>
+                <a:ea typeface="LG체_v0.1 Regular" pitchFamily="50" charset="-127"/>
+                <a:cs typeface="Times New Roman" panose="02020603050405020304" pitchFamily="18" charset="0"/>
+              </a:rPr>
+              <a:t>overlapping and overflowing</a:t>
             </a:r>
           </a:p>
           <a:p>
@@ -10334,9 +10914,6 @@
               <a:ln>
                 <a:noFill/>
               </a:ln>
-              <a:solidFill>
-                <a:schemeClr val="tx1"/>
-              </a:solidFill>
               <a:effectLst/>
               <a:uLnTx/>
               <a:uFillTx/>
@@ -10369,12 +10946,6 @@
               <a:ln>
                 <a:noFill/>
               </a:ln>
-              <a:solidFill>
-                <a:schemeClr val="tx1">
-                  <a:lumMod val="85000"/>
-                  <a:lumOff val="15000"/>
-                </a:schemeClr>
-              </a:solidFill>
               <a:effectLst/>
               <a:uLnTx/>
               <a:uFillTx/>
@@ -10385,66 +10956,10 @@
           </a:p>
         </p:txBody>
       </p:sp>
-      <p:pic>
-        <p:nvPicPr>
-          <p:cNvPr id="12290" name="Picture 2" descr="http://cdn.pocket-lint.com/r/s/970x/assets/images/phph7f1mg.jpg"/>
-          <p:cNvPicPr>
-            <a:picLocks noChangeAspect="1" noChangeArrowheads="1"/>
-          </p:cNvPicPr>
-          <p:nvPr/>
-        </p:nvPicPr>
-        <p:blipFill>
-          <a:blip r:embed="rId4" cstate="print"/>
-          <a:srcRect l="17926" t="15720" r="23622" b="9258"/>
-          <a:stretch>
-            <a:fillRect/>
-          </a:stretch>
-        </p:blipFill>
-        <p:spPr bwMode="auto">
-          <a:xfrm>
-            <a:off x="1259632" y="3068960"/>
-            <a:ext cx="1994067" cy="1728192"/>
-          </a:xfrm>
-          <a:prstGeom prst="rect">
-            <a:avLst/>
-          </a:prstGeom>
-          <a:noFill/>
-        </p:spPr>
-      </p:pic>
-      <p:sp>
-        <p:nvSpPr>
-          <p:cNvPr id="9" name="TextBox 8"/>
-          <p:cNvSpPr txBox="1"/>
-          <p:nvPr/>
-        </p:nvSpPr>
-        <p:spPr>
-          <a:xfrm>
-            <a:off x="1763688" y="2204864"/>
-            <a:ext cx="736099" cy="369332"/>
-          </a:xfrm>
-          <a:prstGeom prst="rect">
-            <a:avLst/>
-          </a:prstGeom>
-          <a:noFill/>
-        </p:spPr>
-        <p:txBody>
-          <a:bodyPr wrap="none" rtlCol="0">
-            <a:spAutoFit/>
-          </a:bodyPr>
-          <a:lstStyle/>
-          <a:p>
-            <a:r>
-              <a:rPr lang="en-US" altLang="ko-KR" dirty="0" smtClean="0"/>
-              <a:t>spiral</a:t>
-            </a:r>
-            <a:endParaRPr lang="ko-KR" altLang="en-US" dirty="0"/>
-          </a:p>
-        </p:txBody>
-      </p:sp>
     </p:spTree>
     <p:extLst>
       <p:ext uri="{BB962C8B-B14F-4D97-AF65-F5344CB8AC3E}">
-        <p14:creationId xmlns:p14="http://schemas.microsoft.com/office/powerpoint/2010/main" xmlns="" val="3152650952"/>
+        <p14:creationId xmlns="" xmlns:p14="http://schemas.microsoft.com/office/powerpoint/2010/main" val="3152650952"/>
       </p:ext>
     </p:extLst>
   </p:cSld>
@@ -10696,7 +11211,7 @@
           <a:blip r:embed="rId3" cstate="print">
             <a:extLst>
               <a:ext uri="{28A0092B-C50C-407E-A947-70E740481C1C}">
-                <a14:useLocalDpi xmlns:a14="http://schemas.microsoft.com/office/drawing/2010/main" xmlns="" val="0"/>
+                <a14:useLocalDpi xmlns="" xmlns:a14="http://schemas.microsoft.com/office/drawing/2010/main" val="0"/>
               </a:ext>
             </a:extLst>
           </a:blip>
@@ -10714,7 +11229,7 @@
           <a:noFill/>
           <a:extLst>
             <a:ext uri="{909E8E84-426E-40DD-AFC4-6F175D3DCCD1}">
-              <a14:hiddenFill xmlns:a14="http://schemas.microsoft.com/office/drawing/2010/main" xmlns="">
+              <a14:hiddenFill xmlns="" xmlns:a14="http://schemas.microsoft.com/office/drawing/2010/main">
                 <a:solidFill>
                   <a:srgbClr val="FFFFFF"/>
                 </a:solidFill>
@@ -10732,9 +11247,9 @@
         <p:grpSpPr>
           <a:xfrm>
             <a:off x="450927" y="5157192"/>
-            <a:ext cx="4719294" cy="646331"/>
+            <a:ext cx="4719294" cy="586122"/>
             <a:chOff x="416496" y="1312967"/>
-            <a:chExt cx="11660243" cy="646331"/>
+            <a:chExt cx="11660243" cy="586122"/>
           </a:xfrm>
         </p:grpSpPr>
         <p:sp>
@@ -10746,7 +11261,7 @@
           <p:spPr>
             <a:xfrm>
               <a:off x="515887" y="1312967"/>
-              <a:ext cx="11560852" cy="646331"/>
+              <a:ext cx="11560852" cy="586122"/>
             </a:xfrm>
             <a:prstGeom prst="rect">
               <a:avLst/>
@@ -10768,7 +11283,14 @@
                   <a:latin typeface="LG체_v0.1 Regular" pitchFamily="50" charset="-127"/>
                   <a:ea typeface="LG체_v0.1 Regular" pitchFamily="50" charset="-127"/>
                 </a:rPr>
-                <a:t> Joint demo in CSS WG Meeting</a:t>
+                <a:t> Joint </a:t>
+              </a:r>
+              <a:r>
+                <a:rPr lang="en-US" altLang="ko-KR" sz="2400" b="1" dirty="0" smtClean="0">
+                  <a:latin typeface="LG체_v0.1 Regular" pitchFamily="50" charset="-127"/>
+                  <a:ea typeface="LG체_v0.1 Regular" pitchFamily="50" charset="-127"/>
+                </a:rPr>
+                <a:t>demo in CSS WG Meeting</a:t>
               </a:r>
               <a:endParaRPr lang="en-US" altLang="ko-KR" sz="2400" b="1" dirty="0">
                 <a:latin typeface="LG체_v0.1 Regular" pitchFamily="50" charset="-127"/>
@@ -10951,7 +11473,14 @@
                   <a:latin typeface="LG체_v0.1 Regular" pitchFamily="50" charset="-127"/>
                   <a:ea typeface="LG체_v0.1 Regular" pitchFamily="50" charset="-127"/>
                 </a:rPr>
-                <a:t>Device-radius, border-boundary, polar positioning</a:t>
+                <a:t>device-radius</a:t>
+              </a:r>
+              <a:r>
+                <a:rPr lang="en-US" altLang="ko-KR" dirty="0" smtClean="0">
+                  <a:latin typeface="LG체_v0.1 Regular" pitchFamily="50" charset="-127"/>
+                  <a:ea typeface="LG체_v0.1 Regular" pitchFamily="50" charset="-127"/>
+                </a:rPr>
+                <a:t>, border-boundary, polar positioning</a:t>
               </a:r>
             </a:p>
             <a:p>
@@ -10999,7 +11528,7 @@
             <a:blip r:embed="rId4" cstate="print">
               <a:extLst>
                 <a:ext uri="{28A0092B-C50C-407E-A947-70E740481C1C}">
-                  <a14:useLocalDpi xmlns:a14="http://schemas.microsoft.com/office/drawing/2010/main" xmlns="" val="0"/>
+                  <a14:useLocalDpi xmlns="" xmlns:a14="http://schemas.microsoft.com/office/drawing/2010/main" val="0"/>
                 </a:ext>
               </a:extLst>
             </a:blip>
@@ -11025,7 +11554,7 @@
             </a:ln>
             <a:extLst>
               <a:ext uri="{909E8E84-426E-40DD-AFC4-6F175D3DCCD1}">
-                <a14:hiddenFill xmlns:a14="http://schemas.microsoft.com/office/drawing/2010/main" xmlns="">
+                <a14:hiddenFill xmlns="" xmlns:a14="http://schemas.microsoft.com/office/drawing/2010/main">
                   <a:solidFill>
                     <a:srgbClr val="FFFFFF"/>
                   </a:solidFill>
@@ -11046,7 +11575,7 @@
             <a:blip r:embed="rId5" cstate="print">
               <a:extLst>
                 <a:ext uri="{28A0092B-C50C-407E-A947-70E740481C1C}">
-                  <a14:useLocalDpi xmlns:a14="http://schemas.microsoft.com/office/drawing/2010/main" xmlns="" val="0"/>
+                  <a14:useLocalDpi xmlns="" xmlns:a14="http://schemas.microsoft.com/office/drawing/2010/main" val="0"/>
                 </a:ext>
               </a:extLst>
             </a:blip>
@@ -11064,7 +11593,7 @@
             <a:noFill/>
             <a:extLst>
               <a:ext uri="{909E8E84-426E-40DD-AFC4-6F175D3DCCD1}">
-                <a14:hiddenFill xmlns:a14="http://schemas.microsoft.com/office/drawing/2010/main" xmlns="">
+                <a14:hiddenFill xmlns="" xmlns:a14="http://schemas.microsoft.com/office/drawing/2010/main">
                   <a:solidFill>
                     <a:srgbClr val="FFFFFF"/>
                   </a:solidFill>
@@ -11077,7 +11606,7 @@
     </p:spTree>
     <p:extLst>
       <p:ext uri="{BB962C8B-B14F-4D97-AF65-F5344CB8AC3E}">
-        <p14:creationId xmlns:p14="http://schemas.microsoft.com/office/powerpoint/2010/main" xmlns="" val="4258004551"/>
+        <p14:creationId xmlns="" xmlns:p14="http://schemas.microsoft.com/office/powerpoint/2010/main" val="4258004551"/>
       </p:ext>
     </p:extLst>
   </p:cSld>
@@ -11087,280 +11616,7 @@
   <p:timing>
     <p:tnLst>
       <p:par>
-        <p:cTn id="1" dur="indefinite" restart="never" nodeType="tmRoot">
-          <p:childTnLst>
-            <p:seq concurrent="1" nextAc="seek">
-              <p:cTn id="2" dur="indefinite" nodeType="mainSeq">
-                <p:childTnLst>
-                  <p:par>
-                    <p:cTn id="3" fill="hold">
-                      <p:stCondLst>
-                        <p:cond delay="indefinite"/>
-                        <p:cond evt="onBegin" delay="0">
-                          <p:tn val="2"/>
-                        </p:cond>
-                      </p:stCondLst>
-                      <p:childTnLst>
-                        <p:par>
-                          <p:cTn id="4" fill="hold">
-                            <p:stCondLst>
-                              <p:cond delay="0"/>
-                            </p:stCondLst>
-                            <p:childTnLst>
-                              <p:par>
-                                <p:cTn id="5" presetID="10" presetClass="entr" presetSubtype="0" fill="hold" nodeType="afterEffect">
-                                  <p:stCondLst>
-                                    <p:cond delay="0"/>
-                                  </p:stCondLst>
-                                  <p:childTnLst>
-                                    <p:set>
-                                      <p:cBhvr>
-                                        <p:cTn id="6" dur="1" fill="hold">
-                                          <p:stCondLst>
-                                            <p:cond delay="0"/>
-                                          </p:stCondLst>
-                                        </p:cTn>
-                                        <p:tgtEl>
-                                          <p:spTgt spid="3"/>
-                                        </p:tgtEl>
-                                        <p:attrNameLst>
-                                          <p:attrName>style.visibility</p:attrName>
-                                        </p:attrNameLst>
-                                      </p:cBhvr>
-                                      <p:to>
-                                        <p:strVal val="visible"/>
-                                      </p:to>
-                                    </p:set>
-                                    <p:animEffect transition="in" filter="fade">
-                                      <p:cBhvr>
-                                        <p:cTn id="7" dur="500"/>
-                                        <p:tgtEl>
-                                          <p:spTgt spid="3"/>
-                                        </p:tgtEl>
-                                      </p:cBhvr>
-                                    </p:animEffect>
-                                  </p:childTnLst>
-                                </p:cTn>
-                              </p:par>
-                            </p:childTnLst>
-                          </p:cTn>
-                        </p:par>
-                        <p:par>
-                          <p:cTn id="8" fill="hold">
-                            <p:stCondLst>
-                              <p:cond delay="500"/>
-                            </p:stCondLst>
-                            <p:childTnLst>
-                              <p:par>
-                                <p:cTn id="9" presetID="10" presetClass="entr" presetSubtype="0" fill="hold" nodeType="afterEffect">
-                                  <p:stCondLst>
-                                    <p:cond delay="0"/>
-                                  </p:stCondLst>
-                                  <p:childTnLst>
-                                    <p:set>
-                                      <p:cBhvr>
-                                        <p:cTn id="10" dur="1" fill="hold">
-                                          <p:stCondLst>
-                                            <p:cond delay="0"/>
-                                          </p:stCondLst>
-                                        </p:cTn>
-                                        <p:tgtEl>
-                                          <p:spTgt spid="7171"/>
-                                        </p:tgtEl>
-                                        <p:attrNameLst>
-                                          <p:attrName>style.visibility</p:attrName>
-                                        </p:attrNameLst>
-                                      </p:cBhvr>
-                                      <p:to>
-                                        <p:strVal val="visible"/>
-                                      </p:to>
-                                    </p:set>
-                                    <p:animEffect transition="in" filter="fade">
-                                      <p:cBhvr>
-                                        <p:cTn id="11" dur="500"/>
-                                        <p:tgtEl>
-                                          <p:spTgt spid="7171"/>
-                                        </p:tgtEl>
-                                      </p:cBhvr>
-                                    </p:animEffect>
-                                  </p:childTnLst>
-                                </p:cTn>
-                              </p:par>
-                            </p:childTnLst>
-                          </p:cTn>
-                        </p:par>
-                      </p:childTnLst>
-                    </p:cTn>
-                  </p:par>
-                  <p:par>
-                    <p:cTn id="12" fill="hold">
-                      <p:stCondLst>
-                        <p:cond delay="indefinite"/>
-                      </p:stCondLst>
-                      <p:childTnLst>
-                        <p:par>
-                          <p:cTn id="13" fill="hold">
-                            <p:stCondLst>
-                              <p:cond delay="0"/>
-                            </p:stCondLst>
-                            <p:childTnLst>
-                              <p:par>
-                                <p:cTn id="14" presetID="10" presetClass="entr" presetSubtype="0" fill="hold" nodeType="clickEffect">
-                                  <p:stCondLst>
-                                    <p:cond delay="0"/>
-                                  </p:stCondLst>
-                                  <p:childTnLst>
-                                    <p:set>
-                                      <p:cBhvr>
-                                        <p:cTn id="15" dur="1" fill="hold">
-                                          <p:stCondLst>
-                                            <p:cond delay="0"/>
-                                          </p:stCondLst>
-                                        </p:cTn>
-                                        <p:tgtEl>
-                                          <p:spTgt spid="6"/>
-                                        </p:tgtEl>
-                                        <p:attrNameLst>
-                                          <p:attrName>style.visibility</p:attrName>
-                                        </p:attrNameLst>
-                                      </p:cBhvr>
-                                      <p:to>
-                                        <p:strVal val="visible"/>
-                                      </p:to>
-                                    </p:set>
-                                    <p:animEffect transition="in" filter="fade">
-                                      <p:cBhvr>
-                                        <p:cTn id="16" dur="500"/>
-                                        <p:tgtEl>
-                                          <p:spTgt spid="6"/>
-                                        </p:tgtEl>
-                                      </p:cBhvr>
-                                    </p:animEffect>
-                                  </p:childTnLst>
-                                </p:cTn>
-                              </p:par>
-                            </p:childTnLst>
-                          </p:cTn>
-                        </p:par>
-                        <p:par>
-                          <p:cTn id="17" fill="hold">
-                            <p:stCondLst>
-                              <p:cond delay="500"/>
-                            </p:stCondLst>
-                            <p:childTnLst>
-                              <p:par>
-                                <p:cTn id="18" presetID="10" presetClass="entr" presetSubtype="0" fill="hold" nodeType="afterEffect">
-                                  <p:stCondLst>
-                                    <p:cond delay="0"/>
-                                  </p:stCondLst>
-                                  <p:childTnLst>
-                                    <p:set>
-                                      <p:cBhvr>
-                                        <p:cTn id="19" dur="1" fill="hold">
-                                          <p:stCondLst>
-                                            <p:cond delay="0"/>
-                                          </p:stCondLst>
-                                        </p:cTn>
-                                        <p:tgtEl>
-                                          <p:spTgt spid="9"/>
-                                        </p:tgtEl>
-                                        <p:attrNameLst>
-                                          <p:attrName>style.visibility</p:attrName>
-                                        </p:attrNameLst>
-                                      </p:cBhvr>
-                                      <p:to>
-                                        <p:strVal val="visible"/>
-                                      </p:to>
-                                    </p:set>
-                                    <p:animEffect transition="in" filter="fade">
-                                      <p:cBhvr>
-                                        <p:cTn id="20" dur="500"/>
-                                        <p:tgtEl>
-                                          <p:spTgt spid="9"/>
-                                        </p:tgtEl>
-                                      </p:cBhvr>
-                                    </p:animEffect>
-                                  </p:childTnLst>
-                                </p:cTn>
-                              </p:par>
-                            </p:childTnLst>
-                          </p:cTn>
-                        </p:par>
-                      </p:childTnLst>
-                    </p:cTn>
-                  </p:par>
-                  <p:par>
-                    <p:cTn id="21" fill="hold">
-                      <p:stCondLst>
-                        <p:cond delay="indefinite"/>
-                      </p:stCondLst>
-                      <p:childTnLst>
-                        <p:par>
-                          <p:cTn id="22" fill="hold">
-                            <p:stCondLst>
-                              <p:cond delay="0"/>
-                            </p:stCondLst>
-                            <p:childTnLst>
-                              <p:par>
-                                <p:cTn id="23" presetID="10" presetClass="entr" presetSubtype="0" fill="hold" nodeType="clickEffect">
-                                  <p:stCondLst>
-                                    <p:cond delay="0"/>
-                                  </p:stCondLst>
-                                  <p:childTnLst>
-                                    <p:set>
-                                      <p:cBhvr>
-                                        <p:cTn id="24" dur="1" fill="hold">
-                                          <p:stCondLst>
-                                            <p:cond delay="0"/>
-                                          </p:stCondLst>
-                                        </p:cTn>
-                                        <p:tgtEl>
-                                          <p:spTgt spid="5"/>
-                                        </p:tgtEl>
-                                        <p:attrNameLst>
-                                          <p:attrName>style.visibility</p:attrName>
-                                        </p:attrNameLst>
-                                      </p:cBhvr>
-                                      <p:to>
-                                        <p:strVal val="visible"/>
-                                      </p:to>
-                                    </p:set>
-                                    <p:animEffect transition="in" filter="fade">
-                                      <p:cBhvr>
-                                        <p:cTn id="25" dur="500"/>
-                                        <p:tgtEl>
-                                          <p:spTgt spid="5"/>
-                                        </p:tgtEl>
-                                      </p:cBhvr>
-                                    </p:animEffect>
-                                  </p:childTnLst>
-                                </p:cTn>
-                              </p:par>
-                            </p:childTnLst>
-                          </p:cTn>
-                        </p:par>
-                      </p:childTnLst>
-                    </p:cTn>
-                  </p:par>
-                </p:childTnLst>
-              </p:cTn>
-              <p:prevCondLst>
-                <p:cond evt="onPrev" delay="0">
-                  <p:tgtEl>
-                    <p:sldTgt/>
-                  </p:tgtEl>
-                </p:cond>
-              </p:prevCondLst>
-              <p:nextCondLst>
-                <p:cond evt="onNext" delay="0">
-                  <p:tgtEl>
-                    <p:sldTgt/>
-                  </p:tgtEl>
-                </p:cond>
-              </p:nextCondLst>
-            </p:seq>
-          </p:childTnLst>
-        </p:cTn>
+        <p:cTn id="1" dur="indefinite" restart="never" nodeType="tmRoot"/>
       </p:par>
     </p:tnLst>
   </p:timing>
@@ -11774,9 +12030,6 @@
               </a:r>
               <a:r>
                 <a:rPr lang="en-US" altLang="ko-KR" sz="2800" dirty="0" err="1" smtClean="0">
-                  <a:solidFill>
-                    <a:srgbClr val="FF0000"/>
-                  </a:solidFill>
                   <a:latin typeface="LG체_v0.1 Regular" pitchFamily="50" charset="-127"/>
                   <a:ea typeface="LG체_v0.1 Regular" pitchFamily="50" charset="-127"/>
                 </a:rPr>
@@ -11784,18 +12037,12 @@
               </a:r>
               <a:r>
                 <a:rPr lang="en-US" altLang="ko-KR" sz="2800" dirty="0" smtClean="0">
-                  <a:solidFill>
-                    <a:srgbClr val="FF0000"/>
-                  </a:solidFill>
                   <a:latin typeface="LG체_v0.1 Regular" pitchFamily="50" charset="-127"/>
                   <a:ea typeface="LG체_v0.1 Regular" pitchFamily="50" charset="-127"/>
                 </a:rPr>
                 <a:t> extension</a:t>
               </a:r>
               <a:endParaRPr lang="en-US" altLang="ko-KR" sz="2400" dirty="0">
-                <a:solidFill>
-                  <a:srgbClr val="FF0000"/>
-                </a:solidFill>
                 <a:latin typeface="LG체_v0.1 Regular" pitchFamily="50" charset="-127"/>
                 <a:ea typeface="LG체_v0.1 Regular" pitchFamily="50" charset="-127"/>
               </a:endParaRPr>
@@ -11931,7 +12178,7 @@
     </p:spTree>
     <p:extLst>
       <p:ext uri="{BB962C8B-B14F-4D97-AF65-F5344CB8AC3E}">
-        <p14:creationId xmlns:p14="http://schemas.microsoft.com/office/powerpoint/2010/main" xmlns="" val="1324977384"/>
+        <p14:creationId xmlns="" xmlns:p14="http://schemas.microsoft.com/office/powerpoint/2010/main" val="1324977384"/>
       </p:ext>
     </p:extLst>
   </p:cSld>
@@ -11939,7 +12186,7 @@
     <a:masterClrMapping/>
   </p:clrMapOvr>
   <mc:AlternateContent xmlns:mc="http://schemas.openxmlformats.org/markup-compatibility/2006">
-    <mc:Choice xmlns:p14="http://schemas.microsoft.com/office/powerpoint/2010/main" xmlns="" Requires="p14">
+    <mc:Choice xmlns="" xmlns:p14="http://schemas.microsoft.com/office/powerpoint/2010/main" Requires="p14">
       <p:transition spd="med" p14:dur="700">
         <p:fade/>
       </p:transition>
@@ -11953,262 +12200,7 @@
   <p:timing>
     <p:tnLst>
       <p:par>
-        <p:cTn id="1" dur="indefinite" restart="never" nodeType="tmRoot">
-          <p:childTnLst>
-            <p:seq concurrent="1" nextAc="seek">
-              <p:cTn id="2" dur="indefinite" nodeType="mainSeq">
-                <p:childTnLst>
-                  <p:par>
-                    <p:cTn id="3" fill="hold">
-                      <p:stCondLst>
-                        <p:cond delay="indefinite"/>
-                        <p:cond evt="onBegin" delay="0">
-                          <p:tn val="2"/>
-                        </p:cond>
-                      </p:stCondLst>
-                      <p:childTnLst>
-                        <p:par>
-                          <p:cTn id="4" fill="hold">
-                            <p:stCondLst>
-                              <p:cond delay="0"/>
-                            </p:stCondLst>
-                            <p:childTnLst>
-                              <p:par>
-                                <p:cTn id="5" presetID="10" presetClass="entr" presetSubtype="0" fill="hold" nodeType="withEffect">
-                                  <p:stCondLst>
-                                    <p:cond delay="0"/>
-                                  </p:stCondLst>
-                                  <p:childTnLst>
-                                    <p:set>
-                                      <p:cBhvr>
-                                        <p:cTn id="6" dur="1" fill="hold">
-                                          <p:stCondLst>
-                                            <p:cond delay="0"/>
-                                          </p:stCondLst>
-                                        </p:cTn>
-                                        <p:tgtEl>
-                                          <p:spTgt spid="4"/>
-                                        </p:tgtEl>
-                                        <p:attrNameLst>
-                                          <p:attrName>style.visibility</p:attrName>
-                                        </p:attrNameLst>
-                                      </p:cBhvr>
-                                      <p:to>
-                                        <p:strVal val="visible"/>
-                                      </p:to>
-                                    </p:set>
-                                    <p:animEffect transition="in" filter="fade">
-                                      <p:cBhvr>
-                                        <p:cTn id="7" dur="500"/>
-                                        <p:tgtEl>
-                                          <p:spTgt spid="4"/>
-                                        </p:tgtEl>
-                                      </p:cBhvr>
-                                    </p:animEffect>
-                                  </p:childTnLst>
-                                </p:cTn>
-                              </p:par>
-                            </p:childTnLst>
-                          </p:cTn>
-                        </p:par>
-                        <p:par>
-                          <p:cTn id="8" fill="hold">
-                            <p:stCondLst>
-                              <p:cond delay="500"/>
-                            </p:stCondLst>
-                            <p:childTnLst>
-                              <p:par>
-                                <p:cTn id="9" presetID="10" presetClass="entr" presetSubtype="0" fill="hold" nodeType="afterEffect">
-                                  <p:stCondLst>
-                                    <p:cond delay="0"/>
-                                  </p:stCondLst>
-                                  <p:childTnLst>
-                                    <p:set>
-                                      <p:cBhvr>
-                                        <p:cTn id="10" dur="1" fill="hold">
-                                          <p:stCondLst>
-                                            <p:cond delay="0"/>
-                                          </p:stCondLst>
-                                        </p:cTn>
-                                        <p:tgtEl>
-                                          <p:spTgt spid="11"/>
-                                        </p:tgtEl>
-                                        <p:attrNameLst>
-                                          <p:attrName>style.visibility</p:attrName>
-                                        </p:attrNameLst>
-                                      </p:cBhvr>
-                                      <p:to>
-                                        <p:strVal val="visible"/>
-                                      </p:to>
-                                    </p:set>
-                                    <p:animEffect transition="in" filter="fade">
-                                      <p:cBhvr>
-                                        <p:cTn id="11" dur="500"/>
-                                        <p:tgtEl>
-                                          <p:spTgt spid="11"/>
-                                        </p:tgtEl>
-                                      </p:cBhvr>
-                                    </p:animEffect>
-                                  </p:childTnLst>
-                                </p:cTn>
-                              </p:par>
-                            </p:childTnLst>
-                          </p:cTn>
-                        </p:par>
-                        <p:par>
-                          <p:cTn id="12" fill="hold">
-                            <p:stCondLst>
-                              <p:cond delay="1000"/>
-                            </p:stCondLst>
-                            <p:childTnLst>
-                              <p:par>
-                                <p:cTn id="13" presetID="10" presetClass="entr" presetSubtype="0" fill="hold" nodeType="afterEffect">
-                                  <p:stCondLst>
-                                    <p:cond delay="0"/>
-                                  </p:stCondLst>
-                                  <p:childTnLst>
-                                    <p:set>
-                                      <p:cBhvr>
-                                        <p:cTn id="14" dur="1" fill="hold">
-                                          <p:stCondLst>
-                                            <p:cond delay="0"/>
-                                          </p:stCondLst>
-                                        </p:cTn>
-                                        <p:tgtEl>
-                                          <p:spTgt spid="12"/>
-                                        </p:tgtEl>
-                                        <p:attrNameLst>
-                                          <p:attrName>style.visibility</p:attrName>
-                                        </p:attrNameLst>
-                                      </p:cBhvr>
-                                      <p:to>
-                                        <p:strVal val="visible"/>
-                                      </p:to>
-                                    </p:set>
-                                    <p:animEffect transition="in" filter="fade">
-                                      <p:cBhvr>
-                                        <p:cTn id="15" dur="500"/>
-                                        <p:tgtEl>
-                                          <p:spTgt spid="12"/>
-                                        </p:tgtEl>
-                                      </p:cBhvr>
-                                    </p:animEffect>
-                                  </p:childTnLst>
-                                </p:cTn>
-                              </p:par>
-                            </p:childTnLst>
-                          </p:cTn>
-                        </p:par>
-                        <p:par>
-                          <p:cTn id="16" fill="hold">
-                            <p:stCondLst>
-                              <p:cond delay="1500"/>
-                            </p:stCondLst>
-                            <p:childTnLst>
-                              <p:par>
-                                <p:cTn id="17" presetID="10" presetClass="entr" presetSubtype="0" fill="hold" nodeType="afterEffect">
-                                  <p:stCondLst>
-                                    <p:cond delay="0"/>
-                                  </p:stCondLst>
-                                  <p:childTnLst>
-                                    <p:set>
-                                      <p:cBhvr>
-                                        <p:cTn id="18" dur="1" fill="hold">
-                                          <p:stCondLst>
-                                            <p:cond delay="0"/>
-                                          </p:stCondLst>
-                                        </p:cTn>
-                                        <p:tgtEl>
-                                          <p:spTgt spid="2"/>
-                                        </p:tgtEl>
-                                        <p:attrNameLst>
-                                          <p:attrName>style.visibility</p:attrName>
-                                        </p:attrNameLst>
-                                      </p:cBhvr>
-                                      <p:to>
-                                        <p:strVal val="visible"/>
-                                      </p:to>
-                                    </p:set>
-                                    <p:animEffect transition="in" filter="fade">
-                                      <p:cBhvr>
-                                        <p:cTn id="19" dur="500"/>
-                                        <p:tgtEl>
-                                          <p:spTgt spid="2"/>
-                                        </p:tgtEl>
-                                      </p:cBhvr>
-                                    </p:animEffect>
-                                  </p:childTnLst>
-                                </p:cTn>
-                              </p:par>
-                            </p:childTnLst>
-                          </p:cTn>
-                        </p:par>
-                        <p:par>
-                          <p:cTn id="20" fill="hold">
-                            <p:stCondLst>
-                              <p:cond delay="2000"/>
-                            </p:stCondLst>
-                            <p:childTnLst>
-                              <p:par>
-                                <p:cTn id="21" presetID="10" presetClass="entr" presetSubtype="0" fill="hold" nodeType="afterEffect">
-                                  <p:stCondLst>
-                                    <p:cond delay="0"/>
-                                  </p:stCondLst>
-                                  <p:childTnLst>
-                                    <p:set>
-                                      <p:cBhvr>
-                                        <p:cTn id="22" dur="1" fill="hold">
-                                          <p:stCondLst>
-                                            <p:cond delay="0"/>
-                                          </p:stCondLst>
-                                        </p:cTn>
-                                        <p:tgtEl>
-                                          <p:spTgt spid="16"/>
-                                        </p:tgtEl>
-                                        <p:attrNameLst>
-                                          <p:attrName>style.visibility</p:attrName>
-                                        </p:attrNameLst>
-                                      </p:cBhvr>
-                                      <p:to>
-                                        <p:strVal val="visible"/>
-                                      </p:to>
-                                    </p:set>
-                                    <p:animEffect transition="in" filter="fade">
-                                      <p:cBhvr>
-                                        <p:cTn id="23" dur="500"/>
-                                        <p:tgtEl>
-                                          <p:spTgt spid="16"/>
-                                        </p:tgtEl>
-                                      </p:cBhvr>
-                                    </p:animEffect>
-                                  </p:childTnLst>
-                                </p:cTn>
-                              </p:par>
-                            </p:childTnLst>
-                          </p:cTn>
-                        </p:par>
-                      </p:childTnLst>
-                    </p:cTn>
-                  </p:par>
-                </p:childTnLst>
-              </p:cTn>
-              <p:prevCondLst>
-                <p:cond evt="onPrev" delay="0">
-                  <p:tgtEl>
-                    <p:sldTgt/>
-                  </p:tgtEl>
-                </p:cond>
-              </p:prevCondLst>
-              <p:nextCondLst>
-                <p:cond evt="onNext" delay="0">
-                  <p:tgtEl>
-                    <p:sldTgt/>
-                  </p:tgtEl>
-                </p:cond>
-              </p:nextCondLst>
-            </p:seq>
-          </p:childTnLst>
-        </p:cTn>
+        <p:cTn id="1" dur="indefinite" restart="never" nodeType="tmRoot"/>
       </p:par>
     </p:tnLst>
   </p:timing>
@@ -12270,10 +12262,10 @@
         </p:nvGrpSpPr>
         <p:grpSpPr>
           <a:xfrm>
-            <a:off x="344265" y="2294336"/>
-            <a:ext cx="8640961" cy="668453"/>
-            <a:chOff x="416496" y="1253659"/>
-            <a:chExt cx="9361041" cy="668453"/>
+            <a:off x="344265" y="2348880"/>
+            <a:ext cx="8640961" cy="586122"/>
+            <a:chOff x="416496" y="1308203"/>
+            <a:chExt cx="9361041" cy="586122"/>
           </a:xfrm>
         </p:grpSpPr>
         <p:sp>
@@ -12284,8 +12276,8 @@
           </p:nvSpPr>
           <p:spPr>
             <a:xfrm>
-              <a:off x="515888" y="1253659"/>
-              <a:ext cx="9261649" cy="668453"/>
+              <a:off x="515887" y="1308203"/>
+              <a:ext cx="9261650" cy="586122"/>
             </a:xfrm>
             <a:prstGeom prst="rect">
               <a:avLst/>
@@ -12303,19 +12295,13 @@
                 </a:lnSpc>
               </a:pPr>
               <a:r>
-                <a:rPr lang="en-US" altLang="ko-KR" sz="2800" dirty="0" smtClean="0">
-                  <a:solidFill>
-                    <a:srgbClr val="FF0000"/>
-                  </a:solidFill>
+                <a:rPr lang="en-US" altLang="ko-KR" sz="2400" dirty="0" smtClean="0">
                   <a:latin typeface="LG체_v0.1 Regular" pitchFamily="50" charset="-127"/>
                   <a:ea typeface="LG체_v0.1 Regular" pitchFamily="50" charset="-127"/>
                 </a:rPr>
                 <a:t>CSS Round Display Demo (polyfill)</a:t>
               </a:r>
-              <a:endParaRPr lang="en-US" altLang="ko-KR" sz="2400" dirty="0">
-                <a:solidFill>
-                  <a:srgbClr val="FF0000"/>
-                </a:solidFill>
+              <a:endParaRPr lang="en-US" altLang="ko-KR" sz="2000" dirty="0">
                 <a:latin typeface="LG체_v0.1 Regular" pitchFamily="50" charset="-127"/>
                 <a:ea typeface="LG체_v0.1 Regular" pitchFamily="50" charset="-127"/>
               </a:endParaRPr>
@@ -12366,10 +12352,10 @@
         </p:nvGrpSpPr>
         <p:grpSpPr>
           <a:xfrm>
-            <a:off x="344265" y="3628234"/>
-            <a:ext cx="8640961" cy="668453"/>
-            <a:chOff x="416496" y="2693734"/>
-            <a:chExt cx="9361041" cy="668453"/>
+            <a:off x="344265" y="3706974"/>
+            <a:ext cx="8640961" cy="586122"/>
+            <a:chOff x="416496" y="2772474"/>
+            <a:chExt cx="9361041" cy="586122"/>
           </a:xfrm>
         </p:grpSpPr>
         <p:sp>
@@ -12380,8 +12366,8 @@
           </p:nvSpPr>
           <p:spPr>
             <a:xfrm>
-              <a:off x="515887" y="2693734"/>
-              <a:ext cx="9261650" cy="668453"/>
+              <a:off x="515887" y="2772474"/>
+              <a:ext cx="9261650" cy="586122"/>
             </a:xfrm>
             <a:prstGeom prst="rect">
               <a:avLst/>
@@ -12399,29 +12385,20 @@
                 </a:lnSpc>
               </a:pPr>
               <a:r>
-                <a:rPr lang="en-US" altLang="ko-KR" sz="2800" dirty="0">
-                  <a:solidFill>
-                    <a:srgbClr val="FF0000"/>
-                  </a:solidFill>
+                <a:rPr lang="en-US" altLang="ko-KR" sz="2400" dirty="0">
                   <a:latin typeface="LG체_v0.1 Regular" pitchFamily="50" charset="-127"/>
                   <a:ea typeface="LG체_v0.1 Regular" pitchFamily="50" charset="-127"/>
                 </a:rPr>
                 <a:t>Alcatel Watch </a:t>
               </a:r>
               <a:r>
-                <a:rPr lang="en-US" altLang="ko-KR" sz="2800" dirty="0" smtClean="0">
-                  <a:solidFill>
-                    <a:srgbClr val="FF0000"/>
-                  </a:solidFill>
+                <a:rPr lang="en-US" altLang="ko-KR" sz="2400" dirty="0" smtClean="0">
                   <a:latin typeface="LG체_v0.1 Regular" pitchFamily="50" charset="-127"/>
                   <a:ea typeface="LG체_v0.1 Regular" pitchFamily="50" charset="-127"/>
                 </a:rPr>
                 <a:t>UX</a:t>
               </a:r>
-              <a:endParaRPr lang="en-US" altLang="ko-KR" sz="2800" dirty="0">
-                <a:solidFill>
-                  <a:srgbClr val="FF0000"/>
-                </a:solidFill>
+              <a:endParaRPr lang="en-US" altLang="ko-KR" sz="2400" dirty="0">
                 <a:latin typeface="LG체_v0.1 Regular" pitchFamily="50" charset="-127"/>
                 <a:ea typeface="LG체_v0.1 Regular" pitchFamily="50" charset="-127"/>
               </a:endParaRPr>
@@ -12472,10 +12449,10 @@
         </p:nvGrpSpPr>
         <p:grpSpPr>
           <a:xfrm>
-            <a:off x="344266" y="4886726"/>
-            <a:ext cx="8640959" cy="668453"/>
-            <a:chOff x="416496" y="4205902"/>
-            <a:chExt cx="9361039" cy="668453"/>
+            <a:off x="344266" y="5066020"/>
+            <a:ext cx="8640959" cy="461665"/>
+            <a:chOff x="416496" y="4385196"/>
+            <a:chExt cx="9361039" cy="461665"/>
           </a:xfrm>
         </p:grpSpPr>
         <p:sp>
@@ -12486,8 +12463,8 @@
           </p:nvSpPr>
           <p:spPr>
             <a:xfrm>
-              <a:off x="515886" y="4205902"/>
-              <a:ext cx="9261649" cy="668453"/>
+              <a:off x="515886" y="4385196"/>
+              <a:ext cx="9261649" cy="461665"/>
             </a:xfrm>
             <a:prstGeom prst="rect">
               <a:avLst/>
@@ -12499,45 +12476,14 @@
             </a:bodyPr>
             <a:lstStyle/>
             <a:p>
-              <a:pPr>
-                <a:lnSpc>
-                  <a:spcPct val="150000"/>
-                </a:lnSpc>
-              </a:pPr>
               <a:r>
-                <a:rPr lang="en-US" altLang="ko-KR" sz="2800" dirty="0" smtClean="0">
-                  <a:solidFill>
-                    <a:srgbClr val="FF0000"/>
-                  </a:solidFill>
+                <a:rPr lang="en-US" altLang="ko-KR" sz="2400" dirty="0" smtClean="0">
                   <a:latin typeface="LG체_v0.1 Regular" pitchFamily="50" charset="-127"/>
                   <a:ea typeface="LG체_v0.1 Regular" pitchFamily="50" charset="-127"/>
                 </a:rPr>
-                <a:t>App </a:t>
+                <a:t>Navigation Views on a Circular Type Wearable Device</a:t>
               </a:r>
-              <a:r>
-                <a:rPr lang="en-US" altLang="ko-KR" sz="2800" dirty="0">
-                  <a:solidFill>
-                    <a:srgbClr val="FF0000"/>
-                  </a:solidFill>
-                  <a:latin typeface="LG체_v0.1 Regular" pitchFamily="50" charset="-127"/>
-                  <a:ea typeface="LG체_v0.1 Regular" pitchFamily="50" charset="-127"/>
-                </a:rPr>
-                <a:t>Design </a:t>
-              </a:r>
-              <a:r>
-                <a:rPr lang="en-US" altLang="ko-KR" sz="2800" dirty="0" smtClean="0">
-                  <a:solidFill>
-                    <a:srgbClr val="FF0000"/>
-                  </a:solidFill>
-                  <a:latin typeface="LG체_v0.1 Regular" pitchFamily="50" charset="-127"/>
-                  <a:ea typeface="LG체_v0.1 Regular" pitchFamily="50" charset="-127"/>
-                </a:rPr>
-                <a:t>Served</a:t>
-              </a:r>
-              <a:endParaRPr lang="en-US" altLang="ko-KR" sz="2800" dirty="0">
-                <a:solidFill>
-                  <a:srgbClr val="FF0000"/>
-                </a:solidFill>
+              <a:endParaRPr lang="en-US" altLang="ko-KR" sz="2400" dirty="0">
                 <a:latin typeface="LG체_v0.1 Regular" pitchFamily="50" charset="-127"/>
                 <a:ea typeface="LG체_v0.1 Regular" pitchFamily="50" charset="-127"/>
               </a:endParaRPr>
@@ -12588,10 +12534,10 @@
         </p:nvGrpSpPr>
         <p:grpSpPr>
           <a:xfrm>
-            <a:off x="344265" y="1035844"/>
-            <a:ext cx="8640961" cy="738664"/>
-            <a:chOff x="416496" y="1253659"/>
-            <a:chExt cx="9361041" cy="738664"/>
+            <a:off x="344265" y="1114686"/>
+            <a:ext cx="8640961" cy="586122"/>
+            <a:chOff x="416496" y="1332501"/>
+            <a:chExt cx="9361041" cy="586122"/>
           </a:xfrm>
         </p:grpSpPr>
         <p:sp>
@@ -12602,8 +12548,8 @@
           </p:nvSpPr>
           <p:spPr>
             <a:xfrm>
-              <a:off x="515888" y="1253659"/>
-              <a:ext cx="9261649" cy="738664"/>
+              <a:off x="515887" y="1332501"/>
+              <a:ext cx="9261650" cy="586122"/>
             </a:xfrm>
             <a:prstGeom prst="rect">
               <a:avLst/>
@@ -12621,13 +12567,13 @@
                 </a:lnSpc>
               </a:pPr>
               <a:r>
-                <a:rPr lang="en-US" altLang="ko-KR" sz="2800" dirty="0" smtClean="0">
+                <a:rPr lang="en-US" altLang="ko-KR" sz="2400" dirty="0" smtClean="0">
                   <a:latin typeface="LG체_v0.1 Regular" pitchFamily="50" charset="-127"/>
                   <a:ea typeface="LG체_v0.1 Regular" pitchFamily="50" charset="-127"/>
                 </a:rPr>
                 <a:t>CSS Round Display Spec</a:t>
               </a:r>
-              <a:endParaRPr lang="en-US" altLang="ko-KR" sz="2400" dirty="0">
+              <a:endParaRPr lang="en-US" altLang="ko-KR" sz="2000" dirty="0">
                 <a:latin typeface="LG체_v0.1 Regular" pitchFamily="50" charset="-127"/>
                 <a:ea typeface="LG체_v0.1 Regular" pitchFamily="50" charset="-127"/>
               </a:endParaRPr>
@@ -12679,7 +12625,7 @@
         <p:spPr>
           <a:xfrm>
             <a:off x="474373" y="4288120"/>
-            <a:ext cx="8563563" cy="338554"/>
+            <a:ext cx="7534435" cy="307777"/>
           </a:xfrm>
           <a:prstGeom prst="rect">
             <a:avLst/>
@@ -12693,19 +12639,40 @@
           <a:lstStyle/>
           <a:p>
             <a:r>
-              <a:rPr lang="en-US" altLang="ko-KR" sz="1600" dirty="0" smtClean="0">
+              <a:rPr lang="en-US" altLang="ko-KR" sz="1400" dirty="0" smtClean="0">
                 <a:solidFill>
-                  <a:srgbClr val="FF0000"/>
+                  <a:schemeClr val="bg2"/>
                 </a:solidFill>
                 <a:latin typeface="LG체_v0.1 Regular" pitchFamily="50" charset="-127"/>
                 <a:ea typeface="LG체_v0.1 Regular" pitchFamily="50" charset="-127"/>
                 <a:hlinkClick r:id="rId3"/>
               </a:rPr>
-              <a:t>https://medium.com/user-experience-design-1/alcatel-watch-ux-f721a88bff33#.r7vimmr5s</a:t>
-            </a:r>
-            <a:endParaRPr lang="ko-KR" altLang="en-US" sz="1600" dirty="0">
+              <a:t>https://medium.com/user-experience-design-1/alcatel-watch-ux-f721a88bff33#.</a:t>
+            </a:r>
+            <a:r>
+              <a:rPr lang="en-US" altLang="ko-KR" sz="1400" dirty="0" smtClean="0">
+                <a:solidFill>
+                  <a:schemeClr val="bg2"/>
+                </a:solidFill>
+                <a:latin typeface="LG체_v0.1 Regular" pitchFamily="50" charset="-127"/>
+                <a:ea typeface="LG체_v0.1 Regular" pitchFamily="50" charset="-127"/>
+                <a:hlinkClick r:id="rId3"/>
+              </a:rPr>
+              <a:t>2pq8sqgtf</a:t>
+            </a:r>
+            <a:r>
+              <a:rPr lang="en-US" altLang="ko-KR" sz="1400" dirty="0" smtClean="0">
+                <a:solidFill>
+                  <a:schemeClr val="bg2"/>
+                </a:solidFill>
+                <a:latin typeface="LG체_v0.1 Regular" pitchFamily="50" charset="-127"/>
+                <a:ea typeface="LG체_v0.1 Regular" pitchFamily="50" charset="-127"/>
+              </a:rPr>
+              <a:t> </a:t>
+            </a:r>
+            <a:endParaRPr lang="ko-KR" altLang="en-US" sz="1400" dirty="0">
               <a:solidFill>
-                <a:srgbClr val="FF0000"/>
+                <a:schemeClr val="bg2"/>
               </a:solidFill>
               <a:latin typeface="LG체_v0.1 Regular" pitchFamily="50" charset="-127"/>
               <a:ea typeface="LG체_v0.1 Regular" pitchFamily="50" charset="-127"/>
@@ -12721,8 +12688,8 @@
         </p:nvSpPr>
         <p:spPr>
           <a:xfrm>
-            <a:off x="474373" y="5587290"/>
-            <a:ext cx="5793445" cy="338554"/>
+            <a:off x="395536" y="5587290"/>
+            <a:ext cx="8805616" cy="307777"/>
           </a:xfrm>
           <a:prstGeom prst="rect">
             <a:avLst/>
@@ -12736,30 +12703,40 @@
           <a:lstStyle/>
           <a:p>
             <a:r>
-              <a:rPr lang="en-US" altLang="ko-KR" sz="1600" dirty="0">
+              <a:rPr lang="en-US" altLang="ko-KR" sz="1400" dirty="0" smtClean="0">
                 <a:solidFill>
-                  <a:srgbClr val="FF0000"/>
+                  <a:schemeClr val="bg2"/>
                 </a:solidFill>
                 <a:latin typeface="LG체_v0.1 Regular" pitchFamily="50" charset="-127"/>
                 <a:ea typeface="LG체_v0.1 Regular" pitchFamily="50" charset="-127"/>
                 <a:hlinkClick r:id="rId4"/>
               </a:rPr>
-              <a:t>http://</a:t>
-            </a:r>
-            <a:r>
-              <a:rPr lang="en-US" altLang="ko-KR" sz="1600" dirty="0" smtClean="0">
+              <a:t>https://</a:t>
+            </a:r>
+            <a:r>
+              <a:rPr lang="en-US" altLang="ko-KR" sz="1400" dirty="0" smtClean="0">
                 <a:solidFill>
-                  <a:srgbClr val="FF0000"/>
+                  <a:schemeClr val="bg2"/>
                 </a:solidFill>
                 <a:latin typeface="LG체_v0.1 Regular" pitchFamily="50" charset="-127"/>
                 <a:ea typeface="LG체_v0.1 Regular" pitchFamily="50" charset="-127"/>
                 <a:hlinkClick r:id="rId4"/>
               </a:rPr>
-              <a:t>www.appdesignserved.co/search?search=android+wear</a:t>
-            </a:r>
-            <a:endParaRPr lang="ko-KR" altLang="en-US" sz="1600" dirty="0">
+              <a:t>developer.tizen.org/design/wearable/ux-overview/navigation-views-on-circular-type-wearable-device</a:t>
+            </a:r>
+            <a:r>
+              <a:rPr lang="en-US" altLang="ko-KR" sz="1400" dirty="0" smtClean="0">
+                <a:solidFill>
+                  <a:schemeClr val="bg2"/>
+                </a:solidFill>
+                <a:latin typeface="LG체_v0.1 Regular" pitchFamily="50" charset="-127"/>
+                <a:ea typeface="LG체_v0.1 Regular" pitchFamily="50" charset="-127"/>
+              </a:rPr>
+              <a:t> </a:t>
+            </a:r>
+            <a:endParaRPr lang="ko-KR" altLang="en-US" sz="1400" dirty="0">
               <a:solidFill>
-                <a:srgbClr val="FF0000"/>
+                <a:schemeClr val="bg2"/>
               </a:solidFill>
               <a:latin typeface="LG체_v0.1 Regular" pitchFamily="50" charset="-127"/>
               <a:ea typeface="LG체_v0.1 Regular" pitchFamily="50" charset="-127"/>
@@ -12797,7 +12774,7 @@
             <a:r>
               <a:rPr lang="en-US" altLang="ko-KR" sz="1600" dirty="0">
                 <a:solidFill>
-                  <a:srgbClr val="FF0000"/>
+                  <a:schemeClr val="bg2"/>
                 </a:solidFill>
                 <a:latin typeface="LG체_v0.1 Regular" pitchFamily="50" charset="-127"/>
                 <a:ea typeface="LG체_v0.1 Regular" pitchFamily="50" charset="-127"/>
@@ -12807,7 +12784,7 @@
             </a:r>
             <a:endParaRPr lang="en-US" altLang="ko-KR" sz="1600" dirty="0">
               <a:solidFill>
-                <a:srgbClr val="FF0000"/>
+                <a:schemeClr val="bg2"/>
               </a:solidFill>
               <a:latin typeface="LG체_v0.1 Regular" pitchFamily="50" charset="-127"/>
               <a:ea typeface="LG체_v0.1 Regular" pitchFamily="50" charset="-127"/>
@@ -12839,6 +12816,9 @@
           <a:p>
             <a:r>
               <a:rPr lang="en-US" altLang="ko-KR" sz="1600" dirty="0">
+                <a:solidFill>
+                  <a:schemeClr val="bg2"/>
+                </a:solidFill>
                 <a:latin typeface="LG체_v0.1 Regular" pitchFamily="50" charset="-127"/>
                 <a:ea typeface="LG체_v0.1 Regular" pitchFamily="50" charset="-127"/>
                 <a:hlinkClick r:id="rId6"/>
@@ -12846,6 +12826,9 @@
               <a:t>https://drafts.csswg.org/css-round-display/</a:t>
             </a:r>
             <a:endParaRPr lang="ko-KR" altLang="en-US" sz="1600" dirty="0">
+              <a:solidFill>
+                <a:schemeClr val="bg2"/>
+              </a:solidFill>
               <a:latin typeface="LG체_v0.1 Regular" pitchFamily="50" charset="-127"/>
               <a:ea typeface="LG체_v0.1 Regular" pitchFamily="50" charset="-127"/>
             </a:endParaRPr>
@@ -12855,7 +12838,7 @@
     </p:spTree>
     <p:extLst>
       <p:ext uri="{BB962C8B-B14F-4D97-AF65-F5344CB8AC3E}">
-        <p14:creationId xmlns:p14="http://schemas.microsoft.com/office/powerpoint/2010/main" xmlns="" val="3297488489"/>
+        <p14:creationId xmlns="" xmlns:p14="http://schemas.microsoft.com/office/powerpoint/2010/main" val="3297488489"/>
       </p:ext>
     </p:extLst>
   </p:cSld>
@@ -12863,7 +12846,7 @@
     <a:masterClrMapping/>
   </p:clrMapOvr>
   <mc:AlternateContent xmlns:mc="http://schemas.openxmlformats.org/markup-compatibility/2006">
-    <mc:Choice xmlns:p14="http://schemas.microsoft.com/office/powerpoint/2010/main" xmlns="" Requires="p14">
+    <mc:Choice xmlns="" xmlns:p14="http://schemas.microsoft.com/office/powerpoint/2010/main" Requires="p14">
       <p:transition spd="med" p14:dur="700">
         <p:fade/>
       </p:transition>
@@ -12877,366 +12860,9 @@
   <p:timing>
     <p:tnLst>
       <p:par>
-        <p:cTn id="1" dur="indefinite" restart="never" nodeType="tmRoot">
-          <p:childTnLst>
-            <p:seq concurrent="1" nextAc="seek">
-              <p:cTn id="2" dur="indefinite" nodeType="mainSeq">
-                <p:childTnLst>
-                  <p:par>
-                    <p:cTn id="3" fill="hold">
-                      <p:stCondLst>
-                        <p:cond delay="indefinite"/>
-                        <p:cond evt="onBegin" delay="0">
-                          <p:tn val="2"/>
-                        </p:cond>
-                      </p:stCondLst>
-                      <p:childTnLst>
-                        <p:par>
-                          <p:cTn id="4" fill="hold">
-                            <p:stCondLst>
-                              <p:cond delay="0"/>
-                            </p:stCondLst>
-                            <p:childTnLst>
-                              <p:par>
-                                <p:cTn id="5" presetID="10" presetClass="entr" presetSubtype="0" fill="hold" nodeType="withEffect">
-                                  <p:stCondLst>
-                                    <p:cond delay="0"/>
-                                  </p:stCondLst>
-                                  <p:childTnLst>
-                                    <p:set>
-                                      <p:cBhvr>
-                                        <p:cTn id="6" dur="1" fill="hold">
-                                          <p:stCondLst>
-                                            <p:cond delay="0"/>
-                                          </p:stCondLst>
-                                        </p:cTn>
-                                        <p:tgtEl>
-                                          <p:spTgt spid="13"/>
-                                        </p:tgtEl>
-                                        <p:attrNameLst>
-                                          <p:attrName>style.visibility</p:attrName>
-                                        </p:attrNameLst>
-                                      </p:cBhvr>
-                                      <p:to>
-                                        <p:strVal val="visible"/>
-                                      </p:to>
-                                    </p:set>
-                                    <p:animEffect transition="in" filter="fade">
-                                      <p:cBhvr>
-                                        <p:cTn id="7" dur="500"/>
-                                        <p:tgtEl>
-                                          <p:spTgt spid="13"/>
-                                        </p:tgtEl>
-                                      </p:cBhvr>
-                                    </p:animEffect>
-                                  </p:childTnLst>
-                                </p:cTn>
-                              </p:par>
-                              <p:par>
-                                <p:cTn id="8" presetID="10" presetClass="entr" presetSubtype="0" fill="hold" grpId="0" nodeType="withEffect">
-                                  <p:stCondLst>
-                                    <p:cond delay="0"/>
-                                  </p:stCondLst>
-                                  <p:childTnLst>
-                                    <p:set>
-                                      <p:cBhvr>
-                                        <p:cTn id="9" dur="1" fill="hold">
-                                          <p:stCondLst>
-                                            <p:cond delay="0"/>
-                                          </p:stCondLst>
-                                        </p:cTn>
-                                        <p:tgtEl>
-                                          <p:spTgt spid="21"/>
-                                        </p:tgtEl>
-                                        <p:attrNameLst>
-                                          <p:attrName>style.visibility</p:attrName>
-                                        </p:attrNameLst>
-                                      </p:cBhvr>
-                                      <p:to>
-                                        <p:strVal val="visible"/>
-                                      </p:to>
-                                    </p:set>
-                                    <p:animEffect transition="in" filter="fade">
-                                      <p:cBhvr>
-                                        <p:cTn id="10" dur="500"/>
-                                        <p:tgtEl>
-                                          <p:spTgt spid="21"/>
-                                        </p:tgtEl>
-                                      </p:cBhvr>
-                                    </p:animEffect>
-                                  </p:childTnLst>
-                                </p:cTn>
-                              </p:par>
-                            </p:childTnLst>
-                          </p:cTn>
-                        </p:par>
-                        <p:par>
-                          <p:cTn id="11" fill="hold">
-                            <p:stCondLst>
-                              <p:cond delay="500"/>
-                            </p:stCondLst>
-                            <p:childTnLst>
-                              <p:par>
-                                <p:cTn id="12" presetID="10" presetClass="entr" presetSubtype="0" fill="hold" nodeType="afterEffect">
-                                  <p:stCondLst>
-                                    <p:cond delay="0"/>
-                                  </p:stCondLst>
-                                  <p:childTnLst>
-                                    <p:set>
-                                      <p:cBhvr>
-                                        <p:cTn id="13" dur="1" fill="hold">
-                                          <p:stCondLst>
-                                            <p:cond delay="0"/>
-                                          </p:stCondLst>
-                                        </p:cTn>
-                                        <p:tgtEl>
-                                          <p:spTgt spid="2"/>
-                                        </p:tgtEl>
-                                        <p:attrNameLst>
-                                          <p:attrName>style.visibility</p:attrName>
-                                        </p:attrNameLst>
-                                      </p:cBhvr>
-                                      <p:to>
-                                        <p:strVal val="visible"/>
-                                      </p:to>
-                                    </p:set>
-                                    <p:animEffect transition="in" filter="fade">
-                                      <p:cBhvr>
-                                        <p:cTn id="14" dur="500"/>
-                                        <p:tgtEl>
-                                          <p:spTgt spid="2"/>
-                                        </p:tgtEl>
-                                      </p:cBhvr>
-                                    </p:animEffect>
-                                  </p:childTnLst>
-                                </p:cTn>
-                              </p:par>
-                              <p:par>
-                                <p:cTn id="15" presetID="10" presetClass="entr" presetSubtype="0" fill="hold" grpId="0" nodeType="withEffect">
-                                  <p:stCondLst>
-                                    <p:cond delay="0"/>
-                                  </p:stCondLst>
-                                  <p:childTnLst>
-                                    <p:set>
-                                      <p:cBhvr>
-                                        <p:cTn id="16" dur="1" fill="hold">
-                                          <p:stCondLst>
-                                            <p:cond delay="0"/>
-                                          </p:stCondLst>
-                                        </p:cTn>
-                                        <p:tgtEl>
-                                          <p:spTgt spid="20"/>
-                                        </p:tgtEl>
-                                        <p:attrNameLst>
-                                          <p:attrName>style.visibility</p:attrName>
-                                        </p:attrNameLst>
-                                      </p:cBhvr>
-                                      <p:to>
-                                        <p:strVal val="visible"/>
-                                      </p:to>
-                                    </p:set>
-                                    <p:animEffect transition="in" filter="fade">
-                                      <p:cBhvr>
-                                        <p:cTn id="17" dur="500"/>
-                                        <p:tgtEl>
-                                          <p:spTgt spid="20"/>
-                                        </p:tgtEl>
-                                      </p:cBhvr>
-                                    </p:animEffect>
-                                  </p:childTnLst>
-                                </p:cTn>
-                              </p:par>
-                            </p:childTnLst>
-                          </p:cTn>
-                        </p:par>
-                        <p:par>
-                          <p:cTn id="18" fill="hold">
-                            <p:stCondLst>
-                              <p:cond delay="1000"/>
-                            </p:stCondLst>
-                            <p:childTnLst>
-                              <p:par>
-                                <p:cTn id="19" presetID="10" presetClass="entr" presetSubtype="0" fill="hold" nodeType="afterEffect">
-                                  <p:stCondLst>
-                                    <p:cond delay="0"/>
-                                  </p:stCondLst>
-                                  <p:childTnLst>
-                                    <p:set>
-                                      <p:cBhvr>
-                                        <p:cTn id="20" dur="1" fill="hold">
-                                          <p:stCondLst>
-                                            <p:cond delay="0"/>
-                                          </p:stCondLst>
-                                        </p:cTn>
-                                        <p:tgtEl>
-                                          <p:spTgt spid="11"/>
-                                        </p:tgtEl>
-                                        <p:attrNameLst>
-                                          <p:attrName>style.visibility</p:attrName>
-                                        </p:attrNameLst>
-                                      </p:cBhvr>
-                                      <p:to>
-                                        <p:strVal val="visible"/>
-                                      </p:to>
-                                    </p:set>
-                                    <p:animEffect transition="in" filter="fade">
-                                      <p:cBhvr>
-                                        <p:cTn id="21" dur="500"/>
-                                        <p:tgtEl>
-                                          <p:spTgt spid="11"/>
-                                        </p:tgtEl>
-                                      </p:cBhvr>
-                                    </p:animEffect>
-                                  </p:childTnLst>
-                                </p:cTn>
-                              </p:par>
-                              <p:par>
-                                <p:cTn id="22" presetID="10" presetClass="entr" presetSubtype="0" fill="hold" grpId="0" nodeType="withEffect">
-                                  <p:stCondLst>
-                                    <p:cond delay="0"/>
-                                  </p:stCondLst>
-                                  <p:childTnLst>
-                                    <p:set>
-                                      <p:cBhvr>
-                                        <p:cTn id="23" dur="1" fill="hold">
-                                          <p:stCondLst>
-                                            <p:cond delay="0"/>
-                                          </p:stCondLst>
-                                        </p:cTn>
-                                        <p:tgtEl>
-                                          <p:spTgt spid="4"/>
-                                        </p:tgtEl>
-                                        <p:attrNameLst>
-                                          <p:attrName>style.visibility</p:attrName>
-                                        </p:attrNameLst>
-                                      </p:cBhvr>
-                                      <p:to>
-                                        <p:strVal val="visible"/>
-                                      </p:to>
-                                    </p:set>
-                                    <p:animEffect transition="in" filter="fade">
-                                      <p:cBhvr>
-                                        <p:cTn id="24" dur="500"/>
-                                        <p:tgtEl>
-                                          <p:spTgt spid="4"/>
-                                        </p:tgtEl>
-                                      </p:cBhvr>
-                                    </p:animEffect>
-                                  </p:childTnLst>
-                                </p:cTn>
-                              </p:par>
-                            </p:childTnLst>
-                          </p:cTn>
-                        </p:par>
-                        <p:par>
-                          <p:cTn id="25" fill="hold">
-                            <p:stCondLst>
-                              <p:cond delay="1500"/>
-                            </p:stCondLst>
-                            <p:childTnLst>
-                              <p:par>
-                                <p:cTn id="26" presetID="10" presetClass="entr" presetSubtype="0" fill="hold" nodeType="afterEffect">
-                                  <p:stCondLst>
-                                    <p:cond delay="0"/>
-                                  </p:stCondLst>
-                                  <p:childTnLst>
-                                    <p:set>
-                                      <p:cBhvr>
-                                        <p:cTn id="27" dur="1" fill="hold">
-                                          <p:stCondLst>
-                                            <p:cond delay="0"/>
-                                          </p:stCondLst>
-                                        </p:cTn>
-                                        <p:tgtEl>
-                                          <p:spTgt spid="12"/>
-                                        </p:tgtEl>
-                                        <p:attrNameLst>
-                                          <p:attrName>style.visibility</p:attrName>
-                                        </p:attrNameLst>
-                                      </p:cBhvr>
-                                      <p:to>
-                                        <p:strVal val="visible"/>
-                                      </p:to>
-                                    </p:set>
-                                    <p:animEffect transition="in" filter="fade">
-                                      <p:cBhvr>
-                                        <p:cTn id="28" dur="500"/>
-                                        <p:tgtEl>
-                                          <p:spTgt spid="12"/>
-                                        </p:tgtEl>
-                                      </p:cBhvr>
-                                    </p:animEffect>
-                                  </p:childTnLst>
-                                </p:cTn>
-                              </p:par>
-                              <p:par>
-                                <p:cTn id="29" presetID="10" presetClass="entr" presetSubtype="0" fill="hold" grpId="0" nodeType="withEffect">
-                                  <p:stCondLst>
-                                    <p:cond delay="0"/>
-                                  </p:stCondLst>
-                                  <p:childTnLst>
-                                    <p:set>
-                                      <p:cBhvr>
-                                        <p:cTn id="30" dur="1" fill="hold">
-                                          <p:stCondLst>
-                                            <p:cond delay="0"/>
-                                          </p:stCondLst>
-                                        </p:cTn>
-                                        <p:tgtEl>
-                                          <p:spTgt spid="19"/>
-                                        </p:tgtEl>
-                                        <p:attrNameLst>
-                                          <p:attrName>style.visibility</p:attrName>
-                                        </p:attrNameLst>
-                                      </p:cBhvr>
-                                      <p:to>
-                                        <p:strVal val="visible"/>
-                                      </p:to>
-                                    </p:set>
-                                    <p:animEffect transition="in" filter="fade">
-                                      <p:cBhvr>
-                                        <p:cTn id="31" dur="500"/>
-                                        <p:tgtEl>
-                                          <p:spTgt spid="19"/>
-                                        </p:tgtEl>
-                                      </p:cBhvr>
-                                    </p:animEffect>
-                                  </p:childTnLst>
-                                </p:cTn>
-                              </p:par>
-                            </p:childTnLst>
-                          </p:cTn>
-                        </p:par>
-                      </p:childTnLst>
-                    </p:cTn>
-                  </p:par>
-                </p:childTnLst>
-              </p:cTn>
-              <p:prevCondLst>
-                <p:cond evt="onPrev" delay="0">
-                  <p:tgtEl>
-                    <p:sldTgt/>
-                  </p:tgtEl>
-                </p:cond>
-              </p:prevCondLst>
-              <p:nextCondLst>
-                <p:cond evt="onNext" delay="0">
-                  <p:tgtEl>
-                    <p:sldTgt/>
-                  </p:tgtEl>
-                </p:cond>
-              </p:nextCondLst>
-            </p:seq>
-          </p:childTnLst>
-        </p:cTn>
+        <p:cTn id="1" dur="indefinite" restart="never" nodeType="tmRoot"/>
       </p:par>
     </p:tnLst>
-    <p:bldLst>
-      <p:bldP spid="4" grpId="0"/>
-      <p:bldP spid="19" grpId="0"/>
-      <p:bldP spid="20" grpId="0"/>
-      <p:bldP spid="21" grpId="0"/>
-    </p:bldLst>
   </p:timing>
 </p:sld>
 </file>
@@ -13294,7 +12920,21 @@
                 <a:latin typeface="LG체_v0.1 Regular" pitchFamily="50" charset="-127"/>
                 <a:ea typeface="LG체_v0.1 Regular" pitchFamily="50" charset="-127"/>
               </a:rPr>
-              <a:t>Common web pages are in the rectangular screens</a:t>
+              <a:t>Common web pages </a:t>
+            </a:r>
+            <a:r>
+              <a:rPr lang="en-US" altLang="ko-KR" sz="2800" dirty="0" smtClean="0">
+                <a:latin typeface="LG체_v0.1 Regular" pitchFamily="50" charset="-127"/>
+                <a:ea typeface="LG체_v0.1 Regular" pitchFamily="50" charset="-127"/>
+              </a:rPr>
+              <a:t>in </a:t>
+            </a:r>
+            <a:r>
+              <a:rPr lang="en-US" altLang="ko-KR" sz="2800" dirty="0" smtClean="0">
+                <a:latin typeface="LG체_v0.1 Regular" pitchFamily="50" charset="-127"/>
+                <a:ea typeface="LG체_v0.1 Regular" pitchFamily="50" charset="-127"/>
+              </a:rPr>
+              <a:t>the rectangular screens</a:t>
             </a:r>
             <a:endParaRPr lang="en-US" altLang="ko-KR" sz="2800" dirty="0">
               <a:latin typeface="LG체_v0.1 Regular" pitchFamily="50" charset="-127"/>
@@ -13318,27 +12958,20 @@
             </a:r>
             <a:r>
               <a:rPr lang="en-US" altLang="ko-KR" sz="2800" dirty="0">
-                <a:latin typeface="LG체_v0.1 Regular" pitchFamily="50" charset="-127"/>
-                <a:ea typeface="LG체_v0.1 Regular" pitchFamily="50" charset="-127"/>
-              </a:rPr>
-              <a:t>Platforms </a:t>
-            </a:r>
-            <a:r>
-              <a:rPr lang="en-US" altLang="ko-KR" sz="2800" dirty="0">
                 <a:solidFill>
-                  <a:srgbClr val="FF0000"/>
+                  <a:schemeClr val="tx1"/>
                 </a:solidFill>
                 <a:latin typeface="LG체_v0.1 Regular" pitchFamily="50" charset="-127"/>
                 <a:ea typeface="LG체_v0.1 Regular" pitchFamily="50" charset="-127"/>
               </a:rPr>
-              <a:t>in</a:t>
+              <a:t>Platforms in various </a:t>
             </a:r>
             <a:r>
               <a:rPr lang="en-US" altLang="ko-KR" sz="2800" dirty="0">
                 <a:latin typeface="LG체_v0.1 Regular" pitchFamily="50" charset="-127"/>
                 <a:ea typeface="LG체_v0.1 Regular" pitchFamily="50" charset="-127"/>
               </a:rPr>
-              <a:t> various shapes of </a:t>
+              <a:t>shapes of </a:t>
             </a:r>
             <a:r>
               <a:rPr lang="en-US" altLang="ko-KR" sz="2800" dirty="0" smtClean="0">
@@ -13486,18 +13119,12 @@
             <a:pPr algn="ctr"/>
             <a:r>
               <a:rPr lang="en-US" altLang="ko-KR" dirty="0" smtClean="0">
-                <a:solidFill>
-                  <a:srgbClr val="FF0000"/>
-                </a:solidFill>
                 <a:latin typeface="나눔고딕 ExtraBold" pitchFamily="50" charset="-127"/>
                 <a:ea typeface="나눔고딕 ExtraBold" pitchFamily="50" charset="-127"/>
               </a:rPr>
               <a:t>Background</a:t>
             </a:r>
             <a:endParaRPr lang="ko-KR" altLang="en-US" dirty="0">
-              <a:solidFill>
-                <a:srgbClr val="FF0000"/>
-              </a:solidFill>
               <a:latin typeface="나눔고딕 ExtraBold" pitchFamily="50" charset="-127"/>
               <a:ea typeface="나눔고딕 ExtraBold" pitchFamily="50" charset="-127"/>
             </a:endParaRPr>
@@ -13521,77 +13148,13 @@
         </p:blipFill>
         <p:spPr bwMode="auto">
           <a:xfrm>
-            <a:off x="395536" y="2924944"/>
+            <a:off x="683568" y="2924944"/>
             <a:ext cx="2952328" cy="1772167"/>
           </a:xfrm>
           <a:prstGeom prst="rect">
             <a:avLst/>
           </a:prstGeom>
           <a:noFill/>
-        </p:spPr>
-      </p:pic>
-      <p:pic>
-        <p:nvPicPr>
-          <p:cNvPr id="6" name="Picture 10"/>
-          <p:cNvPicPr>
-            <a:picLocks noChangeAspect="1" noChangeArrowheads="1"/>
-          </p:cNvPicPr>
-          <p:nvPr/>
-        </p:nvPicPr>
-        <p:blipFill>
-          <a:blip r:embed="rId3" cstate="print"/>
-          <a:srcRect/>
-          <a:stretch>
-            <a:fillRect/>
-          </a:stretch>
-        </p:blipFill>
-        <p:spPr bwMode="auto">
-          <a:xfrm>
-            <a:off x="5364088" y="2564904"/>
-            <a:ext cx="2906922" cy="1768941"/>
-          </a:xfrm>
-          <a:prstGeom prst="rect">
-            <a:avLst/>
-          </a:prstGeom>
-          <a:noFill/>
-          <a:ln w="9525">
-            <a:noFill/>
-            <a:miter lim="800000"/>
-            <a:headEnd/>
-            <a:tailEnd/>
-          </a:ln>
-        </p:spPr>
-      </p:pic>
-      <p:pic>
-        <p:nvPicPr>
-          <p:cNvPr id="8" name="Picture 13"/>
-          <p:cNvPicPr>
-            <a:picLocks noChangeAspect="1" noChangeArrowheads="1"/>
-          </p:cNvPicPr>
-          <p:nvPr/>
-        </p:nvPicPr>
-        <p:blipFill>
-          <a:blip r:embed="rId4" cstate="print"/>
-          <a:srcRect/>
-          <a:stretch>
-            <a:fillRect/>
-          </a:stretch>
-        </p:blipFill>
-        <p:spPr bwMode="auto">
-          <a:xfrm>
-            <a:off x="7164288" y="4509120"/>
-            <a:ext cx="1695450" cy="1704975"/>
-          </a:xfrm>
-          <a:prstGeom prst="rect">
-            <a:avLst/>
-          </a:prstGeom>
-          <a:noFill/>
-          <a:ln w="9525">
-            <a:noFill/>
-            <a:miter lim="800000"/>
-            <a:headEnd/>
-            <a:tailEnd/>
-          </a:ln>
         </p:spPr>
       </p:pic>
       <p:sp>
@@ -13673,7 +13236,7 @@
           <p:nvPr/>
         </p:nvPicPr>
         <p:blipFill>
-          <a:blip r:embed="rId5" cstate="print"/>
+          <a:blip r:embed="rId3" cstate="print"/>
           <a:srcRect/>
           <a:stretch>
             <a:fillRect/>
@@ -13681,8 +13244,34 @@
         </p:blipFill>
         <p:spPr bwMode="auto">
           <a:xfrm>
-            <a:off x="4572000" y="4581128"/>
-            <a:ext cx="2625105" cy="1498132"/>
+            <a:off x="5004047" y="2419254"/>
+            <a:ext cx="3283443" cy="1873842"/>
+          </a:xfrm>
+          <a:prstGeom prst="rect">
+            <a:avLst/>
+          </a:prstGeom>
+          <a:noFill/>
+        </p:spPr>
+      </p:pic>
+      <p:pic>
+        <p:nvPicPr>
+          <p:cNvPr id="26626" name="Picture 2" descr="http://images.techhive.com/images/article/2015/05/screen-shot-2015-05-15-at-19.39.44-100585390-primary.idge.png"/>
+          <p:cNvPicPr>
+            <a:picLocks noChangeAspect="1" noChangeArrowheads="1"/>
+          </p:cNvPicPr>
+          <p:nvPr/>
+        </p:nvPicPr>
+        <p:blipFill>
+          <a:blip r:embed="rId4" cstate="print"/>
+          <a:srcRect/>
+          <a:stretch>
+            <a:fillRect/>
+          </a:stretch>
+        </p:blipFill>
+        <p:spPr bwMode="auto">
+          <a:xfrm>
+            <a:off x="5076056" y="4293096"/>
+            <a:ext cx="3024336" cy="2014598"/>
           </a:xfrm>
           <a:prstGeom prst="rect">
             <a:avLst/>
@@ -13693,7 +13282,7 @@
     </p:spTree>
     <p:extLst>
       <p:ext uri="{BB962C8B-B14F-4D97-AF65-F5344CB8AC3E}">
-        <p14:creationId xmlns:p14="http://schemas.microsoft.com/office/powerpoint/2010/main" xmlns="" val="3106540597"/>
+        <p14:creationId xmlns="" xmlns:p14="http://schemas.microsoft.com/office/powerpoint/2010/main" val="3106540597"/>
       </p:ext>
     </p:extLst>
   </p:cSld>
@@ -13727,6 +13316,482 @@
           <a:chExt cx="0" cy="0"/>
         </a:xfrm>
       </p:grpSpPr>
+      <p:sp>
+        <p:nvSpPr>
+          <p:cNvPr id="21" name="내용 개체 틀 1"/>
+          <p:cNvSpPr txBox="1">
+            <a:spLocks/>
+          </p:cNvSpPr>
+          <p:nvPr/>
+        </p:nvSpPr>
+        <p:spPr>
+          <a:xfrm>
+            <a:off x="178777" y="980731"/>
+            <a:ext cx="8786446" cy="5400599"/>
+          </a:xfrm>
+          <a:prstGeom prst="rect">
+            <a:avLst/>
+          </a:prstGeom>
+        </p:spPr>
+        <p:txBody>
+          <a:bodyPr>
+            <a:normAutofit fontScale="92500" lnSpcReduction="10000"/>
+          </a:bodyPr>
+          <a:lstStyle/>
+          <a:p>
+            <a:pPr marL="108000" marR="0" lvl="0" indent="-108000" algn="l" defTabSz="914400" rtl="0" eaLnBrk="1" fontAlgn="base" latinLnBrk="1" hangingPunct="1">
+              <a:lnSpc>
+                <a:spcPct val="100000"/>
+              </a:lnSpc>
+              <a:spcBef>
+                <a:spcPct val="20000"/>
+              </a:spcBef>
+              <a:spcAft>
+                <a:spcPct val="0"/>
+              </a:spcAft>
+              <a:buClr>
+                <a:srgbClr val="A50034"/>
+              </a:buClr>
+              <a:buSzTx/>
+              <a:buFont typeface="Arial" pitchFamily="34" charset="0"/>
+              <a:buChar char="•"/>
+              <a:tabLst/>
+              <a:defRPr/>
+            </a:pPr>
+            <a:r>
+              <a:rPr kumimoji="1" lang="ko-KR" altLang="en-US" sz="2800" b="1" i="0" u="none" strike="noStrike" kern="0" cap="none" spc="0" normalizeH="0" baseline="0" noProof="0" dirty="0" smtClean="0">
+                <a:ln>
+                  <a:noFill/>
+                </a:ln>
+                <a:solidFill>
+                  <a:schemeClr val="tx1"/>
+                </a:solidFill>
+                <a:effectLst/>
+                <a:uLnTx/>
+                <a:uFillTx/>
+                <a:latin typeface="LG체_v0.1 Regular" pitchFamily="50" charset="-127"/>
+                <a:ea typeface="LG체_v0.1 Regular" pitchFamily="50" charset="-127"/>
+                <a:cs typeface="+mn-cs"/>
+              </a:rPr>
+              <a:t> </a:t>
+            </a:r>
+            <a:r>
+              <a:rPr kumimoji="1" lang="en-US" altLang="ko-KR" sz="2800" i="0" u="none" strike="noStrike" kern="0" cap="none" spc="0" normalizeH="0" baseline="0" noProof="0" dirty="0" smtClean="0">
+                <a:ln>
+                  <a:noFill/>
+                </a:ln>
+                <a:solidFill>
+                  <a:schemeClr val="tx1"/>
+                </a:solidFill>
+                <a:effectLst/>
+                <a:uLnTx/>
+                <a:uFillTx/>
+                <a:latin typeface="LG체_v0.1 Regular" pitchFamily="50" charset="-127"/>
+                <a:ea typeface="LG체_v0.1 Regular" pitchFamily="50" charset="-127"/>
+                <a:cs typeface="+mn-cs"/>
+              </a:rPr>
+              <a:t>Round display is natural</a:t>
+            </a:r>
+            <a:r>
+              <a:rPr kumimoji="1" lang="en-US" altLang="ko-KR" sz="2800" i="0" u="none" strike="noStrike" kern="0" cap="none" spc="0" normalizeH="0" noProof="0" dirty="0" smtClean="0">
+                <a:ln>
+                  <a:noFill/>
+                </a:ln>
+                <a:solidFill>
+                  <a:schemeClr val="tx1"/>
+                </a:solidFill>
+                <a:effectLst/>
+                <a:uLnTx/>
+                <a:uFillTx/>
+                <a:latin typeface="LG체_v0.1 Regular" pitchFamily="50" charset="-127"/>
+                <a:ea typeface="LG체_v0.1 Regular" pitchFamily="50" charset="-127"/>
+                <a:cs typeface="+mn-cs"/>
+              </a:rPr>
+              <a:t> for Smart </a:t>
+            </a:r>
+            <a:r>
+              <a:rPr kumimoji="1" lang="en-US" altLang="ko-KR" sz="2800" i="0" u="none" strike="noStrike" kern="0" cap="none" spc="0" normalizeH="0" noProof="0" dirty="0" smtClean="0">
+                <a:ln>
+                  <a:noFill/>
+                </a:ln>
+                <a:solidFill>
+                  <a:schemeClr val="tx1"/>
+                </a:solidFill>
+                <a:effectLst/>
+                <a:uLnTx/>
+                <a:uFillTx/>
+                <a:latin typeface="LG체_v0.1 Regular" pitchFamily="50" charset="-127"/>
+                <a:ea typeface="LG체_v0.1 Regular" pitchFamily="50" charset="-127"/>
+                <a:cs typeface="+mn-cs"/>
+              </a:rPr>
+              <a:t>watches</a:t>
+            </a:r>
+          </a:p>
+          <a:p>
+            <a:pPr marL="108000" marR="0" lvl="0" indent="-108000" algn="l" defTabSz="914400" rtl="0" eaLnBrk="1" fontAlgn="base" latinLnBrk="1" hangingPunct="1">
+              <a:lnSpc>
+                <a:spcPct val="100000"/>
+              </a:lnSpc>
+              <a:spcBef>
+                <a:spcPct val="20000"/>
+              </a:spcBef>
+              <a:spcAft>
+                <a:spcPct val="0"/>
+              </a:spcAft>
+              <a:buClr>
+                <a:srgbClr val="A50034"/>
+              </a:buClr>
+              <a:buSzTx/>
+              <a:buFont typeface="Arial" pitchFamily="34" charset="0"/>
+              <a:buChar char="•"/>
+              <a:tabLst/>
+              <a:defRPr/>
+            </a:pPr>
+            <a:endParaRPr kumimoji="1" lang="en-US" altLang="ko-KR" sz="2800" kern="0" dirty="0" smtClean="0">
+              <a:latin typeface="LG체_v0.1 Regular" pitchFamily="50" charset="-127"/>
+              <a:ea typeface="LG체_v0.1 Regular" pitchFamily="50" charset="-127"/>
+            </a:endParaRPr>
+          </a:p>
+          <a:p>
+            <a:pPr marL="108000" marR="0" lvl="0" indent="-108000" algn="l" defTabSz="914400" rtl="0" eaLnBrk="1" fontAlgn="base" latinLnBrk="1" hangingPunct="1">
+              <a:lnSpc>
+                <a:spcPct val="100000"/>
+              </a:lnSpc>
+              <a:spcBef>
+                <a:spcPct val="20000"/>
+              </a:spcBef>
+              <a:spcAft>
+                <a:spcPct val="0"/>
+              </a:spcAft>
+              <a:buClr>
+                <a:srgbClr val="A50034"/>
+              </a:buClr>
+              <a:buSzTx/>
+              <a:buFont typeface="Arial" pitchFamily="34" charset="0"/>
+              <a:buChar char="•"/>
+              <a:tabLst/>
+              <a:defRPr/>
+            </a:pPr>
+            <a:endParaRPr kumimoji="1" lang="en-US" altLang="ko-KR" sz="2800" i="0" u="none" strike="noStrike" kern="0" cap="none" spc="0" normalizeH="0" noProof="0" dirty="0" smtClean="0">
+              <a:ln>
+                <a:noFill/>
+              </a:ln>
+              <a:solidFill>
+                <a:schemeClr val="tx1"/>
+              </a:solidFill>
+              <a:effectLst/>
+              <a:uLnTx/>
+              <a:uFillTx/>
+              <a:latin typeface="LG체_v0.1 Regular" pitchFamily="50" charset="-127"/>
+              <a:ea typeface="LG체_v0.1 Regular" pitchFamily="50" charset="-127"/>
+              <a:cs typeface="+mn-cs"/>
+            </a:endParaRPr>
+          </a:p>
+          <a:p>
+            <a:pPr marL="108000" marR="0" lvl="0" indent="-108000" algn="l" defTabSz="914400" rtl="0" eaLnBrk="1" fontAlgn="base" latinLnBrk="1" hangingPunct="1">
+              <a:lnSpc>
+                <a:spcPct val="100000"/>
+              </a:lnSpc>
+              <a:spcBef>
+                <a:spcPct val="20000"/>
+              </a:spcBef>
+              <a:spcAft>
+                <a:spcPct val="0"/>
+              </a:spcAft>
+              <a:buClr>
+                <a:srgbClr val="A50034"/>
+              </a:buClr>
+              <a:buSzTx/>
+              <a:tabLst/>
+              <a:defRPr/>
+            </a:pPr>
+            <a:endParaRPr kumimoji="1" lang="en-US" altLang="ko-KR" sz="2800" i="0" u="none" strike="noStrike" kern="0" cap="none" spc="0" normalizeH="0" noProof="0" dirty="0" smtClean="0">
+              <a:ln>
+                <a:noFill/>
+              </a:ln>
+              <a:solidFill>
+                <a:schemeClr val="tx1"/>
+              </a:solidFill>
+              <a:effectLst/>
+              <a:uLnTx/>
+              <a:uFillTx/>
+              <a:latin typeface="LG체_v0.1 Regular" pitchFamily="50" charset="-127"/>
+              <a:ea typeface="LG체_v0.1 Regular" pitchFamily="50" charset="-127"/>
+              <a:cs typeface="+mn-cs"/>
+            </a:endParaRPr>
+          </a:p>
+          <a:p>
+            <a:pPr marL="108000" marR="0" lvl="0" indent="-108000" algn="l" defTabSz="914400" rtl="0" eaLnBrk="1" fontAlgn="base" latinLnBrk="1" hangingPunct="1">
+              <a:lnSpc>
+                <a:spcPct val="100000"/>
+              </a:lnSpc>
+              <a:spcBef>
+                <a:spcPct val="20000"/>
+              </a:spcBef>
+              <a:spcAft>
+                <a:spcPct val="0"/>
+              </a:spcAft>
+              <a:buClr>
+                <a:srgbClr val="A50034"/>
+              </a:buClr>
+              <a:buSzTx/>
+              <a:tabLst/>
+              <a:defRPr/>
+            </a:pPr>
+            <a:endParaRPr kumimoji="1" lang="en-US" altLang="ko-KR" sz="2800" i="0" u="none" strike="noStrike" kern="0" cap="none" spc="0" normalizeH="0" noProof="0" dirty="0" smtClean="0">
+              <a:ln>
+                <a:noFill/>
+              </a:ln>
+              <a:solidFill>
+                <a:schemeClr val="tx1"/>
+              </a:solidFill>
+              <a:effectLst/>
+              <a:uLnTx/>
+              <a:uFillTx/>
+              <a:latin typeface="LG체_v0.1 Regular" pitchFamily="50" charset="-127"/>
+              <a:ea typeface="LG체_v0.1 Regular" pitchFamily="50" charset="-127"/>
+              <a:cs typeface="+mn-cs"/>
+            </a:endParaRPr>
+          </a:p>
+          <a:p>
+            <a:pPr marL="108000" marR="0" lvl="0" indent="-108000" algn="l" defTabSz="914400" rtl="0" eaLnBrk="1" fontAlgn="base" latinLnBrk="1" hangingPunct="1">
+              <a:lnSpc>
+                <a:spcPct val="100000"/>
+              </a:lnSpc>
+              <a:spcBef>
+                <a:spcPct val="20000"/>
+              </a:spcBef>
+              <a:spcAft>
+                <a:spcPct val="0"/>
+              </a:spcAft>
+              <a:buClr>
+                <a:srgbClr val="A50034"/>
+              </a:buClr>
+              <a:buSzTx/>
+              <a:tabLst/>
+              <a:defRPr/>
+            </a:pPr>
+            <a:endParaRPr kumimoji="1" lang="en-US" altLang="ko-KR" sz="2800" i="0" u="none" strike="noStrike" kern="0" cap="none" spc="0" normalizeH="0" noProof="0" dirty="0" smtClean="0">
+              <a:ln>
+                <a:noFill/>
+              </a:ln>
+              <a:solidFill>
+                <a:schemeClr val="tx1"/>
+              </a:solidFill>
+              <a:effectLst/>
+              <a:uLnTx/>
+              <a:uFillTx/>
+              <a:latin typeface="LG체_v0.1 Regular" pitchFamily="50" charset="-127"/>
+              <a:ea typeface="LG체_v0.1 Regular" pitchFamily="50" charset="-127"/>
+              <a:cs typeface="+mn-cs"/>
+            </a:endParaRPr>
+          </a:p>
+          <a:p>
+            <a:pPr marL="108000" marR="0" lvl="0" indent="-108000" algn="l" defTabSz="914400" rtl="0" eaLnBrk="1" fontAlgn="base" latinLnBrk="1" hangingPunct="1">
+              <a:lnSpc>
+                <a:spcPct val="100000"/>
+              </a:lnSpc>
+              <a:spcBef>
+                <a:spcPct val="20000"/>
+              </a:spcBef>
+              <a:spcAft>
+                <a:spcPct val="0"/>
+              </a:spcAft>
+              <a:buClr>
+                <a:srgbClr val="A50034"/>
+              </a:buClr>
+              <a:buSzTx/>
+              <a:buFont typeface="Arial" pitchFamily="34" charset="0"/>
+              <a:buChar char="•"/>
+              <a:tabLst/>
+              <a:defRPr/>
+            </a:pPr>
+            <a:r>
+              <a:rPr kumimoji="1" lang="en-US" altLang="ko-KR" sz="2800" kern="0" noProof="0" dirty="0" smtClean="0">
+                <a:latin typeface="LG체_v0.1 Regular" pitchFamily="50" charset="-127"/>
+                <a:ea typeface="LG체_v0.1 Regular" pitchFamily="50" charset="-127"/>
+              </a:rPr>
+              <a:t> Round display provides better UX</a:t>
+            </a:r>
+            <a:endParaRPr kumimoji="1" lang="en-US" altLang="ko-KR" sz="2800" i="0" u="none" strike="noStrike" kern="0" cap="none" spc="0" normalizeH="0" noProof="0" dirty="0" smtClean="0">
+              <a:ln>
+                <a:noFill/>
+              </a:ln>
+              <a:solidFill>
+                <a:schemeClr val="tx1"/>
+              </a:solidFill>
+              <a:effectLst/>
+              <a:uLnTx/>
+              <a:uFillTx/>
+              <a:latin typeface="LG체_v0.1 Regular" pitchFamily="50" charset="-127"/>
+              <a:ea typeface="LG체_v0.1 Regular" pitchFamily="50" charset="-127"/>
+              <a:cs typeface="+mn-cs"/>
+            </a:endParaRPr>
+          </a:p>
+          <a:p>
+            <a:pPr marL="108000" marR="0" lvl="0" indent="-108000" algn="l" defTabSz="914400" rtl="0" eaLnBrk="1" fontAlgn="base" latinLnBrk="1" hangingPunct="1">
+              <a:lnSpc>
+                <a:spcPct val="100000"/>
+              </a:lnSpc>
+              <a:spcBef>
+                <a:spcPct val="20000"/>
+              </a:spcBef>
+              <a:spcAft>
+                <a:spcPct val="0"/>
+              </a:spcAft>
+              <a:buClr>
+                <a:srgbClr val="A50034"/>
+              </a:buClr>
+              <a:buSzTx/>
+              <a:buFont typeface="Arial" pitchFamily="34" charset="0"/>
+              <a:buChar char="•"/>
+              <a:tabLst/>
+              <a:defRPr/>
+            </a:pPr>
+            <a:endParaRPr kumimoji="1" lang="en-US" altLang="ko-KR" sz="2800" kern="0" baseline="0" dirty="0" smtClean="0">
+              <a:latin typeface="LG체_v0.1 Regular" pitchFamily="50" charset="-127"/>
+              <a:ea typeface="LG체_v0.1 Regular" pitchFamily="50" charset="-127"/>
+            </a:endParaRPr>
+          </a:p>
+          <a:p>
+            <a:pPr marL="108000" marR="0" lvl="0" indent="-108000" algn="l" defTabSz="914400" rtl="0" eaLnBrk="1" fontAlgn="base" latinLnBrk="1" hangingPunct="1">
+              <a:lnSpc>
+                <a:spcPct val="100000"/>
+              </a:lnSpc>
+              <a:spcBef>
+                <a:spcPct val="20000"/>
+              </a:spcBef>
+              <a:spcAft>
+                <a:spcPct val="0"/>
+              </a:spcAft>
+              <a:buClr>
+                <a:srgbClr val="A50034"/>
+              </a:buClr>
+              <a:buSzTx/>
+              <a:buFont typeface="Arial" pitchFamily="34" charset="0"/>
+              <a:buChar char="•"/>
+              <a:tabLst/>
+              <a:defRPr/>
+            </a:pPr>
+            <a:endParaRPr kumimoji="1" lang="en-US" altLang="ko-KR" sz="2800" kern="0" dirty="0" smtClean="0">
+              <a:latin typeface="LG체_v0.1 Regular" pitchFamily="50" charset="-127"/>
+              <a:ea typeface="LG체_v0.1 Regular" pitchFamily="50" charset="-127"/>
+            </a:endParaRPr>
+          </a:p>
+          <a:p>
+            <a:pPr marL="108000" marR="0" lvl="0" indent="-108000" algn="l" defTabSz="914400" rtl="0" eaLnBrk="1" fontAlgn="base" latinLnBrk="1" hangingPunct="1">
+              <a:lnSpc>
+                <a:spcPct val="100000"/>
+              </a:lnSpc>
+              <a:spcBef>
+                <a:spcPct val="20000"/>
+              </a:spcBef>
+              <a:spcAft>
+                <a:spcPct val="0"/>
+              </a:spcAft>
+              <a:buClr>
+                <a:srgbClr val="A50034"/>
+              </a:buClr>
+              <a:buSzTx/>
+              <a:buFont typeface="Arial" pitchFamily="34" charset="0"/>
+              <a:buChar char="•"/>
+              <a:tabLst/>
+              <a:defRPr/>
+            </a:pPr>
+            <a:endParaRPr kumimoji="1" lang="en-US" altLang="ko-KR" sz="2800" kern="0" baseline="0" dirty="0" smtClean="0">
+              <a:latin typeface="LG체_v0.1 Regular" pitchFamily="50" charset="-127"/>
+              <a:ea typeface="LG체_v0.1 Regular" pitchFamily="50" charset="-127"/>
+            </a:endParaRPr>
+          </a:p>
+          <a:p>
+            <a:pPr marL="108000" marR="0" lvl="0" indent="-108000" algn="l" defTabSz="914400" rtl="0" eaLnBrk="1" fontAlgn="base" latinLnBrk="1" hangingPunct="1">
+              <a:lnSpc>
+                <a:spcPct val="100000"/>
+              </a:lnSpc>
+              <a:spcBef>
+                <a:spcPct val="20000"/>
+              </a:spcBef>
+              <a:spcAft>
+                <a:spcPct val="0"/>
+              </a:spcAft>
+              <a:buClr>
+                <a:srgbClr val="A50034"/>
+              </a:buClr>
+              <a:buSzTx/>
+              <a:buFont typeface="Arial" pitchFamily="34" charset="0"/>
+              <a:buChar char="•"/>
+              <a:tabLst/>
+              <a:defRPr/>
+            </a:pPr>
+            <a:endParaRPr kumimoji="1" lang="en-US" altLang="ko-KR" sz="2800" kern="0" dirty="0" smtClean="0">
+              <a:latin typeface="LG체_v0.1 Regular" pitchFamily="50" charset="-127"/>
+              <a:ea typeface="LG체_v0.1 Regular" pitchFamily="50" charset="-127"/>
+            </a:endParaRPr>
+          </a:p>
+          <a:p>
+            <a:pPr marL="108000" marR="0" lvl="0" indent="-108000" algn="l" defTabSz="914400" rtl="0" eaLnBrk="1" fontAlgn="base" latinLnBrk="1" hangingPunct="1">
+              <a:lnSpc>
+                <a:spcPct val="100000"/>
+              </a:lnSpc>
+              <a:spcBef>
+                <a:spcPct val="20000"/>
+              </a:spcBef>
+              <a:spcAft>
+                <a:spcPct val="0"/>
+              </a:spcAft>
+              <a:buClr>
+                <a:srgbClr val="A50034"/>
+              </a:buClr>
+              <a:buSzTx/>
+              <a:buFont typeface="Arial" pitchFamily="34" charset="0"/>
+              <a:buChar char="•"/>
+              <a:tabLst/>
+              <a:defRPr/>
+            </a:pPr>
+            <a:r>
+              <a:rPr kumimoji="1" lang="en-US" altLang="ko-KR" sz="2800" kern="0" baseline="0" dirty="0" smtClean="0">
+                <a:latin typeface="LG체_v0.1 Regular" pitchFamily="50" charset="-127"/>
+                <a:ea typeface="LG체_v0.1 Regular" pitchFamily="50" charset="-127"/>
+              </a:rPr>
+              <a:t> What </a:t>
+            </a:r>
+            <a:r>
+              <a:rPr kumimoji="1" lang="en-US" altLang="ko-KR" sz="2800" kern="0" baseline="0" dirty="0" smtClean="0">
+                <a:latin typeface="LG체_v0.1 Regular" pitchFamily="50" charset="-127"/>
+                <a:ea typeface="LG체_v0.1 Regular" pitchFamily="50" charset="-127"/>
+              </a:rPr>
+              <a:t>can CSS</a:t>
+            </a:r>
+            <a:r>
+              <a:rPr kumimoji="1" lang="en-US" altLang="ko-KR" sz="2800" kern="0" dirty="0" smtClean="0">
+                <a:latin typeface="LG체_v0.1 Regular" pitchFamily="50" charset="-127"/>
+                <a:ea typeface="LG체_v0.1 Regular" pitchFamily="50" charset="-127"/>
+              </a:rPr>
+              <a:t> do for the Round display</a:t>
+            </a:r>
+            <a:r>
+              <a:rPr kumimoji="1" lang="en-US" altLang="ko-KR" sz="2800" kern="0" dirty="0" smtClean="0">
+                <a:latin typeface="LG체_v0.1 Regular" pitchFamily="50" charset="-127"/>
+                <a:ea typeface="LG체_v0.1 Regular" pitchFamily="50" charset="-127"/>
+              </a:rPr>
+              <a:t>?</a:t>
+            </a:r>
+            <a:endParaRPr kumimoji="1" lang="en-US" altLang="ko-KR" sz="2800" b="0" i="0" u="none" strike="noStrike" kern="0" cap="none" spc="0" normalizeH="0" baseline="0" noProof="0" dirty="0" smtClean="0">
+              <a:ln>
+                <a:noFill/>
+              </a:ln>
+              <a:solidFill>
+                <a:schemeClr val="tx1"/>
+              </a:solidFill>
+              <a:effectLst/>
+              <a:uLnTx/>
+              <a:uFillTx/>
+              <a:latin typeface="LG체_v0.1 Regular" pitchFamily="50" charset="-127"/>
+              <a:ea typeface="LG체_v0.1 Regular" pitchFamily="50" charset="-127"/>
+            </a:endParaRPr>
+          </a:p>
+        </p:txBody>
+      </p:sp>
       <p:pic>
         <p:nvPicPr>
           <p:cNvPr id="22531" name="Picture 3"/>
@@ -13744,8 +13809,8 @@
         </p:blipFill>
         <p:spPr bwMode="auto">
           <a:xfrm>
-            <a:off x="3131840" y="2708920"/>
-            <a:ext cx="1152128" cy="1736012"/>
+            <a:off x="3188780" y="1537164"/>
+            <a:ext cx="735148" cy="1107712"/>
           </a:xfrm>
           <a:prstGeom prst="rect">
             <a:avLst/>
@@ -13776,8 +13841,8 @@
         </p:blipFill>
         <p:spPr bwMode="auto">
           <a:xfrm>
-            <a:off x="6948264" y="2636912"/>
-            <a:ext cx="1368152" cy="1929873"/>
+            <a:off x="7371420" y="1537164"/>
+            <a:ext cx="872988" cy="1231410"/>
           </a:xfrm>
           <a:prstGeom prst="rect">
             <a:avLst/>
@@ -13808,8 +13873,8 @@
         </p:blipFill>
         <p:spPr bwMode="auto">
           <a:xfrm>
-            <a:off x="539552" y="2652573"/>
-            <a:ext cx="2017375" cy="2000563"/>
+            <a:off x="683568" y="1484784"/>
+            <a:ext cx="1287243" cy="1276516"/>
           </a:xfrm>
           <a:prstGeom prst="rect">
             <a:avLst/>
@@ -13821,32 +13886,6 @@
             <a:headEnd/>
             <a:tailEnd/>
           </a:ln>
-        </p:spPr>
-      </p:pic>
-      <p:pic>
-        <p:nvPicPr>
-          <p:cNvPr id="22543" name="Picture 15" descr="http://ep.yimg.com/ay/yhst-38148694942392/motorola-moto-360-screen-protector-6-pack-4.gif"/>
-          <p:cNvPicPr>
-            <a:picLocks noChangeAspect="1" noChangeArrowheads="1"/>
-          </p:cNvPicPr>
-          <p:nvPr/>
-        </p:nvPicPr>
-        <p:blipFill>
-          <a:blip r:embed="rId5" cstate="print"/>
-          <a:srcRect/>
-          <a:stretch>
-            <a:fillRect/>
-          </a:stretch>
-        </p:blipFill>
-        <p:spPr bwMode="auto">
-          <a:xfrm>
-            <a:off x="4644408" y="2564904"/>
-            <a:ext cx="1655784" cy="1655784"/>
-          </a:xfrm>
-          <a:prstGeom prst="rect">
-            <a:avLst/>
-          </a:prstGeom>
-          <a:noFill/>
         </p:spPr>
       </p:pic>
       <p:sp>
@@ -13929,8 +13968,8 @@
         </p:nvGrpSpPr>
         <p:grpSpPr>
           <a:xfrm>
-            <a:off x="2699792" y="2564904"/>
-            <a:ext cx="3960440" cy="2376264"/>
+            <a:off x="2555776" y="1556792"/>
+            <a:ext cx="4176464" cy="1728192"/>
             <a:chOff x="2483768" y="1772816"/>
             <a:chExt cx="3960440" cy="2376264"/>
           </a:xfrm>
@@ -14025,27 +14064,33 @@
         </p:nvSpPr>
         <p:spPr>
           <a:xfrm>
-            <a:off x="5076056" y="4581128"/>
-            <a:ext cx="1111202" cy="338554"/>
+            <a:off x="5076056" y="2780928"/>
+            <a:ext cx="1152128" cy="338554"/>
           </a:xfrm>
           <a:prstGeom prst="rect">
             <a:avLst/>
           </a:prstGeom>
         </p:spPr>
         <p:txBody>
-          <a:bodyPr wrap="none">
+          <a:bodyPr wrap="square">
             <a:spAutoFit/>
           </a:bodyPr>
           <a:lstStyle/>
           <a:p>
             <a:r>
-              <a:rPr lang="en-US" altLang="ko-KR" sz="1600" dirty="0" smtClean="0">
+              <a:rPr lang="en-US" altLang="ko-KR" sz="1600" b="1" dirty="0" smtClean="0">
+                <a:solidFill>
+                  <a:srgbClr val="CC3399"/>
+                </a:solidFill>
                 <a:latin typeface="LG체_v0.1 Regular" pitchFamily="50" charset="-127"/>
                 <a:ea typeface="LG체_v0.1 Regular" pitchFamily="50" charset="-127"/>
               </a:rPr>
               <a:t>Moto 360</a:t>
             </a:r>
-            <a:endParaRPr lang="ko-KR" altLang="en-US" sz="1600" dirty="0">
+            <a:endParaRPr lang="ko-KR" altLang="en-US" sz="1600" b="1" dirty="0">
+              <a:solidFill>
+                <a:srgbClr val="CC3399"/>
+              </a:solidFill>
               <a:latin typeface="LG체_v0.1 Regular" pitchFamily="50" charset="-127"/>
               <a:ea typeface="LG체_v0.1 Regular" pitchFamily="50" charset="-127"/>
             </a:endParaRPr>
@@ -14060,27 +14105,33 @@
         </p:nvSpPr>
         <p:spPr>
           <a:xfrm>
-            <a:off x="6757341" y="4581128"/>
-            <a:ext cx="1919115" cy="338554"/>
+            <a:off x="6876256" y="2802414"/>
+            <a:ext cx="1944216" cy="338554"/>
           </a:xfrm>
           <a:prstGeom prst="rect">
             <a:avLst/>
           </a:prstGeom>
         </p:spPr>
         <p:txBody>
-          <a:bodyPr wrap="none">
+          <a:bodyPr wrap="square">
             <a:spAutoFit/>
           </a:bodyPr>
           <a:lstStyle/>
           <a:p>
             <a:r>
-              <a:rPr lang="en-US" altLang="ko-KR" sz="1600" dirty="0" smtClean="0">
+              <a:rPr lang="en-US" altLang="ko-KR" sz="1600" b="1" dirty="0" smtClean="0">
+                <a:solidFill>
+                  <a:srgbClr val="CC3399"/>
+                </a:solidFill>
                 <a:latin typeface="LG체_v0.1 Regular" pitchFamily="50" charset="-127"/>
                 <a:ea typeface="LG체_v0.1 Regular" pitchFamily="50" charset="-127"/>
               </a:rPr>
               <a:t>Pebble Time Round</a:t>
             </a:r>
-            <a:endParaRPr lang="ko-KR" altLang="en-US" sz="1600" dirty="0">
+            <a:endParaRPr lang="ko-KR" altLang="en-US" sz="1600" b="1" dirty="0">
+              <a:solidFill>
+                <a:srgbClr val="CC3399"/>
+              </a:solidFill>
               <a:latin typeface="LG체_v0.1 Regular" pitchFamily="50" charset="-127"/>
               <a:ea typeface="LG체_v0.1 Regular" pitchFamily="50" charset="-127"/>
             </a:endParaRPr>
@@ -14095,27 +14146,33 @@
         </p:nvSpPr>
         <p:spPr>
           <a:xfrm>
-            <a:off x="2774713" y="4602614"/>
-            <a:ext cx="1797287" cy="338554"/>
+            <a:off x="2699792" y="2802414"/>
+            <a:ext cx="1872208" cy="338554"/>
           </a:xfrm>
           <a:prstGeom prst="rect">
             <a:avLst/>
           </a:prstGeom>
         </p:spPr>
         <p:txBody>
-          <a:bodyPr wrap="none">
+          <a:bodyPr wrap="square">
             <a:spAutoFit/>
           </a:bodyPr>
           <a:lstStyle/>
           <a:p>
             <a:r>
-              <a:rPr lang="en-US" altLang="ko-KR" sz="1600" dirty="0" smtClean="0">
+              <a:rPr lang="en-US" altLang="ko-KR" sz="1600" b="1" dirty="0" smtClean="0">
+                <a:solidFill>
+                  <a:srgbClr val="CC3399"/>
+                </a:solidFill>
                 <a:latin typeface="LG체_v0.1 Regular" pitchFamily="50" charset="-127"/>
                 <a:ea typeface="LG체_v0.1 Regular" pitchFamily="50" charset="-127"/>
               </a:rPr>
               <a:t>Samsung Gear S2</a:t>
             </a:r>
-            <a:endParaRPr lang="ko-KR" altLang="en-US" sz="1600" dirty="0">
+            <a:endParaRPr lang="ko-KR" altLang="en-US" sz="1600" b="1" dirty="0">
+              <a:solidFill>
+                <a:srgbClr val="CC3399"/>
+              </a:solidFill>
               <a:latin typeface="LG체_v0.1 Regular" pitchFamily="50" charset="-127"/>
               <a:ea typeface="LG체_v0.1 Regular" pitchFamily="50" charset="-127"/>
             </a:endParaRPr>
@@ -14130,381 +14187,33 @@
         </p:nvSpPr>
         <p:spPr>
           <a:xfrm>
-            <a:off x="509769" y="4602614"/>
-            <a:ext cx="2190023" cy="338554"/>
+            <a:off x="323528" y="2780928"/>
+            <a:ext cx="2411760" cy="338554"/>
           </a:xfrm>
           <a:prstGeom prst="rect">
             <a:avLst/>
           </a:prstGeom>
         </p:spPr>
         <p:txBody>
-          <a:bodyPr wrap="none">
+          <a:bodyPr wrap="square">
             <a:spAutoFit/>
           </a:bodyPr>
           <a:lstStyle/>
           <a:p>
             <a:r>
-              <a:rPr lang="en-US" altLang="ko-KR" sz="1600" dirty="0" smtClean="0">
-                <a:latin typeface="LG체_v0.1 Regular" pitchFamily="50" charset="-127"/>
-                <a:ea typeface="LG체_v0.1 Regular" pitchFamily="50" charset="-127"/>
-              </a:rPr>
-              <a:t>LG Watch Urbane LTE</a:t>
-            </a:r>
-            <a:endParaRPr lang="ko-KR" altLang="en-US" sz="1600" dirty="0"/>
-          </a:p>
-        </p:txBody>
-      </p:sp>
-      <p:sp>
-        <p:nvSpPr>
-          <p:cNvPr id="21" name="내용 개체 틀 1"/>
-          <p:cNvSpPr txBox="1">
-            <a:spLocks/>
-          </p:cNvSpPr>
-          <p:nvPr/>
-        </p:nvSpPr>
-        <p:spPr>
-          <a:xfrm>
-            <a:off x="178777" y="980731"/>
-            <a:ext cx="8786446" cy="5400599"/>
-          </a:xfrm>
-          <a:prstGeom prst="rect">
-            <a:avLst/>
-          </a:prstGeom>
-        </p:spPr>
-        <p:txBody>
-          <a:bodyPr>
-            <a:normAutofit/>
-          </a:bodyPr>
-          <a:lstStyle/>
-          <a:p>
-            <a:pPr marL="108000" marR="0" lvl="0" indent="-108000" algn="l" defTabSz="914400" rtl="0" eaLnBrk="1" fontAlgn="base" latinLnBrk="1" hangingPunct="1">
-              <a:lnSpc>
-                <a:spcPct val="100000"/>
-              </a:lnSpc>
-              <a:spcBef>
-                <a:spcPct val="20000"/>
-              </a:spcBef>
-              <a:spcAft>
-                <a:spcPct val="0"/>
-              </a:spcAft>
-              <a:buClr>
-                <a:srgbClr val="A50034"/>
-              </a:buClr>
-              <a:buSzTx/>
-              <a:buFont typeface="Arial" pitchFamily="34" charset="0"/>
-              <a:buChar char="•"/>
-              <a:tabLst/>
-              <a:defRPr/>
-            </a:pPr>
-            <a:r>
-              <a:rPr kumimoji="1" lang="ko-KR" altLang="en-US" sz="2800" b="1" i="0" u="none" strike="noStrike" kern="0" cap="none" spc="0" normalizeH="0" baseline="0" noProof="0" dirty="0" smtClean="0">
-                <a:ln>
-                  <a:noFill/>
-                </a:ln>
+              <a:rPr lang="en-US" altLang="ko-KR" sz="1600" b="1" dirty="0" smtClean="0">
                 <a:solidFill>
-                  <a:schemeClr val="tx1"/>
-                </a:solidFill>
-                <a:effectLst/>
-                <a:uLnTx/>
-                <a:uFillTx/>
-                <a:latin typeface="LG체_v0.1 Regular" pitchFamily="50" charset="-127"/>
-                <a:ea typeface="LG체_v0.1 Regular" pitchFamily="50" charset="-127"/>
-                <a:cs typeface="+mn-cs"/>
-              </a:rPr>
-              <a:t> </a:t>
-            </a:r>
-            <a:r>
-              <a:rPr kumimoji="1" lang="en-US" altLang="ko-KR" sz="2800" i="0" u="none" strike="noStrike" kern="0" cap="none" spc="0" normalizeH="0" baseline="0" noProof="0" dirty="0" smtClean="0">
-                <a:ln>
-                  <a:noFill/>
-                </a:ln>
-                <a:solidFill>
-                  <a:schemeClr val="tx1"/>
-                </a:solidFill>
-                <a:effectLst/>
-                <a:uLnTx/>
-                <a:uFillTx/>
-                <a:latin typeface="LG체_v0.1 Regular" pitchFamily="50" charset="-127"/>
-                <a:ea typeface="LG체_v0.1 Regular" pitchFamily="50" charset="-127"/>
-                <a:cs typeface="+mn-cs"/>
-              </a:rPr>
-              <a:t>Round display is natural</a:t>
-            </a:r>
-            <a:r>
-              <a:rPr kumimoji="1" lang="en-US" altLang="ko-KR" sz="2800" i="0" u="none" strike="noStrike" kern="0" cap="none" spc="0" normalizeH="0" noProof="0" dirty="0" smtClean="0">
-                <a:ln>
-                  <a:noFill/>
-                </a:ln>
-                <a:solidFill>
-                  <a:schemeClr val="tx1"/>
-                </a:solidFill>
-                <a:effectLst/>
-                <a:uLnTx/>
-                <a:uFillTx/>
-                <a:latin typeface="LG체_v0.1 Regular" pitchFamily="50" charset="-127"/>
-                <a:ea typeface="LG체_v0.1 Regular" pitchFamily="50" charset="-127"/>
-                <a:cs typeface="+mn-cs"/>
-              </a:rPr>
-              <a:t> for Smart watches</a:t>
-            </a:r>
-          </a:p>
-          <a:p>
-            <a:pPr marL="108000" marR="0" lvl="0" indent="-108000" algn="l" defTabSz="914400" rtl="0" eaLnBrk="1" fontAlgn="base" latinLnBrk="1" hangingPunct="1">
-              <a:lnSpc>
-                <a:spcPct val="100000"/>
-              </a:lnSpc>
-              <a:spcBef>
-                <a:spcPct val="20000"/>
-              </a:spcBef>
-              <a:spcAft>
-                <a:spcPct val="0"/>
-              </a:spcAft>
-              <a:buClr>
-                <a:srgbClr val="A50034"/>
-              </a:buClr>
-              <a:buSzTx/>
-              <a:buFont typeface="Arial" pitchFamily="34" charset="0"/>
-              <a:buChar char="•"/>
-              <a:tabLst/>
-              <a:defRPr/>
-            </a:pPr>
-            <a:r>
-              <a:rPr kumimoji="1" lang="en-US" altLang="ko-KR" sz="2800" kern="0" baseline="0" dirty="0" smtClean="0">
-                <a:latin typeface="LG체_v0.1 Regular" pitchFamily="50" charset="-127"/>
-                <a:ea typeface="LG체_v0.1 Regular" pitchFamily="50" charset="-127"/>
-              </a:rPr>
-              <a:t> </a:t>
-            </a:r>
-            <a:r>
-              <a:rPr kumimoji="1" lang="en-US" altLang="ko-KR" sz="2800" kern="0" baseline="0" dirty="0" smtClean="0">
-                <a:solidFill>
-                  <a:srgbClr val="FF0000"/>
+                  <a:srgbClr val="CC3399"/>
                 </a:solidFill>
                 <a:latin typeface="LG체_v0.1 Regular" pitchFamily="50" charset="-127"/>
                 <a:ea typeface="LG체_v0.1 Regular" pitchFamily="50" charset="-127"/>
               </a:rPr>
-              <a:t>How</a:t>
-            </a:r>
-            <a:r>
-              <a:rPr kumimoji="1" lang="en-US" altLang="ko-KR" sz="2800" kern="0" baseline="0" dirty="0" smtClean="0">
-                <a:latin typeface="LG체_v0.1 Regular" pitchFamily="50" charset="-127"/>
-                <a:ea typeface="LG체_v0.1 Regular" pitchFamily="50" charset="-127"/>
-              </a:rPr>
-              <a:t> can CSS</a:t>
-            </a:r>
-            <a:r>
-              <a:rPr kumimoji="1" lang="en-US" altLang="ko-KR" sz="2800" kern="0" dirty="0" smtClean="0">
-                <a:latin typeface="LG체_v0.1 Regular" pitchFamily="50" charset="-127"/>
-                <a:ea typeface="LG체_v0.1 Regular" pitchFamily="50" charset="-127"/>
-              </a:rPr>
-              <a:t> do for the Round display?</a:t>
-            </a:r>
-            <a:endParaRPr kumimoji="1" lang="ko-KR" altLang="ko-KR" sz="2800" i="0" u="none" strike="noStrike" kern="0" cap="none" spc="0" normalizeH="0" baseline="0" noProof="0" dirty="0" smtClean="0">
-              <a:ln>
-                <a:noFill/>
-              </a:ln>
+              <a:t>LG Watch Urbane LTE</a:t>
+            </a:r>
+            <a:endParaRPr lang="ko-KR" altLang="en-US" sz="1600" b="1" dirty="0">
               <a:solidFill>
-                <a:schemeClr val="tx1"/>
+                <a:srgbClr val="CC3399"/>
               </a:solidFill>
-              <a:effectLst/>
-              <a:uLnTx/>
-              <a:uFillTx/>
-              <a:latin typeface="LG체_v0.1 Regular" pitchFamily="50" charset="-127"/>
-              <a:ea typeface="LG체_v0.1 Regular" pitchFamily="50" charset="-127"/>
-              <a:cs typeface="+mn-cs"/>
-            </a:endParaRPr>
-          </a:p>
-          <a:p>
-            <a:pPr marL="108000" marR="0" lvl="0" indent="-108000" algn="l" defTabSz="914400" rtl="0" eaLnBrk="1" fontAlgn="base" latinLnBrk="1" hangingPunct="1">
-              <a:lnSpc>
-                <a:spcPct val="100000"/>
-              </a:lnSpc>
-              <a:spcBef>
-                <a:spcPct val="20000"/>
-              </a:spcBef>
-              <a:spcAft>
-                <a:spcPct val="0"/>
-              </a:spcAft>
-              <a:buClrTx/>
-              <a:buSzTx/>
-              <a:buFont typeface="Arial" pitchFamily="34" charset="0"/>
-              <a:buChar char="•"/>
-              <a:tabLst/>
-              <a:defRPr/>
-            </a:pPr>
-            <a:endParaRPr kumimoji="1" lang="en-US" altLang="ko-KR" sz="2800" b="1" i="0" u="none" strike="noStrike" kern="0" cap="none" spc="0" normalizeH="0" baseline="0" noProof="0" dirty="0" smtClean="0">
-              <a:ln>
-                <a:noFill/>
-              </a:ln>
-              <a:solidFill>
-                <a:schemeClr val="tx1"/>
-              </a:solidFill>
-              <a:effectLst/>
-              <a:uLnTx/>
-              <a:uFillTx/>
-              <a:latin typeface="LG체_v0.1 Regular" pitchFamily="50" charset="-127"/>
-              <a:ea typeface="LG체_v0.1 Regular" pitchFamily="50" charset="-127"/>
-              <a:cs typeface="+mn-cs"/>
-            </a:endParaRPr>
-          </a:p>
-          <a:p>
-            <a:pPr marL="742950" marR="0" lvl="1" indent="-285750" algn="l" defTabSz="914400" rtl="0" eaLnBrk="1" fontAlgn="base" latinLnBrk="1" hangingPunct="1">
-              <a:lnSpc>
-                <a:spcPct val="100000"/>
-              </a:lnSpc>
-              <a:spcBef>
-                <a:spcPct val="20000"/>
-              </a:spcBef>
-              <a:spcAft>
-                <a:spcPct val="0"/>
-              </a:spcAft>
-              <a:buClrTx/>
-              <a:buSzTx/>
-              <a:buFont typeface="Arial" pitchFamily="34" charset="0"/>
-              <a:buChar char="•"/>
-              <a:tabLst/>
-              <a:defRPr/>
-            </a:pPr>
-            <a:endParaRPr kumimoji="1" lang="en-US" altLang="ko-KR" sz="2800" b="0" i="0" u="none" strike="noStrike" kern="0" cap="none" spc="0" normalizeH="0" baseline="0" noProof="0" dirty="0" smtClean="0">
-              <a:ln>
-                <a:noFill/>
-              </a:ln>
-              <a:solidFill>
-                <a:schemeClr val="tx1"/>
-              </a:solidFill>
-              <a:effectLst/>
-              <a:uLnTx/>
-              <a:uFillTx/>
-              <a:latin typeface="LG체_v0.1 Regular" pitchFamily="50" charset="-127"/>
-              <a:ea typeface="LG체_v0.1 Regular" pitchFamily="50" charset="-127"/>
-            </a:endParaRPr>
-          </a:p>
-          <a:p>
-            <a:pPr marL="742950" marR="0" lvl="1" indent="-285750" algn="l" defTabSz="914400" rtl="0" eaLnBrk="1" fontAlgn="base" latinLnBrk="1" hangingPunct="1">
-              <a:lnSpc>
-                <a:spcPct val="100000"/>
-              </a:lnSpc>
-              <a:spcBef>
-                <a:spcPct val="20000"/>
-              </a:spcBef>
-              <a:spcAft>
-                <a:spcPct val="0"/>
-              </a:spcAft>
-              <a:buClrTx/>
-              <a:buSzTx/>
-              <a:buFont typeface="Arial" pitchFamily="34" charset="0"/>
-              <a:buChar char="•"/>
-              <a:tabLst/>
-              <a:defRPr/>
-            </a:pPr>
-            <a:endParaRPr kumimoji="1" lang="en-US" altLang="ko-KR" sz="2800" b="0" i="0" u="none" strike="noStrike" kern="0" cap="none" spc="0" normalizeH="0" baseline="0" noProof="0" dirty="0" smtClean="0">
-              <a:ln>
-                <a:noFill/>
-              </a:ln>
-              <a:solidFill>
-                <a:schemeClr val="tx1"/>
-              </a:solidFill>
-              <a:effectLst/>
-              <a:uLnTx/>
-              <a:uFillTx/>
-              <a:latin typeface="LG체_v0.1 Regular" pitchFamily="50" charset="-127"/>
-              <a:ea typeface="LG체_v0.1 Regular" pitchFamily="50" charset="-127"/>
-            </a:endParaRPr>
-          </a:p>
-          <a:p>
-            <a:pPr marL="742950" marR="0" lvl="1" indent="-285750" algn="l" defTabSz="914400" rtl="0" eaLnBrk="1" fontAlgn="base" latinLnBrk="1" hangingPunct="1">
-              <a:lnSpc>
-                <a:spcPct val="100000"/>
-              </a:lnSpc>
-              <a:spcBef>
-                <a:spcPct val="20000"/>
-              </a:spcBef>
-              <a:spcAft>
-                <a:spcPct val="0"/>
-              </a:spcAft>
-              <a:buClrTx/>
-              <a:buSzTx/>
-              <a:buFont typeface="Arial" pitchFamily="34" charset="0"/>
-              <a:buChar char="•"/>
-              <a:tabLst/>
-              <a:defRPr/>
-            </a:pPr>
-            <a:endParaRPr kumimoji="1" lang="en-US" altLang="ko-KR" sz="2800" b="0" i="0" u="none" strike="noStrike" kern="0" cap="none" spc="0" normalizeH="0" baseline="0" noProof="0" dirty="0" smtClean="0">
-              <a:ln>
-                <a:noFill/>
-              </a:ln>
-              <a:solidFill>
-                <a:schemeClr val="tx1"/>
-              </a:solidFill>
-              <a:effectLst/>
-              <a:uLnTx/>
-              <a:uFillTx/>
-              <a:latin typeface="LG체_v0.1 Regular" pitchFamily="50" charset="-127"/>
-              <a:ea typeface="LG체_v0.1 Regular" pitchFamily="50" charset="-127"/>
-            </a:endParaRPr>
-          </a:p>
-          <a:p>
-            <a:pPr marL="742950" marR="0" lvl="1" indent="-285750" algn="l" defTabSz="914400" rtl="0" eaLnBrk="1" fontAlgn="base" latinLnBrk="1" hangingPunct="1">
-              <a:lnSpc>
-                <a:spcPct val="100000"/>
-              </a:lnSpc>
-              <a:spcBef>
-                <a:spcPct val="20000"/>
-              </a:spcBef>
-              <a:spcAft>
-                <a:spcPct val="0"/>
-              </a:spcAft>
-              <a:buClrTx/>
-              <a:buSzTx/>
-              <a:buFont typeface="Arial" pitchFamily="34" charset="0"/>
-              <a:buChar char="•"/>
-              <a:tabLst/>
-              <a:defRPr/>
-            </a:pPr>
-            <a:endParaRPr kumimoji="1" lang="en-US" altLang="ko-KR" sz="2800" b="0" i="0" u="none" strike="noStrike" kern="0" cap="none" spc="0" normalizeH="0" baseline="0" noProof="0" dirty="0" smtClean="0">
-              <a:ln>
-                <a:noFill/>
-              </a:ln>
-              <a:solidFill>
-                <a:schemeClr val="tx1"/>
-              </a:solidFill>
-              <a:effectLst/>
-              <a:uLnTx/>
-              <a:uFillTx/>
-              <a:latin typeface="LG체_v0.1 Regular" pitchFamily="50" charset="-127"/>
-              <a:ea typeface="LG체_v0.1 Regular" pitchFamily="50" charset="-127"/>
-            </a:endParaRPr>
-          </a:p>
-          <a:p>
-            <a:pPr marL="742950" marR="0" lvl="1" indent="-285750" algn="l" defTabSz="914400" rtl="0" eaLnBrk="1" fontAlgn="base" latinLnBrk="1" hangingPunct="1">
-              <a:lnSpc>
-                <a:spcPct val="100000"/>
-              </a:lnSpc>
-              <a:spcBef>
-                <a:spcPct val="20000"/>
-              </a:spcBef>
-              <a:spcAft>
-                <a:spcPct val="0"/>
-              </a:spcAft>
-              <a:buClrTx/>
-              <a:buSzTx/>
-              <a:buFont typeface="Arial" pitchFamily="34" charset="0"/>
-              <a:buChar char="•"/>
-              <a:tabLst/>
-              <a:defRPr/>
-            </a:pPr>
-            <a:endParaRPr kumimoji="1" lang="en-US" altLang="ko-KR" sz="2800" b="0" i="0" u="none" strike="noStrike" kern="0" cap="none" spc="0" normalizeH="0" baseline="0" noProof="0" dirty="0" smtClean="0">
-              <a:ln>
-                <a:noFill/>
-              </a:ln>
-              <a:solidFill>
-                <a:schemeClr val="tx1"/>
-              </a:solidFill>
-              <a:effectLst/>
-              <a:uLnTx/>
-              <a:uFillTx/>
-              <a:latin typeface="LG체_v0.1 Regular" pitchFamily="50" charset="-127"/>
-              <a:ea typeface="LG체_v0.1 Regular" pitchFamily="50" charset="-127"/>
             </a:endParaRPr>
           </a:p>
         </p:txBody>
@@ -14517,8 +14226,8 @@
         </p:nvSpPr>
         <p:spPr>
           <a:xfrm>
-            <a:off x="1187624" y="5301208"/>
-            <a:ext cx="6186437" cy="369332"/>
+            <a:off x="1008113" y="3068960"/>
+            <a:ext cx="7956375" cy="338554"/>
           </a:xfrm>
           <a:prstGeom prst="rect">
             <a:avLst/>
@@ -14526,70 +14235,78 @@
           <a:noFill/>
         </p:spPr>
         <p:txBody>
-          <a:bodyPr wrap="none" rtlCol="0">
+          <a:bodyPr wrap="square" rtlCol="0">
             <a:spAutoFit/>
           </a:bodyPr>
           <a:lstStyle/>
           <a:p>
             <a:r>
-              <a:rPr lang="en-US" altLang="ko-KR" dirty="0" err="1" smtClean="0"/>
+              <a:rPr lang="en-US" altLang="ko-KR" sz="1600" dirty="0" err="1" smtClean="0">
+                <a:solidFill>
+                  <a:schemeClr val="bg2"/>
+                </a:solidFill>
+                <a:latin typeface="LG체_v0.1 Regular" pitchFamily="50" charset="-127"/>
+                <a:ea typeface="LG체_v0.1 Regular" pitchFamily="50" charset="-127"/>
+              </a:rPr>
               <a:t>webOS</a:t>
             </a:r>
             <a:r>
-              <a:rPr lang="en-US" altLang="ko-KR" dirty="0" smtClean="0"/>
-              <a:t>                     </a:t>
-            </a:r>
-            <a:r>
-              <a:rPr lang="en-US" altLang="ko-KR" dirty="0" err="1" smtClean="0"/>
+              <a:rPr lang="en-US" altLang="ko-KR" sz="1600" dirty="0" smtClean="0">
+                <a:solidFill>
+                  <a:schemeClr val="bg2"/>
+                </a:solidFill>
+                <a:latin typeface="LG체_v0.1 Regular" pitchFamily="50" charset="-127"/>
+                <a:ea typeface="LG체_v0.1 Regular" pitchFamily="50" charset="-127"/>
+              </a:rPr>
+              <a:t>                  </a:t>
+            </a:r>
+            <a:r>
+              <a:rPr lang="en-US" altLang="ko-KR" sz="1600" dirty="0" smtClean="0">
+                <a:solidFill>
+                  <a:schemeClr val="bg2"/>
+                </a:solidFill>
+                <a:latin typeface="LG체_v0.1 Regular" pitchFamily="50" charset="-127"/>
+                <a:ea typeface="LG체_v0.1 Regular" pitchFamily="50" charset="-127"/>
+              </a:rPr>
+              <a:t>          </a:t>
+            </a:r>
+            <a:r>
+              <a:rPr lang="en-US" altLang="ko-KR" sz="1600" dirty="0" err="1" smtClean="0">
+                <a:solidFill>
+                  <a:schemeClr val="bg2"/>
+                </a:solidFill>
+                <a:latin typeface="LG체_v0.1 Regular" pitchFamily="50" charset="-127"/>
+                <a:ea typeface="LG체_v0.1 Regular" pitchFamily="50" charset="-127"/>
+              </a:rPr>
               <a:t>Tizen</a:t>
             </a:r>
             <a:r>
-              <a:rPr lang="en-US" altLang="ko-KR" dirty="0" smtClean="0"/>
-              <a:t>                  Android                  ??</a:t>
-            </a:r>
-            <a:endParaRPr lang="ko-KR" altLang="en-US" dirty="0"/>
-          </a:p>
-        </p:txBody>
-      </p:sp>
-      <p:sp>
-        <p:nvSpPr>
-          <p:cNvPr id="22" name="TextBox 21"/>
-          <p:cNvSpPr txBox="1"/>
-          <p:nvPr/>
-        </p:nvSpPr>
-        <p:spPr>
-          <a:xfrm>
-            <a:off x="2555776" y="6093296"/>
-            <a:ext cx="4262705" cy="369332"/>
-          </a:xfrm>
-          <a:prstGeom prst="rect">
-            <a:avLst/>
-          </a:prstGeom>
-          <a:noFill/>
-        </p:spPr>
-        <p:txBody>
-          <a:bodyPr wrap="none" rtlCol="0">
-            <a:spAutoFit/>
-          </a:bodyPr>
-          <a:lstStyle/>
-          <a:p>
-            <a:r>
-              <a:rPr lang="en-US" altLang="ko-KR" dirty="0" smtClean="0"/>
-              <a:t>LG signature: </a:t>
-            </a:r>
-            <a:r>
-              <a:rPr lang="ko-KR" altLang="en-US" dirty="0" smtClean="0"/>
-              <a:t>세탁기 </a:t>
-            </a:r>
-            <a:r>
-              <a:rPr lang="en-US" altLang="ko-KR" dirty="0" smtClean="0"/>
-              <a:t>– </a:t>
-            </a:r>
-            <a:r>
-              <a:rPr lang="ko-KR" altLang="en-US" dirty="0" smtClean="0"/>
-              <a:t>원형 디스플레이</a:t>
-            </a:r>
-            <a:endParaRPr lang="ko-KR" altLang="en-US" dirty="0"/>
+              <a:rPr lang="en-US" altLang="ko-KR" sz="1600" dirty="0" smtClean="0">
+                <a:solidFill>
+                  <a:schemeClr val="bg2"/>
+                </a:solidFill>
+                <a:latin typeface="LG체_v0.1 Regular" pitchFamily="50" charset="-127"/>
+                <a:ea typeface="LG체_v0.1 Regular" pitchFamily="50" charset="-127"/>
+              </a:rPr>
+              <a:t>              </a:t>
+            </a:r>
+            <a:r>
+              <a:rPr lang="en-US" altLang="ko-KR" sz="1600" dirty="0" smtClean="0">
+                <a:solidFill>
+                  <a:schemeClr val="bg2"/>
+                </a:solidFill>
+                <a:latin typeface="LG체_v0.1 Regular" pitchFamily="50" charset="-127"/>
+                <a:ea typeface="LG체_v0.1 Regular" pitchFamily="50" charset="-127"/>
+              </a:rPr>
+              <a:t>             Android	              Pebble SDK</a:t>
+            </a:r>
+            <a:endParaRPr lang="ko-KR" altLang="en-US" sz="1600" dirty="0">
+              <a:solidFill>
+                <a:schemeClr val="bg2"/>
+              </a:solidFill>
+              <a:latin typeface="LG체_v0.1 Regular" pitchFamily="50" charset="-127"/>
+              <a:ea typeface="LG체_v0.1 Regular" pitchFamily="50" charset="-127"/>
+            </a:endParaRPr>
           </a:p>
         </p:txBody>
       </p:sp>
@@ -14602,16 +14319,16 @@
           <p:nvPr/>
         </p:nvPicPr>
         <p:blipFill>
-          <a:blip r:embed="rId6" cstate="print"/>
-          <a:srcRect/>
+          <a:blip r:embed="rId5" cstate="print"/>
+          <a:srcRect t="5212" r="25806"/>
           <a:stretch>
             <a:fillRect/>
           </a:stretch>
         </p:blipFill>
         <p:spPr bwMode="auto">
           <a:xfrm>
-            <a:off x="5901426" y="4221088"/>
-            <a:ext cx="3242574" cy="2006923"/>
+            <a:off x="6660232" y="4077072"/>
+            <a:ext cx="1944216" cy="1537351"/>
           </a:xfrm>
           <a:prstGeom prst="rect">
             <a:avLst/>
@@ -14623,6 +14340,58 @@
             <a:headEnd/>
             <a:tailEnd/>
           </a:ln>
+        </p:spPr>
+      </p:pic>
+      <p:pic>
+        <p:nvPicPr>
+          <p:cNvPr id="25602" name="Picture 2" descr="http://img.gizmag.com/Screen_Shot_2015-08-31_at_2.10.12_PM.png?auto=format&amp;ch=Width%2CDPR&amp;fit=max&amp;h=700&amp;q=60&amp;w=700&amp;s=72c41e6764b8dbb649125fda78be0b9e"/>
+          <p:cNvPicPr>
+            <a:picLocks noChangeAspect="1" noChangeArrowheads="1"/>
+          </p:cNvPicPr>
+          <p:nvPr/>
+        </p:nvPicPr>
+        <p:blipFill>
+          <a:blip r:embed="rId6" cstate="print"/>
+          <a:srcRect l="10023" t="10003" r="9796" b="9971"/>
+          <a:stretch>
+            <a:fillRect/>
+          </a:stretch>
+        </p:blipFill>
+        <p:spPr bwMode="auto">
+          <a:xfrm>
+            <a:off x="5076056" y="4149080"/>
+            <a:ext cx="1440160" cy="1440160"/>
+          </a:xfrm>
+          <a:prstGeom prst="rect">
+            <a:avLst/>
+          </a:prstGeom>
+          <a:noFill/>
+        </p:spPr>
+      </p:pic>
+      <p:pic>
+        <p:nvPicPr>
+          <p:cNvPr id="25604" name="Picture 4" descr="http://core0.staticworld.net/images/article/2014/09/01-moto-360-smartwatch-100429901-primary.idge.jpg"/>
+          <p:cNvPicPr>
+            <a:picLocks noChangeAspect="1" noChangeArrowheads="1"/>
+          </p:cNvPicPr>
+          <p:nvPr/>
+        </p:nvPicPr>
+        <p:blipFill>
+          <a:blip r:embed="rId7" cstate="print"/>
+          <a:srcRect l="21948" r="20743"/>
+          <a:stretch>
+            <a:fillRect/>
+          </a:stretch>
+        </p:blipFill>
+        <p:spPr bwMode="auto">
+          <a:xfrm>
+            <a:off x="5076056" y="1556792"/>
+            <a:ext cx="991206" cy="1152128"/>
+          </a:xfrm>
+          <a:prstGeom prst="rect">
+            <a:avLst/>
+          </a:prstGeom>
+          <a:noFill/>
         </p:spPr>
       </p:pic>
     </p:spTree>
@@ -16419,6 +16188,13 @@
   <p:clrMapOvr>
     <a:masterClrMapping/>
   </p:clrMapOvr>
+  <p:timing>
+    <p:tnLst>
+      <p:par>
+        <p:cTn id="1" dur="indefinite" restart="never" nodeType="tmRoot"/>
+      </p:par>
+    </p:tnLst>
+  </p:timing>
 </p:sld>
 </file>
 
@@ -16458,28 +16234,7 @@
           <a:p>
             <a:pPr lvl="1"/>
             <a:r>
-              <a:rPr lang="en-US" altLang="ko-KR" dirty="0">
-                <a:latin typeface="LG체_v0.1 Regular" pitchFamily="50" charset="-127"/>
-                <a:ea typeface="LG체_v0.1 Regular" pitchFamily="50" charset="-127"/>
-              </a:rPr>
-              <a:t>Media Queries enables authors to apply different styles.</a:t>
-            </a:r>
-            <a:endParaRPr lang="en-US" altLang="ko-KR" sz="2400" dirty="0" smtClean="0">
-              <a:latin typeface="LG체_v0.1 Regular" pitchFamily="50" charset="-127"/>
-              <a:ea typeface="LG체_v0.1 Regular" pitchFamily="50" charset="-127"/>
-            </a:endParaRPr>
-          </a:p>
-          <a:p>
-            <a:pPr lvl="2"/>
-            <a:r>
-              <a:rPr lang="en-US" altLang="ko-KR" sz="2000" dirty="0" smtClean="0">
-                <a:latin typeface="LG체_v0.1 Regular" pitchFamily="50" charset="-127"/>
-                <a:ea typeface="LG체_v0.1 Regular" pitchFamily="50" charset="-127"/>
-              </a:rPr>
-              <a:t>Add a new media feature </a:t>
-            </a:r>
-            <a:r>
-              <a:rPr lang="en-US" altLang="ko-KR" sz="2000" b="1" dirty="0" smtClean="0">
+              <a:rPr lang="en-US" altLang="ko-KR" sz="2600" b="1" dirty="0" smtClean="0">
                 <a:solidFill>
                   <a:srgbClr val="A50034"/>
                 </a:solidFill>
@@ -16488,12 +16243,26 @@
               </a:rPr>
               <a:t>device-radius </a:t>
             </a:r>
+            <a:endParaRPr lang="en-US" altLang="ko-KR" sz="2600" dirty="0">
+              <a:latin typeface="LG체_v0.1 Regular" pitchFamily="50" charset="-127"/>
+              <a:ea typeface="LG체_v0.1 Regular" pitchFamily="50" charset="-127"/>
+            </a:endParaRPr>
+          </a:p>
+          <a:p>
+            <a:pPr lvl="2"/>
             <a:r>
               <a:rPr lang="en-US" altLang="ko-KR" sz="2000" dirty="0" smtClean="0">
                 <a:latin typeface="LG체_v0.1 Regular" pitchFamily="50" charset="-127"/>
                 <a:ea typeface="LG체_v0.1 Regular" pitchFamily="50" charset="-127"/>
               </a:rPr>
-              <a:t>(Inspired by </a:t>
+              <a:t>Inspired </a:t>
+            </a:r>
+            <a:r>
+              <a:rPr lang="en-US" altLang="ko-KR" sz="2000" dirty="0" smtClean="0">
+                <a:latin typeface="LG체_v0.1 Regular" pitchFamily="50" charset="-127"/>
+                <a:ea typeface="LG체_v0.1 Regular" pitchFamily="50" charset="-127"/>
+              </a:rPr>
+              <a:t>by </a:t>
             </a:r>
             <a:r>
               <a:rPr lang="en-US" altLang="ko-KR" sz="2000" b="1" dirty="0" smtClean="0">
@@ -16501,20 +16270,6 @@
                 <a:ea typeface="LG체_v0.1 Regular" pitchFamily="50" charset="-127"/>
               </a:rPr>
               <a:t>border-radius</a:t>
-            </a:r>
-            <a:r>
-              <a:rPr lang="en-US" altLang="ko-KR" sz="2000" dirty="0" smtClean="0">
-                <a:latin typeface="LG체_v0.1 Regular" pitchFamily="50" charset="-127"/>
-                <a:ea typeface="LG체_v0.1 Regular" pitchFamily="50" charset="-127"/>
-              </a:rPr>
-              <a:t>)</a:t>
-            </a:r>
-            <a:r>
-              <a:rPr lang="ko-KR" altLang="en-US" sz="2000" dirty="0" smtClean="0">
-                <a:latin typeface="LG체_v0.1 Regular" pitchFamily="50" charset="-127"/>
-                <a:ea typeface="LG체_v0.1 Regular" pitchFamily="50" charset="-127"/>
-              </a:rPr>
-              <a:t> </a:t>
             </a:r>
             <a:endParaRPr lang="en-US" altLang="ko-KR" sz="2000" dirty="0" smtClean="0">
               <a:latin typeface="LG체_v0.1 Regular" pitchFamily="50" charset="-127"/>
@@ -16851,7 +16606,15 @@
                 <a:ea typeface="LG체_v0.1 Regular" pitchFamily="50" charset="-127"/>
                 <a:cs typeface="Consolas" pitchFamily="49" charset="0"/>
               </a:rPr>
-              <a:t>&lt;link </a:t>
+              <a:t>&lt;link media="screen and (device-radius: 0%)" </a:t>
+            </a:r>
+            <a:r>
+              <a:rPr lang="en-US" altLang="ko-KR" sz="1300" dirty="0" err="1" smtClean="0">
+                <a:latin typeface="Consolas" pitchFamily="49" charset="0"/>
+                <a:ea typeface="LG체_v0.1 Regular" pitchFamily="50" charset="-127"/>
+                <a:cs typeface="Consolas" pitchFamily="49" charset="0"/>
+              </a:rPr>
+              <a:t>rel</a:t>
             </a:r>
             <a:r>
               <a:rPr lang="en-US" altLang="ko-KR" sz="1300" dirty="0" smtClean="0">
@@ -16859,7 +16622,7 @@
                 <a:ea typeface="LG체_v0.1 Regular" pitchFamily="50" charset="-127"/>
                 <a:cs typeface="Consolas" pitchFamily="49" charset="0"/>
               </a:rPr>
-              <a:t>media="screen and (device-radius: 0%)" </a:t>
+              <a:t>="</a:t>
             </a:r>
             <a:r>
               <a:rPr lang="en-US" altLang="ko-KR" sz="1300" dirty="0" err="1" smtClean="0">
@@ -16867,7 +16630,7 @@
                 <a:ea typeface="LG체_v0.1 Regular" pitchFamily="50" charset="-127"/>
                 <a:cs typeface="Consolas" pitchFamily="49" charset="0"/>
               </a:rPr>
-              <a:t>rel</a:t>
+              <a:t>stylesheet</a:t>
             </a:r>
             <a:r>
               <a:rPr lang="en-US" altLang="ko-KR" sz="1300" dirty="0" smtClean="0">
@@ -16875,7 +16638,7 @@
                 <a:ea typeface="LG체_v0.1 Regular" pitchFamily="50" charset="-127"/>
                 <a:cs typeface="Consolas" pitchFamily="49" charset="0"/>
               </a:rPr>
-              <a:t>="</a:t>
+              <a:t>" </a:t>
             </a:r>
             <a:r>
               <a:rPr lang="en-US" altLang="ko-KR" sz="1300" dirty="0" err="1" smtClean="0">
@@ -16883,7 +16646,7 @@
                 <a:ea typeface="LG체_v0.1 Regular" pitchFamily="50" charset="-127"/>
                 <a:cs typeface="Consolas" pitchFamily="49" charset="0"/>
               </a:rPr>
-              <a:t>stylesheet</a:t>
+              <a:t>href</a:t>
             </a:r>
             <a:r>
               <a:rPr lang="en-US" altLang="ko-KR" sz="1300" dirty="0" smtClean="0">
@@ -16891,31 +16654,7 @@
                 <a:ea typeface="LG체_v0.1 Regular" pitchFamily="50" charset="-127"/>
                 <a:cs typeface="Consolas" pitchFamily="49" charset="0"/>
               </a:rPr>
-              <a:t>" </a:t>
-            </a:r>
-            <a:r>
-              <a:rPr lang="en-US" altLang="ko-KR" sz="1300" dirty="0" err="1" smtClean="0">
-                <a:latin typeface="Consolas" pitchFamily="49" charset="0"/>
-                <a:ea typeface="LG체_v0.1 Regular" pitchFamily="50" charset="-127"/>
-                <a:cs typeface="Consolas" pitchFamily="49" charset="0"/>
-              </a:rPr>
-              <a:t>href</a:t>
-            </a:r>
-            <a:r>
-              <a:rPr lang="en-US" altLang="ko-KR" sz="1300" dirty="0" smtClean="0">
-                <a:latin typeface="Consolas" pitchFamily="49" charset="0"/>
-                <a:ea typeface="LG체_v0.1 Regular" pitchFamily="50" charset="-127"/>
-                <a:cs typeface="Consolas" pitchFamily="49" charset="0"/>
-              </a:rPr>
-              <a:t>="</a:t>
-            </a:r>
-            <a:r>
-              <a:rPr lang="en-US" altLang="ko-KR" sz="1300" dirty="0" smtClean="0">
-                <a:latin typeface="Consolas" pitchFamily="49" charset="0"/>
-                <a:ea typeface="LG체_v0.1 Regular" pitchFamily="50" charset="-127"/>
-                <a:cs typeface="Consolas" pitchFamily="49" charset="0"/>
-              </a:rPr>
-              <a:t>rectangle.css”/&gt;</a:t>
+              <a:t>="rectangle.css”/&gt;</a:t>
             </a:r>
             <a:endParaRPr lang="en-US" altLang="ko-KR" sz="1300" b="1" dirty="0" smtClean="0">
               <a:latin typeface="Consolas" pitchFamily="49" charset="0"/>
@@ -16946,7 +16685,15 @@
                 <a:ea typeface="LG체_v0.1 Regular" pitchFamily="50" charset="-127"/>
                 <a:cs typeface="Consolas" pitchFamily="49" charset="0"/>
               </a:rPr>
-              <a:t>&lt;link </a:t>
+              <a:t>&lt;link media="screen and (device-radius: 50%)" </a:t>
+            </a:r>
+            <a:r>
+              <a:rPr lang="en-US" altLang="ko-KR" sz="1300" dirty="0" err="1" smtClean="0">
+                <a:latin typeface="Consolas" pitchFamily="49" charset="0"/>
+                <a:ea typeface="LG체_v0.1 Regular" pitchFamily="50" charset="-127"/>
+                <a:cs typeface="Consolas" pitchFamily="49" charset="0"/>
+              </a:rPr>
+              <a:t>rel</a:t>
             </a:r>
             <a:r>
               <a:rPr lang="en-US" altLang="ko-KR" sz="1300" dirty="0" smtClean="0">
@@ -16954,7 +16701,7 @@
                 <a:ea typeface="LG체_v0.1 Regular" pitchFamily="50" charset="-127"/>
                 <a:cs typeface="Consolas" pitchFamily="49" charset="0"/>
               </a:rPr>
-              <a:t>media="screen and (device-radius: 50%)" </a:t>
+              <a:t>="</a:t>
             </a:r>
             <a:r>
               <a:rPr lang="en-US" altLang="ko-KR" sz="1300" dirty="0" err="1" smtClean="0">
@@ -16962,7 +16709,7 @@
                 <a:ea typeface="LG체_v0.1 Regular" pitchFamily="50" charset="-127"/>
                 <a:cs typeface="Consolas" pitchFamily="49" charset="0"/>
               </a:rPr>
-              <a:t>rel</a:t>
+              <a:t>stylesheet</a:t>
             </a:r>
             <a:r>
               <a:rPr lang="en-US" altLang="ko-KR" sz="1300" dirty="0" smtClean="0">
@@ -16970,7 +16717,7 @@
                 <a:ea typeface="LG체_v0.1 Regular" pitchFamily="50" charset="-127"/>
                 <a:cs typeface="Consolas" pitchFamily="49" charset="0"/>
               </a:rPr>
-              <a:t>="</a:t>
+              <a:t> " </a:t>
             </a:r>
             <a:r>
               <a:rPr lang="en-US" altLang="ko-KR" sz="1300" dirty="0" err="1" smtClean="0">
@@ -16978,7 +16725,7 @@
                 <a:ea typeface="LG체_v0.1 Regular" pitchFamily="50" charset="-127"/>
                 <a:cs typeface="Consolas" pitchFamily="49" charset="0"/>
               </a:rPr>
-              <a:t>stylesheet</a:t>
+              <a:t>href</a:t>
             </a:r>
             <a:r>
               <a:rPr lang="en-US" altLang="ko-KR" sz="1300" dirty="0" smtClean="0">
@@ -16986,31 +16733,7 @@
                 <a:ea typeface="LG체_v0.1 Regular" pitchFamily="50" charset="-127"/>
                 <a:cs typeface="Consolas" pitchFamily="49" charset="0"/>
               </a:rPr>
-              <a:t> " </a:t>
-            </a:r>
-            <a:r>
-              <a:rPr lang="en-US" altLang="ko-KR" sz="1300" dirty="0" err="1" smtClean="0">
-                <a:latin typeface="Consolas" pitchFamily="49" charset="0"/>
-                <a:ea typeface="LG체_v0.1 Regular" pitchFamily="50" charset="-127"/>
-                <a:cs typeface="Consolas" pitchFamily="49" charset="0"/>
-              </a:rPr>
-              <a:t>href</a:t>
-            </a:r>
-            <a:r>
-              <a:rPr lang="en-US" altLang="ko-KR" sz="1300" dirty="0" smtClean="0">
-                <a:latin typeface="Consolas" pitchFamily="49" charset="0"/>
-                <a:ea typeface="LG체_v0.1 Regular" pitchFamily="50" charset="-127"/>
-                <a:cs typeface="Consolas" pitchFamily="49" charset="0"/>
-              </a:rPr>
-              <a:t>="</a:t>
-            </a:r>
-            <a:r>
-              <a:rPr lang="en-US" altLang="ko-KR" sz="1300" dirty="0" smtClean="0">
-                <a:latin typeface="Consolas" pitchFamily="49" charset="0"/>
-                <a:ea typeface="LG체_v0.1 Regular" pitchFamily="50" charset="-127"/>
-                <a:cs typeface="Consolas" pitchFamily="49" charset="0"/>
-              </a:rPr>
-              <a:t>round.css”/&gt;</a:t>
+              <a:t>="round.css”/&gt;</a:t>
             </a:r>
             <a:endParaRPr lang="ko-KR" altLang="en-US" sz="1300" b="1" dirty="0">
               <a:latin typeface="Consolas" pitchFamily="49" charset="0"/>
@@ -17029,7 +16752,7 @@
           <p:nvPr/>
         </p:nvPicPr>
         <p:blipFill>
-          <a:blip r:embed="rId2" cstate="print"/>
+          <a:blip r:embed="rId3" cstate="print"/>
           <a:srcRect/>
           <a:stretch>
             <a:fillRect/>
@@ -17061,7 +16784,7 @@
           <p:nvPr/>
         </p:nvPicPr>
         <p:blipFill>
-          <a:blip r:embed="rId3" cstate="print"/>
+          <a:blip r:embed="rId4" cstate="print"/>
           <a:srcRect/>
           <a:stretch>
             <a:fillRect/>
@@ -17087,7 +16810,7 @@
     </p:spTree>
     <p:extLst>
       <p:ext uri="{BB962C8B-B14F-4D97-AF65-F5344CB8AC3E}">
-        <p14:creationId xmlns:p14="http://schemas.microsoft.com/office/powerpoint/2010/main" xmlns="" val="4065317653"/>
+        <p14:creationId xmlns="" xmlns:p14="http://schemas.microsoft.com/office/powerpoint/2010/main" val="4065317653"/>
       </p:ext>
     </p:extLst>
   </p:cSld>
@@ -17156,33 +16879,10 @@
               </a:rPr>
               <a:t>shape-inside</a:t>
             </a:r>
-            <a:r>
-              <a:rPr lang="en-US" altLang="ko-KR" dirty="0">
-                <a:solidFill>
-                  <a:srgbClr val="A50034"/>
-                </a:solidFill>
-                <a:latin typeface="LG체_v0.1 Regular" pitchFamily="50" charset="-127"/>
-                <a:ea typeface="LG체_v0.1 Regular" pitchFamily="50" charset="-127"/>
-              </a:rPr>
-              <a:t> </a:t>
-            </a:r>
-            <a:r>
-              <a:rPr lang="en-US" altLang="ko-KR" dirty="0" smtClean="0">
-                <a:solidFill>
-                  <a:schemeClr val="tx1"/>
-                </a:solidFill>
-                <a:latin typeface="LG체_v0.1 Regular" pitchFamily="50" charset="-127"/>
-                <a:ea typeface="LG체_v0.1 Regular" pitchFamily="50" charset="-127"/>
-              </a:rPr>
-              <a:t>p</a:t>
-            </a:r>
-            <a:r>
-              <a:rPr lang="en-US" altLang="ko-KR" sz="2400" dirty="0" smtClean="0">
-                <a:latin typeface="LG체_v0.1 Regular" pitchFamily="50" charset="-127"/>
-                <a:ea typeface="LG체_v0.1 Regular" pitchFamily="50" charset="-127"/>
-              </a:rPr>
-              <a:t>roperty</a:t>
-            </a:r>
+            <a:endParaRPr lang="en-US" altLang="ko-KR" sz="2400" dirty="0" smtClean="0">
+              <a:latin typeface="LG체_v0.1 Regular" pitchFamily="50" charset="-127"/>
+              <a:ea typeface="LG체_v0.1 Regular" pitchFamily="50" charset="-127"/>
+            </a:endParaRPr>
           </a:p>
           <a:p>
             <a:pPr lvl="2"/>
@@ -17238,7 +16938,14 @@
                 <a:latin typeface="나눔고딕 ExtraBold" pitchFamily="50" charset="-127"/>
                 <a:ea typeface="나눔고딕 ExtraBold" pitchFamily="50" charset="-127"/>
               </a:rPr>
-              <a:t> Aligning content in the shape of device </a:t>
+              <a:t> Aligning content in the shape of </a:t>
+            </a:r>
+            <a:r>
+              <a:rPr lang="en-US" altLang="ko-KR" dirty="0" smtClean="0">
+                <a:latin typeface="나눔고딕 ExtraBold" pitchFamily="50" charset="-127"/>
+                <a:ea typeface="나눔고딕 ExtraBold" pitchFamily="50" charset="-127"/>
+              </a:rPr>
+              <a:t>display </a:t>
             </a:r>
             <a:endParaRPr lang="ko-KR" altLang="en-US" dirty="0">
               <a:latin typeface="나눔고딕 ExtraBold" pitchFamily="50" charset="-127"/>
@@ -18350,7 +18057,7 @@
     </p:spTree>
     <p:extLst>
       <p:ext uri="{BB962C8B-B14F-4D97-AF65-F5344CB8AC3E}">
-        <p14:creationId xmlns:p14="http://schemas.microsoft.com/office/powerpoint/2010/main" xmlns="" val="1688234617"/>
+        <p14:creationId xmlns="" xmlns:p14="http://schemas.microsoft.com/office/powerpoint/2010/main" val="1688234617"/>
       </p:ext>
     </p:extLst>
   </p:cSld>
@@ -18659,7 +18366,7 @@
     </p:spTree>
     <p:extLst>
       <p:ext uri="{BB962C8B-B14F-4D97-AF65-F5344CB8AC3E}">
-        <p14:creationId xmlns:p14="http://schemas.microsoft.com/office/powerpoint/2010/main" xmlns="" val="3460577090"/>
+        <p14:creationId xmlns="" xmlns:p14="http://schemas.microsoft.com/office/powerpoint/2010/main" val="3460577090"/>
       </p:ext>
     </p:extLst>
   </p:cSld>
@@ -18740,7 +18447,15 @@
             </a:pPr>
             <a:r>
               <a:rPr lang="en-US" altLang="ko-KR" dirty="0" smtClean="0"/>
-              <a:t>non-auto value activates polar positioning</a:t>
+              <a:t>Distance </a:t>
+            </a:r>
+            <a:r>
+              <a:rPr lang="en-US" altLang="ko-KR" dirty="0" smtClean="0"/>
+              <a:t>between the origin of polar coordinates and the anchor point of the </a:t>
+            </a:r>
+            <a:r>
+              <a:rPr lang="en-US" altLang="ko-KR" dirty="0" smtClean="0"/>
+              <a:t>element</a:t>
             </a:r>
           </a:p>
           <a:p>
@@ -18749,15 +18464,16 @@
             </a:pPr>
             <a:r>
               <a:rPr lang="en-US" altLang="ko-KR" dirty="0" smtClean="0"/>
-              <a:t>distance between the origin of polar coordinates and the anchor point of the element</a:t>
-            </a:r>
+              <a:t>Activates polar positioning with non-auto value </a:t>
+            </a:r>
+            <a:endParaRPr lang="en-US" altLang="ko-KR" dirty="0" smtClean="0"/>
           </a:p>
           <a:p>
             <a:pPr lvl="2">
               <a:defRPr/>
             </a:pPr>
             <a:r>
-              <a:rPr lang="en-US" altLang="ko-KR" dirty="0" smtClean="0">
+              <a:rPr lang="en-US" altLang="ko-KR" b="1" dirty="0" smtClean="0">
                 <a:solidFill>
                   <a:srgbClr val="A50034"/>
                 </a:solidFill>
@@ -18771,12 +18487,22 @@
                 <a:latin typeface="LG체_v0.1 Regular" pitchFamily="50" charset="-127"/>
                 <a:ea typeface="LG체_v0.1 Regular" pitchFamily="50" charset="-127"/>
               </a:rPr>
-              <a:t>: </a:t>
+              <a:t> for</a:t>
+            </a:r>
+            <a:r>
+              <a:rPr lang="en-US" altLang="ko-KR" dirty="0" smtClean="0">
+                <a:latin typeface="LG체_v0.1 Regular" pitchFamily="50" charset="-127"/>
+                <a:ea typeface="LG체_v0.1 Regular" pitchFamily="50" charset="-127"/>
+              </a:rPr>
+              <a:t> </a:t>
             </a:r>
             <a:r>
               <a:rPr lang="en-US" altLang="ko-KR" dirty="0" smtClean="0"/>
               <a:t>avoiding overflow</a:t>
             </a:r>
+            <a:br>
+              <a:rPr lang="en-US" altLang="ko-KR" dirty="0" smtClean="0"/>
+            </a:br>
             <a:endParaRPr lang="en-US" altLang="ko-KR" dirty="0" smtClean="0">
               <a:latin typeface="LG체_v0.1 Regular" pitchFamily="50" charset="-127"/>
               <a:ea typeface="LG체_v0.1 Regular" pitchFamily="50" charset="-127"/>
@@ -18810,33 +18536,17 @@
             </a:pPr>
             <a:r>
               <a:rPr lang="en-US" altLang="ko-KR" dirty="0" smtClean="0"/>
-              <a:t>angle from the Y-axis</a:t>
-            </a:r>
-          </a:p>
-          <a:p>
-            <a:pPr lvl="3">
-              <a:defRPr/>
-            </a:pPr>
-            <a:endParaRPr lang="en-US" altLang="ko-KR" dirty="0" smtClean="0">
-              <a:latin typeface="LG체_v0.1 Regular" pitchFamily="50" charset="-127"/>
-              <a:ea typeface="LG체_v0.1 Regular" pitchFamily="50" charset="-127"/>
-            </a:endParaRPr>
-          </a:p>
-          <a:p>
-            <a:pPr lvl="3">
-              <a:defRPr/>
-            </a:pPr>
-            <a:endParaRPr lang="ko-KR" altLang="en-US" dirty="0" smtClean="0">
-              <a:latin typeface="LG체_v0.1 Regular" pitchFamily="50" charset="-127"/>
-              <a:ea typeface="LG체_v0.1 Regular" pitchFamily="50" charset="-127"/>
-            </a:endParaRPr>
-          </a:p>
-          <a:p>
-            <a:pPr lvl="1"/>
-            <a:endParaRPr lang="ko-KR" altLang="en-US" dirty="0">
-              <a:latin typeface="LG체_v0.1 Regular" pitchFamily="50" charset="-127"/>
-              <a:ea typeface="LG체_v0.1 Regular" pitchFamily="50" charset="-127"/>
-            </a:endParaRPr>
+              <a:t>Angle </a:t>
+            </a:r>
+            <a:r>
+              <a:rPr lang="en-US" altLang="ko-KR" dirty="0" smtClean="0"/>
+              <a:t>from the </a:t>
+            </a:r>
+            <a:r>
+              <a:rPr lang="en-US" altLang="ko-KR" dirty="0" smtClean="0"/>
+              <a:t>Y-axis</a:t>
+            </a:r>
+            <a:endParaRPr lang="en-US" altLang="ko-KR" dirty="0" smtClean="0"/>
           </a:p>
         </p:txBody>
       </p:sp>
@@ -18848,7 +18558,7 @@
         </p:nvSpPr>
         <p:spPr>
           <a:xfrm>
-            <a:off x="80198" y="5360729"/>
+            <a:off x="179512" y="5360729"/>
             <a:ext cx="8765541" cy="1015663"/>
           </a:xfrm>
           <a:prstGeom prst="rect">
@@ -19486,18 +19196,48 @@
           </a:ln>
         </p:spPr>
       </p:pic>
+      <p:sp>
+        <p:nvSpPr>
+          <p:cNvPr id="16" name="제목 15"/>
+          <p:cNvSpPr>
+            <a:spLocks noGrp="1"/>
+          </p:cNvSpPr>
+          <p:nvPr>
+            <p:ph type="title"/>
+          </p:nvPr>
+        </p:nvSpPr>
+        <p:spPr/>
+        <p:txBody>
+          <a:bodyPr/>
+          <a:lstStyle/>
+          <a:p>
+            <a:pPr algn="ctr"/>
+            <a:r>
+              <a:rPr lang="en-US" altLang="ko-KR" dirty="0" smtClean="0">
+                <a:latin typeface="나눔고딕 ExtraBold" pitchFamily="50" charset="-127"/>
+                <a:ea typeface="나눔고딕 ExtraBold" pitchFamily="50" charset="-127"/>
+              </a:rPr>
+              <a:t>Polar Coordinates</a:t>
+            </a:r>
+            <a:endParaRPr lang="ko-KR" altLang="en-US" dirty="0">
+              <a:latin typeface="나눔고딕 ExtraBold" pitchFamily="50" charset="-127"/>
+              <a:ea typeface="나눔고딕 ExtraBold" pitchFamily="50" charset="-127"/>
+            </a:endParaRPr>
+          </a:p>
+        </p:txBody>
+      </p:sp>
       <p:grpSp>
         <p:nvGrpSpPr>
-          <p:cNvPr id="15" name="그룹 14"/>
+          <p:cNvPr id="31" name="그룹 30"/>
           <p:cNvGrpSpPr/>
           <p:nvPr/>
         </p:nvGrpSpPr>
         <p:grpSpPr>
           <a:xfrm>
-            <a:off x="3347864" y="3573016"/>
-            <a:ext cx="1710910" cy="1584176"/>
-            <a:chOff x="3635896" y="3429000"/>
-            <a:chExt cx="1944216" cy="1800200"/>
+            <a:off x="4255165" y="3645024"/>
+            <a:ext cx="1756995" cy="1584176"/>
+            <a:chOff x="3347864" y="3573016"/>
+            <a:chExt cx="1756995" cy="1584176"/>
           </a:xfrm>
         </p:grpSpPr>
         <p:sp>
@@ -19508,8 +19248,8 @@
           </p:nvSpPr>
           <p:spPr bwMode="auto">
             <a:xfrm>
-              <a:off x="3635896" y="3429000"/>
-              <a:ext cx="1800200" cy="1800200"/>
+              <a:off x="3347864" y="3573016"/>
+              <a:ext cx="1584176" cy="1584176"/>
             </a:xfrm>
             <a:prstGeom prst="ellipse">
               <a:avLst/>
@@ -19570,14 +19310,84 @@
         </p:sp>
         <p:sp>
           <p:nvSpPr>
+            <p:cNvPr id="14" name="타원 13"/>
+            <p:cNvSpPr/>
+            <p:nvPr/>
+          </p:nvSpPr>
+          <p:spPr bwMode="auto">
+            <a:xfrm>
+              <a:off x="3537965" y="4650256"/>
+              <a:ext cx="316835" cy="316835"/>
+            </a:xfrm>
+            <a:prstGeom prst="ellipse">
+              <a:avLst/>
+            </a:prstGeom>
+            <a:solidFill>
+              <a:srgbClr val="0070C0"/>
+            </a:solidFill>
+            <a:ln w="9525" cap="flat" cmpd="sng" algn="ctr">
+              <a:noFill/>
+              <a:prstDash val="solid"/>
+              <a:round/>
+              <a:headEnd type="none" w="med" len="med"/>
+              <a:tailEnd type="none" w="med" len="med"/>
+            </a:ln>
+            <a:effectLst>
+              <a:outerShdw blurRad="50800" dist="38100" dir="2700000" algn="tl" rotWithShape="0">
+                <a:prstClr val="black">
+                  <a:alpha val="40000"/>
+                </a:prstClr>
+              </a:outerShdw>
+            </a:effectLst>
+          </p:spPr>
+          <p:txBody>
+            <a:bodyPr vert="horz" wrap="none" lIns="91440" tIns="45720" rIns="91440" bIns="45720" numCol="1" rtlCol="0" anchor="ctr" anchorCtr="0" compatLnSpc="1">
+              <a:prstTxWarp prst="textNoShape">
+                <a:avLst/>
+              </a:prstTxWarp>
+            </a:bodyPr>
+            <a:lstStyle/>
+            <a:p>
+              <a:pPr marL="0" marR="0" indent="0" algn="ctr" defTabSz="914400" rtl="0" eaLnBrk="1" fontAlgn="base" latinLnBrk="1" hangingPunct="1">
+                <a:lnSpc>
+                  <a:spcPct val="100000"/>
+                </a:lnSpc>
+                <a:spcBef>
+                  <a:spcPct val="0"/>
+                </a:spcBef>
+                <a:spcAft>
+                  <a:spcPct val="0"/>
+                </a:spcAft>
+                <a:buClrTx/>
+                <a:buSzTx/>
+                <a:buFontTx/>
+                <a:buNone/>
+                <a:tabLst/>
+              </a:pPr>
+              <a:endParaRPr kumimoji="1" lang="ko-KR" altLang="en-US" sz="1800" b="0" i="0" u="none" strike="noStrike" cap="none" normalizeH="0" baseline="0" smtClean="0">
+                <a:ln>
+                  <a:noFill/>
+                </a:ln>
+                <a:solidFill>
+                  <a:schemeClr val="tx1"/>
+                </a:solidFill>
+                <a:effectLst/>
+                <a:latin typeface="Arial" charset="0"/>
+                <a:ea typeface="돋움" pitchFamily="50" charset="-127"/>
+              </a:endParaRPr>
+            </a:p>
+          </p:txBody>
+        </p:sp>
+        <p:sp>
+          <p:nvSpPr>
             <p:cNvPr id="8" name="타원 7"/>
             <p:cNvSpPr/>
             <p:nvPr/>
           </p:nvSpPr>
           <p:spPr bwMode="auto">
             <a:xfrm>
-              <a:off x="4355976" y="3717032"/>
-              <a:ext cx="360040" cy="360040"/>
+              <a:off x="3981534" y="3826484"/>
+              <a:ext cx="316835" cy="316835"/>
             </a:xfrm>
             <a:prstGeom prst="ellipse">
               <a:avLst/>
@@ -19646,8 +19456,8 @@
           </p:nvSpPr>
           <p:spPr bwMode="auto">
             <a:xfrm>
-              <a:off x="5220072" y="4149080"/>
-              <a:ext cx="360040" cy="360040"/>
+              <a:off x="4788024" y="4206686"/>
+              <a:ext cx="316835" cy="316835"/>
             </a:xfrm>
             <a:prstGeom prst="ellipse">
               <a:avLst/>
@@ -19708,141 +19518,92 @@
             </a:p>
           </p:txBody>
         </p:sp>
-        <p:sp>
-          <p:nvSpPr>
-            <p:cNvPr id="14" name="타원 13"/>
-            <p:cNvSpPr/>
+        <p:cxnSp>
+          <p:nvCxnSpPr>
+            <p:cNvPr id="18" name="직선 연결선 17"/>
+            <p:cNvCxnSpPr/>
             <p:nvPr/>
-          </p:nvSpPr>
+          </p:nvCxnSpPr>
           <p:spPr bwMode="auto">
             <a:xfrm>
-              <a:off x="3851920" y="4653136"/>
-              <a:ext cx="360040" cy="360040"/>
+              <a:off x="4139952" y="4005064"/>
+              <a:ext cx="0" cy="360040"/>
             </a:xfrm>
-            <a:prstGeom prst="ellipse">
+            <a:prstGeom prst="line">
               <a:avLst/>
             </a:prstGeom>
-            <a:solidFill>
-              <a:srgbClr val="0070C0"/>
-            </a:solidFill>
+            <a:noFill/>
             <a:ln w="9525" cap="flat" cmpd="sng" algn="ctr">
-              <a:noFill/>
-              <a:prstDash val="solid"/>
+              <a:solidFill>
+                <a:schemeClr val="bg2"/>
+              </a:solidFill>
+              <a:prstDash val="dash"/>
               <a:round/>
               <a:headEnd type="none" w="med" len="med"/>
               <a:tailEnd type="none" w="med" len="med"/>
             </a:ln>
-            <a:effectLst>
-              <a:outerShdw blurRad="50800" dist="38100" dir="2700000" algn="tl" rotWithShape="0">
-                <a:prstClr val="black">
-                  <a:alpha val="40000"/>
-                </a:prstClr>
-              </a:outerShdw>
-            </a:effectLst>
+            <a:effectLst/>
           </p:spPr>
-          <p:txBody>
-            <a:bodyPr vert="horz" wrap="none" lIns="91440" tIns="45720" rIns="91440" bIns="45720" numCol="1" rtlCol="0" anchor="ctr" anchorCtr="0" compatLnSpc="1">
-              <a:prstTxWarp prst="textNoShape">
-                <a:avLst/>
-              </a:prstTxWarp>
-            </a:bodyPr>
-            <a:lstStyle/>
-            <a:p>
-              <a:pPr marL="0" marR="0" indent="0" algn="ctr" defTabSz="914400" rtl="0" eaLnBrk="1" fontAlgn="base" latinLnBrk="1" hangingPunct="1">
-                <a:lnSpc>
-                  <a:spcPct val="100000"/>
-                </a:lnSpc>
-                <a:spcBef>
-                  <a:spcPct val="0"/>
-                </a:spcBef>
-                <a:spcAft>
-                  <a:spcPct val="0"/>
-                </a:spcAft>
-                <a:buClrTx/>
-                <a:buSzTx/>
-                <a:buFontTx/>
-                <a:buNone/>
-                <a:tabLst/>
-              </a:pPr>
-              <a:endParaRPr kumimoji="1" lang="ko-KR" altLang="en-US" sz="1800" b="0" i="0" u="none" strike="noStrike" cap="none" normalizeH="0" baseline="0" smtClean="0">
-                <a:ln>
-                  <a:noFill/>
-                </a:ln>
-                <a:solidFill>
-                  <a:schemeClr val="tx1"/>
-                </a:solidFill>
-                <a:effectLst/>
-                <a:latin typeface="Arial" charset="0"/>
-                <a:ea typeface="돋움" pitchFamily="50" charset="-127"/>
-              </a:endParaRPr>
-            </a:p>
-          </p:txBody>
-        </p:sp>
+        </p:cxnSp>
+        <p:cxnSp>
+          <p:nvCxnSpPr>
+            <p:cNvPr id="12" name="직선 연결선 11"/>
+            <p:cNvCxnSpPr/>
+            <p:nvPr/>
+          </p:nvCxnSpPr>
+          <p:spPr bwMode="auto">
+            <a:xfrm>
+              <a:off x="4139952" y="4365104"/>
+              <a:ext cx="828000" cy="0"/>
+            </a:xfrm>
+            <a:prstGeom prst="line">
+              <a:avLst/>
+            </a:prstGeom>
+            <a:noFill/>
+            <a:ln w="9525" cap="flat" cmpd="sng" algn="ctr">
+              <a:solidFill>
+                <a:schemeClr val="bg2"/>
+              </a:solidFill>
+              <a:prstDash val="dash"/>
+              <a:round/>
+              <a:headEnd type="none" w="med" len="med"/>
+              <a:tailEnd type="none" w="med" len="med"/>
+            </a:ln>
+            <a:effectLst/>
+          </p:spPr>
+        </p:cxnSp>
+        <p:cxnSp>
+          <p:nvCxnSpPr>
+            <p:cNvPr id="27" name="직선 연결선 26"/>
+            <p:cNvCxnSpPr/>
+            <p:nvPr/>
+          </p:nvCxnSpPr>
+          <p:spPr bwMode="auto">
+            <a:xfrm flipH="1">
+              <a:off x="3672000" y="4365104"/>
+              <a:ext cx="468000" cy="468000"/>
+            </a:xfrm>
+            <a:prstGeom prst="line">
+              <a:avLst/>
+            </a:prstGeom>
+            <a:noFill/>
+            <a:ln w="9525" cap="flat" cmpd="sng" algn="ctr">
+              <a:solidFill>
+                <a:schemeClr val="bg2"/>
+              </a:solidFill>
+              <a:prstDash val="dash"/>
+              <a:round/>
+              <a:headEnd type="none" w="med" len="med"/>
+              <a:tailEnd type="none" w="med" len="med"/>
+            </a:ln>
+            <a:effectLst/>
+          </p:spPr>
+        </p:cxnSp>
       </p:grpSp>
-      <p:sp>
-        <p:nvSpPr>
-          <p:cNvPr id="16" name="제목 15"/>
-          <p:cNvSpPr>
-            <a:spLocks noGrp="1"/>
-          </p:cNvSpPr>
-          <p:nvPr>
-            <p:ph type="title"/>
-          </p:nvPr>
-        </p:nvSpPr>
-        <p:spPr/>
-        <p:txBody>
-          <a:bodyPr/>
-          <a:lstStyle/>
-          <a:p>
-            <a:pPr algn="ctr"/>
-            <a:r>
-              <a:rPr lang="en-US" altLang="ko-KR" dirty="0" smtClean="0">
-                <a:latin typeface="나눔고딕 ExtraBold" pitchFamily="50" charset="-127"/>
-                <a:ea typeface="나눔고딕 ExtraBold" pitchFamily="50" charset="-127"/>
-              </a:rPr>
-              <a:t>Polar Coordinates</a:t>
-            </a:r>
-            <a:endParaRPr lang="ko-KR" altLang="en-US" dirty="0">
-              <a:latin typeface="나눔고딕 ExtraBold" pitchFamily="50" charset="-127"/>
-              <a:ea typeface="나눔고딕 ExtraBold" pitchFamily="50" charset="-127"/>
-            </a:endParaRPr>
-          </a:p>
-        </p:txBody>
-      </p:sp>
-      <p:cxnSp>
-        <p:nvCxnSpPr>
-          <p:cNvPr id="18" name="직선 연결선 17"/>
-          <p:cNvCxnSpPr>
-            <a:stCxn id="7" idx="0"/>
-            <a:endCxn id="7" idx="4"/>
-          </p:cNvCxnSpPr>
-          <p:nvPr/>
-        </p:nvCxnSpPr>
-        <p:spPr bwMode="auto">
-          <a:xfrm>
-            <a:off x="4139952" y="3573016"/>
-            <a:ext cx="0" cy="1584176"/>
-          </a:xfrm>
-          <a:prstGeom prst="line">
-            <a:avLst/>
-          </a:prstGeom>
-          <a:noFill/>
-          <a:ln w="9525" cap="flat" cmpd="sng" algn="ctr">
-            <a:solidFill>
-              <a:schemeClr val="bg2"/>
-            </a:solidFill>
-            <a:prstDash val="solid"/>
-            <a:round/>
-            <a:headEnd type="none" w="med" len="med"/>
-            <a:tailEnd type="none" w="med" len="med"/>
-          </a:ln>
-          <a:effectLst/>
-        </p:spPr>
-      </p:cxnSp>
     </p:spTree>
     <p:extLst>
       <p:ext uri="{BB962C8B-B14F-4D97-AF65-F5344CB8AC3E}">
-        <p14:creationId xmlns:p14="http://schemas.microsoft.com/office/powerpoint/2010/main" xmlns="" val="2798336698"/>
+        <p14:creationId xmlns="" xmlns:p14="http://schemas.microsoft.com/office/powerpoint/2010/main" val="2798336698"/>
       </p:ext>
     </p:extLst>
   </p:cSld>
